--- a/files/teaching-resources/monmouthcollege-econ-300/ECON300-LEC17.pptx
+++ b/files/teaching-resources/monmouthcollege-econ-300/ECON300-LEC17.pptx
@@ -5,45 +5,47 @@
     <p:sldMasterId id="2147483720" r:id="rId1"/>
   </p:sldMasterIdLst>
   <p:notesMasterIdLst>
-    <p:notesMasterId r:id="rId38"/>
+    <p:notesMasterId r:id="rId40"/>
   </p:notesMasterIdLst>
   <p:sldIdLst>
     <p:sldId id="256" r:id="rId2"/>
-    <p:sldId id="400" r:id="rId3"/>
-    <p:sldId id="359" r:id="rId4"/>
-    <p:sldId id="360" r:id="rId5"/>
-    <p:sldId id="362" r:id="rId6"/>
-    <p:sldId id="374" r:id="rId7"/>
-    <p:sldId id="375" r:id="rId8"/>
-    <p:sldId id="367" r:id="rId9"/>
-    <p:sldId id="364" r:id="rId10"/>
-    <p:sldId id="376" r:id="rId11"/>
-    <p:sldId id="378" r:id="rId12"/>
-    <p:sldId id="365" r:id="rId13"/>
-    <p:sldId id="373" r:id="rId14"/>
-    <p:sldId id="366" r:id="rId15"/>
-    <p:sldId id="369" r:id="rId16"/>
-    <p:sldId id="370" r:id="rId17"/>
-    <p:sldId id="371" r:id="rId18"/>
-    <p:sldId id="379" r:id="rId19"/>
-    <p:sldId id="380" r:id="rId20"/>
-    <p:sldId id="381" r:id="rId21"/>
-    <p:sldId id="382" r:id="rId22"/>
-    <p:sldId id="383" r:id="rId23"/>
-    <p:sldId id="384" r:id="rId24"/>
-    <p:sldId id="385" r:id="rId25"/>
-    <p:sldId id="386" r:id="rId26"/>
-    <p:sldId id="387" r:id="rId27"/>
-    <p:sldId id="388" r:id="rId28"/>
-    <p:sldId id="389" r:id="rId29"/>
-    <p:sldId id="390" r:id="rId30"/>
-    <p:sldId id="391" r:id="rId31"/>
-    <p:sldId id="394" r:id="rId32"/>
-    <p:sldId id="395" r:id="rId33"/>
-    <p:sldId id="396" r:id="rId34"/>
-    <p:sldId id="397" r:id="rId35"/>
-    <p:sldId id="398" r:id="rId36"/>
-    <p:sldId id="399" r:id="rId37"/>
+    <p:sldId id="345" r:id="rId3"/>
+    <p:sldId id="400" r:id="rId4"/>
+    <p:sldId id="359" r:id="rId5"/>
+    <p:sldId id="360" r:id="rId6"/>
+    <p:sldId id="362" r:id="rId7"/>
+    <p:sldId id="374" r:id="rId8"/>
+    <p:sldId id="375" r:id="rId9"/>
+    <p:sldId id="367" r:id="rId10"/>
+    <p:sldId id="364" r:id="rId11"/>
+    <p:sldId id="376" r:id="rId12"/>
+    <p:sldId id="378" r:id="rId13"/>
+    <p:sldId id="365" r:id="rId14"/>
+    <p:sldId id="402" r:id="rId15"/>
+    <p:sldId id="366" r:id="rId16"/>
+    <p:sldId id="369" r:id="rId17"/>
+    <p:sldId id="370" r:id="rId18"/>
+    <p:sldId id="371" r:id="rId19"/>
+    <p:sldId id="403" r:id="rId20"/>
+    <p:sldId id="380" r:id="rId21"/>
+    <p:sldId id="381" r:id="rId22"/>
+    <p:sldId id="382" r:id="rId23"/>
+    <p:sldId id="383" r:id="rId24"/>
+    <p:sldId id="384" r:id="rId25"/>
+    <p:sldId id="385" r:id="rId26"/>
+    <p:sldId id="386" r:id="rId27"/>
+    <p:sldId id="387" r:id="rId28"/>
+    <p:sldId id="388" r:id="rId29"/>
+    <p:sldId id="389" r:id="rId30"/>
+    <p:sldId id="390" r:id="rId31"/>
+    <p:sldId id="404" r:id="rId32"/>
+    <p:sldId id="391" r:id="rId33"/>
+    <p:sldId id="394" r:id="rId34"/>
+    <p:sldId id="395" r:id="rId35"/>
+    <p:sldId id="396" r:id="rId36"/>
+    <p:sldId id="397" r:id="rId37"/>
+    <p:sldId id="398" r:id="rId38"/>
+    <p:sldId id="399" r:id="rId39"/>
   </p:sldIdLst>
   <p:sldSz cx="9144000" cy="6858000" type="screen4x3"/>
   <p:notesSz cx="6858000" cy="9144000"/>
@@ -232,7 +234,7 @@
           <a:p>
             <a:fld id="{0E0A6441-4E79-42FF-805B-86C90BDFD38D}" type="datetimeFigureOut">
               <a:rPr lang="en-US" smtClean="0"/>
-              <a:t>10/25/2023</a:t>
+              <a:t>10/27/2023</a:t>
             </a:fld>
             <a:endParaRPr lang="en-US" dirty="0"/>
           </a:p>
@@ -571,7 +573,7 @@
           <a:p>
             <a:fld id="{64A29054-221E-4755-818D-C35A08AFDBE7}" type="slidenum">
               <a:rPr lang="en-US" smtClean="0"/>
-              <a:t>10</a:t>
+              <a:t>11</a:t>
             </a:fld>
             <a:endParaRPr lang="en-US" dirty="0"/>
           </a:p>
@@ -694,7 +696,7 @@
           <a:p>
             <a:fld id="{64A29054-221E-4755-818D-C35A08AFDBE7}" type="slidenum">
               <a:rPr lang="en-US" smtClean="0"/>
-              <a:t>11</a:t>
+              <a:t>12</a:t>
             </a:fld>
             <a:endParaRPr lang="en-US" dirty="0"/>
           </a:p>
@@ -810,7 +812,7 @@
           <a:p>
             <a:fld id="{64A29054-221E-4755-818D-C35A08AFDBE7}" type="slidenum">
               <a:rPr lang="en-US" smtClean="0"/>
-              <a:t>18</a:t>
+              <a:t>19</a:t>
             </a:fld>
             <a:endParaRPr lang="en-US" dirty="0"/>
           </a:p>
@@ -819,7 +821,7 @@
     </p:spTree>
     <p:extLst>
       <p:ext uri="{BB962C8B-B14F-4D97-AF65-F5344CB8AC3E}">
-        <p14:creationId xmlns:p14="http://schemas.microsoft.com/office/powerpoint/2010/main" val="2064955230"/>
+        <p14:creationId xmlns:p14="http://schemas.microsoft.com/office/powerpoint/2010/main" val="3392223313"/>
       </p:ext>
     </p:extLst>
   </p:cSld>
@@ -901,7 +903,7 @@
           <a:p>
             <a:fld id="{64A29054-221E-4755-818D-C35A08AFDBE7}" type="slidenum">
               <a:rPr lang="en-US" smtClean="0"/>
-              <a:t>28</a:t>
+              <a:t>29</a:t>
             </a:fld>
             <a:endParaRPr lang="en-US" dirty="0"/>
           </a:p>
@@ -1024,7 +1026,7 @@
           <a:p>
             <a:fld id="{64A29054-221E-4755-818D-C35A08AFDBE7}" type="slidenum">
               <a:rPr lang="en-US" smtClean="0"/>
-              <a:t>29</a:t>
+              <a:t>30</a:t>
             </a:fld>
             <a:endParaRPr lang="en-US" dirty="0"/>
           </a:p>
@@ -1140,7 +1142,7 @@
           <a:p>
             <a:fld id="{64A29054-221E-4755-818D-C35A08AFDBE7}" type="slidenum">
               <a:rPr lang="en-US" smtClean="0"/>
-              <a:t>36</a:t>
+              <a:t>38</a:t>
             </a:fld>
             <a:endParaRPr lang="en-US" dirty="0"/>
           </a:p>
@@ -4955,6 +4957,1017 @@
       </p:grpSpPr>
       <p:sp>
         <p:nvSpPr>
+          <p:cNvPr id="2" name="Title 1">
+            <a:extLst>
+              <a:ext uri="{FF2B5EF4-FFF2-40B4-BE49-F238E27FC236}">
+                <a16:creationId xmlns:a16="http://schemas.microsoft.com/office/drawing/2014/main" id="{0D8E3986-575B-B929-0562-1561C73A78DE}"/>
+              </a:ext>
+            </a:extLst>
+          </p:cNvPr>
+          <p:cNvSpPr>
+            <a:spLocks noGrp="1"/>
+          </p:cNvSpPr>
+          <p:nvPr>
+            <p:ph type="title"/>
+          </p:nvPr>
+        </p:nvSpPr>
+        <p:spPr/>
+        <p:txBody>
+          <a:bodyPr/>
+          <a:lstStyle/>
+          <a:p>
+            <a:r>
+              <a:rPr lang="en-US" dirty="0"/>
+              <a:t>Production Function</a:t>
+            </a:r>
+          </a:p>
+        </p:txBody>
+      </p:sp>
+      <mc:AlternateContent xmlns:mc="http://schemas.openxmlformats.org/markup-compatibility/2006" xmlns:a14="http://schemas.microsoft.com/office/drawing/2010/main">
+        <mc:Choice Requires="a14">
+          <p:sp>
+            <p:nvSpPr>
+              <p:cNvPr id="3" name="Content Placeholder 2">
+                <a:extLst>
+                  <a:ext uri="{FF2B5EF4-FFF2-40B4-BE49-F238E27FC236}">
+                    <a16:creationId xmlns:a16="http://schemas.microsoft.com/office/drawing/2014/main" id="{5A717BAA-D4BA-C7EB-5696-203603829C7C}"/>
+                  </a:ext>
+                </a:extLst>
+              </p:cNvPr>
+              <p:cNvSpPr>
+                <a:spLocks noGrp="1"/>
+              </p:cNvSpPr>
+              <p:nvPr>
+                <p:ph idx="1"/>
+              </p:nvPr>
+            </p:nvSpPr>
+            <p:spPr>
+              <a:xfrm>
+                <a:off x="628649" y="1825625"/>
+                <a:ext cx="7989139" cy="4351338"/>
+              </a:xfrm>
+            </p:spPr>
+            <p:txBody>
+              <a:bodyPr>
+                <a:normAutofit lnSpcReduction="10000"/>
+              </a:bodyPr>
+              <a:lstStyle/>
+              <a:p>
+                <a:r>
+                  <a:rPr lang="en-US" dirty="0"/>
+                  <a:t>Total Product: Total amount of output.</a:t>
+                </a:r>
+              </a:p>
+              <a:p>
+                <a:pPr lvl="1"/>
+                <a:r>
+                  <a:rPr lang="en-US" b="0" dirty="0"/>
+                  <a:t>Total product is simply </a:t>
+                </a:r>
+                <a14:m>
+                  <m:oMath xmlns:m="http://schemas.openxmlformats.org/officeDocument/2006/math">
+                    <m:r>
+                      <a:rPr lang="en-US" b="0" i="1" smtClean="0">
+                        <a:latin typeface="Cambria Math" panose="02040503050406030204" pitchFamily="18" charset="0"/>
+                      </a:rPr>
+                      <m:t>𝑄</m:t>
+                    </m:r>
+                  </m:oMath>
+                </a14:m>
+                <a:endParaRPr lang="en-US" dirty="0"/>
+              </a:p>
+              <a:p>
+                <a:pPr lvl="3"/>
+                <a:endParaRPr lang="en-US" dirty="0"/>
+              </a:p>
+              <a:p>
+                <a:r>
+                  <a:rPr lang="en-US" dirty="0"/>
+                  <a:t>Average Product: Output produced per unit of input.</a:t>
+                </a:r>
+              </a:p>
+              <a:p>
+                <a:pPr lvl="1"/>
+                <a:r>
+                  <a:rPr lang="en-US" dirty="0"/>
+                  <a:t>Average Product of Capital: </a:t>
+                </a:r>
+                <a14:m>
+                  <m:oMath xmlns:m="http://schemas.openxmlformats.org/officeDocument/2006/math">
+                    <m:r>
+                      <a:rPr lang="en-US" b="0" i="1" smtClean="0">
+                        <a:latin typeface="Cambria Math" panose="02040503050406030204" pitchFamily="18" charset="0"/>
+                      </a:rPr>
+                      <m:t>𝐴</m:t>
+                    </m:r>
+                    <m:sSub>
+                      <m:sSubPr>
+                        <m:ctrlPr>
+                          <a:rPr lang="en-US" b="0" i="1" smtClean="0">
+                            <a:latin typeface="Cambria Math" panose="02040503050406030204" pitchFamily="18" charset="0"/>
+                          </a:rPr>
+                        </m:ctrlPr>
+                      </m:sSubPr>
+                      <m:e>
+                        <m:r>
+                          <a:rPr lang="en-US" b="0" i="1" smtClean="0">
+                            <a:latin typeface="Cambria Math" panose="02040503050406030204" pitchFamily="18" charset="0"/>
+                          </a:rPr>
+                          <m:t>𝑃</m:t>
+                        </m:r>
+                      </m:e>
+                      <m:sub>
+                        <m:r>
+                          <a:rPr lang="en-US" b="0" i="1" smtClean="0">
+                            <a:latin typeface="Cambria Math" panose="02040503050406030204" pitchFamily="18" charset="0"/>
+                          </a:rPr>
+                          <m:t>𝐾</m:t>
+                        </m:r>
+                      </m:sub>
+                    </m:sSub>
+                    <m:r>
+                      <a:rPr lang="en-US" b="0" i="1" smtClean="0">
+                        <a:latin typeface="Cambria Math" panose="02040503050406030204" pitchFamily="18" charset="0"/>
+                      </a:rPr>
+                      <m:t>=</m:t>
+                    </m:r>
+                    <m:f>
+                      <m:fPr>
+                        <m:ctrlPr>
+                          <a:rPr lang="en-US" i="1" smtClean="0">
+                            <a:latin typeface="Cambria Math" panose="02040503050406030204" pitchFamily="18" charset="0"/>
+                          </a:rPr>
+                        </m:ctrlPr>
+                      </m:fPr>
+                      <m:num>
+                        <m:r>
+                          <a:rPr lang="en-US" b="0" i="1" smtClean="0">
+                            <a:latin typeface="Cambria Math" panose="02040503050406030204" pitchFamily="18" charset="0"/>
+                            <a:ea typeface="Cambria Math" panose="02040503050406030204" pitchFamily="18" charset="0"/>
+                          </a:rPr>
+                          <m:t>𝑄</m:t>
+                        </m:r>
+                      </m:num>
+                      <m:den>
+                        <m:r>
+                          <a:rPr lang="en-US" b="0" i="1" smtClean="0">
+                            <a:latin typeface="Cambria Math" panose="02040503050406030204" pitchFamily="18" charset="0"/>
+                            <a:ea typeface="Cambria Math" panose="02040503050406030204" pitchFamily="18" charset="0"/>
+                          </a:rPr>
+                          <m:t>𝐾</m:t>
+                        </m:r>
+                      </m:den>
+                    </m:f>
+                  </m:oMath>
+                </a14:m>
+                <a:endParaRPr lang="en-US" dirty="0"/>
+              </a:p>
+              <a:p>
+                <a:pPr lvl="1"/>
+                <a:r>
+                  <a:rPr lang="en-US" dirty="0"/>
+                  <a:t>Average Product of Labor: </a:t>
+                </a:r>
+                <a14:m>
+                  <m:oMath xmlns:m="http://schemas.openxmlformats.org/officeDocument/2006/math">
+                    <m:sSub>
+                      <m:sSubPr>
+                        <m:ctrlPr>
+                          <a:rPr lang="en-US" b="0" i="1" smtClean="0">
+                            <a:latin typeface="Cambria Math" panose="02040503050406030204" pitchFamily="18" charset="0"/>
+                          </a:rPr>
+                        </m:ctrlPr>
+                      </m:sSubPr>
+                      <m:e>
+                        <m:r>
+                          <a:rPr lang="en-US" b="0" i="1" smtClean="0">
+                            <a:latin typeface="Cambria Math" panose="02040503050406030204" pitchFamily="18" charset="0"/>
+                          </a:rPr>
+                          <m:t>𝐴𝑃</m:t>
+                        </m:r>
+                      </m:e>
+                      <m:sub>
+                        <m:r>
+                          <a:rPr lang="en-US" b="0" i="1" smtClean="0">
+                            <a:latin typeface="Cambria Math" panose="02040503050406030204" pitchFamily="18" charset="0"/>
+                          </a:rPr>
+                          <m:t>𝐿</m:t>
+                        </m:r>
+                      </m:sub>
+                    </m:sSub>
+                    <m:r>
+                      <a:rPr lang="en-US" b="0" i="1" smtClean="0">
+                        <a:latin typeface="Cambria Math" panose="02040503050406030204" pitchFamily="18" charset="0"/>
+                      </a:rPr>
+                      <m:t>=</m:t>
+                    </m:r>
+                    <m:f>
+                      <m:fPr>
+                        <m:ctrlPr>
+                          <a:rPr lang="en-US" i="1" smtClean="0">
+                            <a:latin typeface="Cambria Math" panose="02040503050406030204" pitchFamily="18" charset="0"/>
+                          </a:rPr>
+                        </m:ctrlPr>
+                      </m:fPr>
+                      <m:num>
+                        <m:r>
+                          <a:rPr lang="en-US" b="0" i="1" smtClean="0">
+                            <a:latin typeface="Cambria Math" panose="02040503050406030204" pitchFamily="18" charset="0"/>
+                            <a:ea typeface="Cambria Math" panose="02040503050406030204" pitchFamily="18" charset="0"/>
+                          </a:rPr>
+                          <m:t>𝑄</m:t>
+                        </m:r>
+                      </m:num>
+                      <m:den>
+                        <m:r>
+                          <a:rPr lang="en-US" b="0" i="1" smtClean="0">
+                            <a:latin typeface="Cambria Math" panose="02040503050406030204" pitchFamily="18" charset="0"/>
+                            <a:ea typeface="Cambria Math" panose="02040503050406030204" pitchFamily="18" charset="0"/>
+                          </a:rPr>
+                          <m:t>𝐿</m:t>
+                        </m:r>
+                      </m:den>
+                    </m:f>
+                  </m:oMath>
+                </a14:m>
+                <a:endParaRPr lang="en-US" dirty="0"/>
+              </a:p>
+              <a:p>
+                <a:pPr lvl="3"/>
+                <a:endParaRPr lang="en-US" dirty="0"/>
+              </a:p>
+              <a:p>
+                <a:r>
+                  <a:rPr lang="en-US" dirty="0"/>
+                  <a:t>Marginal Product: Additional output gained from increasing input by a small amount</a:t>
+                </a:r>
+              </a:p>
+              <a:p>
+                <a:pPr lvl="1"/>
+                <a:r>
+                  <a:rPr lang="en-US" dirty="0"/>
+                  <a:t>Marginal Product of Capital: </a:t>
+                </a:r>
+                <a14:m>
+                  <m:oMath xmlns:m="http://schemas.openxmlformats.org/officeDocument/2006/math">
+                    <m:r>
+                      <a:rPr lang="en-US" b="0" i="1" smtClean="0">
+                        <a:latin typeface="Cambria Math" panose="02040503050406030204" pitchFamily="18" charset="0"/>
+                      </a:rPr>
+                      <m:t>𝑀</m:t>
+                    </m:r>
+                    <m:sSub>
+                      <m:sSubPr>
+                        <m:ctrlPr>
+                          <a:rPr lang="en-US" b="0" i="1" smtClean="0">
+                            <a:latin typeface="Cambria Math" panose="02040503050406030204" pitchFamily="18" charset="0"/>
+                          </a:rPr>
+                        </m:ctrlPr>
+                      </m:sSubPr>
+                      <m:e>
+                        <m:r>
+                          <a:rPr lang="en-US" b="0" i="1" smtClean="0">
+                            <a:latin typeface="Cambria Math" panose="02040503050406030204" pitchFamily="18" charset="0"/>
+                          </a:rPr>
+                          <m:t>𝑃</m:t>
+                        </m:r>
+                      </m:e>
+                      <m:sub>
+                        <m:r>
+                          <a:rPr lang="en-US" b="0" i="1" smtClean="0">
+                            <a:latin typeface="Cambria Math" panose="02040503050406030204" pitchFamily="18" charset="0"/>
+                          </a:rPr>
+                          <m:t>𝐾</m:t>
+                        </m:r>
+                      </m:sub>
+                    </m:sSub>
+                    <m:r>
+                      <a:rPr lang="en-US" b="0" i="1" smtClean="0">
+                        <a:latin typeface="Cambria Math" panose="02040503050406030204" pitchFamily="18" charset="0"/>
+                      </a:rPr>
+                      <m:t>=</m:t>
+                    </m:r>
+                    <m:f>
+                      <m:fPr>
+                        <m:ctrlPr>
+                          <a:rPr lang="en-US" i="1" smtClean="0">
+                            <a:latin typeface="Cambria Math" panose="02040503050406030204" pitchFamily="18" charset="0"/>
+                          </a:rPr>
+                        </m:ctrlPr>
+                      </m:fPr>
+                      <m:num>
+                        <m:r>
+                          <a:rPr lang="en-US" i="1" smtClean="0">
+                            <a:latin typeface="Cambria Math" panose="02040503050406030204" pitchFamily="18" charset="0"/>
+                            <a:ea typeface="Cambria Math" panose="02040503050406030204" pitchFamily="18" charset="0"/>
+                          </a:rPr>
+                          <m:t>𝜕</m:t>
+                        </m:r>
+                        <m:r>
+                          <a:rPr lang="en-US" b="0" i="1" smtClean="0">
+                            <a:latin typeface="Cambria Math" panose="02040503050406030204" pitchFamily="18" charset="0"/>
+                            <a:ea typeface="Cambria Math" panose="02040503050406030204" pitchFamily="18" charset="0"/>
+                          </a:rPr>
+                          <m:t>𝑄</m:t>
+                        </m:r>
+                      </m:num>
+                      <m:den>
+                        <m:r>
+                          <a:rPr lang="en-US" i="1" smtClean="0">
+                            <a:latin typeface="Cambria Math" panose="02040503050406030204" pitchFamily="18" charset="0"/>
+                            <a:ea typeface="Cambria Math" panose="02040503050406030204" pitchFamily="18" charset="0"/>
+                          </a:rPr>
+                          <m:t>𝜕</m:t>
+                        </m:r>
+                        <m:r>
+                          <a:rPr lang="en-US" b="0" i="1" smtClean="0">
+                            <a:latin typeface="Cambria Math" panose="02040503050406030204" pitchFamily="18" charset="0"/>
+                            <a:ea typeface="Cambria Math" panose="02040503050406030204" pitchFamily="18" charset="0"/>
+                          </a:rPr>
+                          <m:t>𝐾</m:t>
+                        </m:r>
+                      </m:den>
+                    </m:f>
+                  </m:oMath>
+                </a14:m>
+                <a:endParaRPr lang="en-US" dirty="0"/>
+              </a:p>
+              <a:p>
+                <a:pPr lvl="1"/>
+                <a:r>
+                  <a:rPr lang="en-US" dirty="0"/>
+                  <a:t>Marginal Product of Labor: </a:t>
+                </a:r>
+                <a14:m>
+                  <m:oMath xmlns:m="http://schemas.openxmlformats.org/officeDocument/2006/math">
+                    <m:sSub>
+                      <m:sSubPr>
+                        <m:ctrlPr>
+                          <a:rPr lang="en-US" b="0" i="1" smtClean="0">
+                            <a:latin typeface="Cambria Math" panose="02040503050406030204" pitchFamily="18" charset="0"/>
+                          </a:rPr>
+                        </m:ctrlPr>
+                      </m:sSubPr>
+                      <m:e>
+                        <m:r>
+                          <a:rPr lang="en-US" b="0" i="1" smtClean="0">
+                            <a:latin typeface="Cambria Math" panose="02040503050406030204" pitchFamily="18" charset="0"/>
+                          </a:rPr>
+                          <m:t>𝑀𝑃</m:t>
+                        </m:r>
+                      </m:e>
+                      <m:sub>
+                        <m:r>
+                          <a:rPr lang="en-US" b="0" i="1" smtClean="0">
+                            <a:latin typeface="Cambria Math" panose="02040503050406030204" pitchFamily="18" charset="0"/>
+                          </a:rPr>
+                          <m:t>𝐿</m:t>
+                        </m:r>
+                      </m:sub>
+                    </m:sSub>
+                    <m:r>
+                      <a:rPr lang="en-US" b="0" i="1" smtClean="0">
+                        <a:latin typeface="Cambria Math" panose="02040503050406030204" pitchFamily="18" charset="0"/>
+                      </a:rPr>
+                      <m:t>=</m:t>
+                    </m:r>
+                    <m:f>
+                      <m:fPr>
+                        <m:ctrlPr>
+                          <a:rPr lang="en-US" i="1" smtClean="0">
+                            <a:latin typeface="Cambria Math" panose="02040503050406030204" pitchFamily="18" charset="0"/>
+                          </a:rPr>
+                        </m:ctrlPr>
+                      </m:fPr>
+                      <m:num>
+                        <m:r>
+                          <a:rPr lang="en-US" i="1" smtClean="0">
+                            <a:latin typeface="Cambria Math" panose="02040503050406030204" pitchFamily="18" charset="0"/>
+                            <a:ea typeface="Cambria Math" panose="02040503050406030204" pitchFamily="18" charset="0"/>
+                          </a:rPr>
+                          <m:t>𝜕</m:t>
+                        </m:r>
+                        <m:r>
+                          <a:rPr lang="en-US" b="0" i="1" smtClean="0">
+                            <a:latin typeface="Cambria Math" panose="02040503050406030204" pitchFamily="18" charset="0"/>
+                            <a:ea typeface="Cambria Math" panose="02040503050406030204" pitchFamily="18" charset="0"/>
+                          </a:rPr>
+                          <m:t>𝑄</m:t>
+                        </m:r>
+                      </m:num>
+                      <m:den>
+                        <m:r>
+                          <a:rPr lang="en-US" i="1" smtClean="0">
+                            <a:latin typeface="Cambria Math" panose="02040503050406030204" pitchFamily="18" charset="0"/>
+                            <a:ea typeface="Cambria Math" panose="02040503050406030204" pitchFamily="18" charset="0"/>
+                          </a:rPr>
+                          <m:t>𝜕</m:t>
+                        </m:r>
+                        <m:r>
+                          <a:rPr lang="en-US" b="0" i="1" smtClean="0">
+                            <a:latin typeface="Cambria Math" panose="02040503050406030204" pitchFamily="18" charset="0"/>
+                            <a:ea typeface="Cambria Math" panose="02040503050406030204" pitchFamily="18" charset="0"/>
+                          </a:rPr>
+                          <m:t>𝐿</m:t>
+                        </m:r>
+                      </m:den>
+                    </m:f>
+                  </m:oMath>
+                </a14:m>
+                <a:endParaRPr lang="en-US" dirty="0"/>
+              </a:p>
+            </p:txBody>
+          </p:sp>
+        </mc:Choice>
+        <mc:Fallback xmlns="">
+          <p:sp>
+            <p:nvSpPr>
+              <p:cNvPr id="3" name="Content Placeholder 2">
+                <a:extLst>
+                  <a:ext uri="{FF2B5EF4-FFF2-40B4-BE49-F238E27FC236}">
+                    <a16:creationId xmlns:a16="http://schemas.microsoft.com/office/drawing/2014/main" id="{5A717BAA-D4BA-C7EB-5696-203603829C7C}"/>
+                  </a:ext>
+                </a:extLst>
+              </p:cNvPr>
+              <p:cNvSpPr>
+                <a:spLocks noGrp="1" noRot="1" noChangeAspect="1" noMove="1" noResize="1" noEditPoints="1" noAdjustHandles="1" noChangeArrowheads="1" noChangeShapeType="1" noTextEdit="1"/>
+              </p:cNvSpPr>
+              <p:nvPr>
+                <p:ph idx="1"/>
+              </p:nvPr>
+            </p:nvSpPr>
+            <p:spPr>
+              <a:xfrm>
+                <a:off x="628649" y="1825625"/>
+                <a:ext cx="7989139" cy="4351338"/>
+              </a:xfrm>
+              <a:blipFill>
+                <a:blip r:embed="rId2"/>
+                <a:stretch>
+                  <a:fillRect l="-992" t="-2661" r="-1754"/>
+                </a:stretch>
+              </a:blipFill>
+            </p:spPr>
+            <p:txBody>
+              <a:bodyPr/>
+              <a:lstStyle/>
+              <a:p>
+                <a:r>
+                  <a:rPr lang="en-US">
+                    <a:noFill/>
+                  </a:rPr>
+                  <a:t> </a:t>
+                </a:r>
+              </a:p>
+            </p:txBody>
+          </p:sp>
+        </mc:Fallback>
+      </mc:AlternateContent>
+      <p:sp>
+        <p:nvSpPr>
+          <p:cNvPr id="4" name="Date Placeholder 3">
+            <a:extLst>
+              <a:ext uri="{FF2B5EF4-FFF2-40B4-BE49-F238E27FC236}">
+                <a16:creationId xmlns:a16="http://schemas.microsoft.com/office/drawing/2014/main" id="{B09CFCAE-B4E3-649B-FDB7-488E4E51258C}"/>
+              </a:ext>
+            </a:extLst>
+          </p:cNvPr>
+          <p:cNvSpPr>
+            <a:spLocks noGrp="1"/>
+          </p:cNvSpPr>
+          <p:nvPr>
+            <p:ph type="dt" sz="half" idx="10"/>
+          </p:nvPr>
+        </p:nvSpPr>
+        <p:spPr/>
+        <p:txBody>
+          <a:bodyPr/>
+          <a:lstStyle/>
+          <a:p>
+            <a:r>
+              <a:rPr lang="en-US" dirty="0"/>
+              <a:t>Fall 2023</a:t>
+            </a:r>
+          </a:p>
+        </p:txBody>
+      </p:sp>
+      <p:sp>
+        <p:nvSpPr>
+          <p:cNvPr id="5" name="Footer Placeholder 4">
+            <a:extLst>
+              <a:ext uri="{FF2B5EF4-FFF2-40B4-BE49-F238E27FC236}">
+                <a16:creationId xmlns:a16="http://schemas.microsoft.com/office/drawing/2014/main" id="{52AC4525-C5C8-8596-B2EA-0E2C5344302C}"/>
+              </a:ext>
+            </a:extLst>
+          </p:cNvPr>
+          <p:cNvSpPr>
+            <a:spLocks noGrp="1"/>
+          </p:cNvSpPr>
+          <p:nvPr>
+            <p:ph type="ftr" sz="quarter" idx="11"/>
+          </p:nvPr>
+        </p:nvSpPr>
+        <p:spPr/>
+        <p:txBody>
+          <a:bodyPr/>
+          <a:lstStyle/>
+          <a:p>
+            <a:r>
+              <a:rPr lang="en-US" dirty="0"/>
+              <a:t>DEPARTMENT OF BUSINESS &amp; ECONOMICS</a:t>
+            </a:r>
+          </a:p>
+        </p:txBody>
+      </p:sp>
+      <p:sp>
+        <p:nvSpPr>
+          <p:cNvPr id="6" name="Slide Number Placeholder 5">
+            <a:extLst>
+              <a:ext uri="{FF2B5EF4-FFF2-40B4-BE49-F238E27FC236}">
+                <a16:creationId xmlns:a16="http://schemas.microsoft.com/office/drawing/2014/main" id="{1E261E69-6082-7B91-F48A-C4702A4B503E}"/>
+              </a:ext>
+            </a:extLst>
+          </p:cNvPr>
+          <p:cNvSpPr>
+            <a:spLocks noGrp="1"/>
+          </p:cNvSpPr>
+          <p:nvPr>
+            <p:ph type="sldNum" sz="quarter" idx="12"/>
+          </p:nvPr>
+        </p:nvSpPr>
+        <p:spPr/>
+        <p:txBody>
+          <a:bodyPr/>
+          <a:lstStyle/>
+          <a:p>
+            <a:fld id="{1A980C56-831A-4EAB-9EDE-57C090F4F877}" type="slidenum">
+              <a:rPr lang="en-US" smtClean="0"/>
+              <a:t>10</a:t>
+            </a:fld>
+            <a:endParaRPr lang="en-US" dirty="0"/>
+          </a:p>
+        </p:txBody>
+      </p:sp>
+    </p:spTree>
+    <p:extLst>
+      <p:ext uri="{BB962C8B-B14F-4D97-AF65-F5344CB8AC3E}">
+        <p14:creationId xmlns:p14="http://schemas.microsoft.com/office/powerpoint/2010/main" val="4235818929"/>
+      </p:ext>
+    </p:extLst>
+  </p:cSld>
+  <p:clrMapOvr>
+    <a:masterClrMapping/>
+  </p:clrMapOvr>
+  <p:timing>
+    <p:tnLst>
+      <p:par>
+        <p:cTn id="1" dur="indefinite" restart="never" nodeType="tmRoot">
+          <p:childTnLst>
+            <p:seq concurrent="1" nextAc="seek">
+              <p:cTn id="2" dur="indefinite" nodeType="mainSeq">
+                <p:childTnLst>
+                  <p:par>
+                    <p:cTn id="3" fill="hold">
+                      <p:stCondLst>
+                        <p:cond delay="indefinite"/>
+                      </p:stCondLst>
+                      <p:childTnLst>
+                        <p:par>
+                          <p:cTn id="4" fill="hold">
+                            <p:stCondLst>
+                              <p:cond delay="0"/>
+                            </p:stCondLst>
+                            <p:childTnLst>
+                              <p:par>
+                                <p:cTn id="5" presetID="10" presetClass="entr" presetSubtype="0" fill="hold" nodeType="clickEffect">
+                                  <p:stCondLst>
+                                    <p:cond delay="0"/>
+                                  </p:stCondLst>
+                                  <p:childTnLst>
+                                    <p:set>
+                                      <p:cBhvr>
+                                        <p:cTn id="6" dur="1" fill="hold">
+                                          <p:stCondLst>
+                                            <p:cond delay="0"/>
+                                          </p:stCondLst>
+                                        </p:cTn>
+                                        <p:tgtEl>
+                                          <p:spTgt spid="3">
+                                            <p:txEl>
+                                              <p:pRg st="0" end="0"/>
+                                            </p:txEl>
+                                          </p:spTgt>
+                                        </p:tgtEl>
+                                        <p:attrNameLst>
+                                          <p:attrName>style.visibility</p:attrName>
+                                        </p:attrNameLst>
+                                      </p:cBhvr>
+                                      <p:to>
+                                        <p:strVal val="visible"/>
+                                      </p:to>
+                                    </p:set>
+                                    <p:animEffect transition="in" filter="fade">
+                                      <p:cBhvr>
+                                        <p:cTn id="7" dur="500"/>
+                                        <p:tgtEl>
+                                          <p:spTgt spid="3">
+                                            <p:txEl>
+                                              <p:pRg st="0" end="0"/>
+                                            </p:txEl>
+                                          </p:spTgt>
+                                        </p:tgtEl>
+                                      </p:cBhvr>
+                                    </p:animEffect>
+                                  </p:childTnLst>
+                                </p:cTn>
+                              </p:par>
+                              <p:par>
+                                <p:cTn id="8" presetID="10" presetClass="entr" presetSubtype="0" fill="hold" nodeType="withEffect">
+                                  <p:stCondLst>
+                                    <p:cond delay="0"/>
+                                  </p:stCondLst>
+                                  <p:childTnLst>
+                                    <p:set>
+                                      <p:cBhvr>
+                                        <p:cTn id="9" dur="1" fill="hold">
+                                          <p:stCondLst>
+                                            <p:cond delay="0"/>
+                                          </p:stCondLst>
+                                        </p:cTn>
+                                        <p:tgtEl>
+                                          <p:spTgt spid="3">
+                                            <p:txEl>
+                                              <p:pRg st="1" end="1"/>
+                                            </p:txEl>
+                                          </p:spTgt>
+                                        </p:tgtEl>
+                                        <p:attrNameLst>
+                                          <p:attrName>style.visibility</p:attrName>
+                                        </p:attrNameLst>
+                                      </p:cBhvr>
+                                      <p:to>
+                                        <p:strVal val="visible"/>
+                                      </p:to>
+                                    </p:set>
+                                    <p:animEffect transition="in" filter="fade">
+                                      <p:cBhvr>
+                                        <p:cTn id="10" dur="500"/>
+                                        <p:tgtEl>
+                                          <p:spTgt spid="3">
+                                            <p:txEl>
+                                              <p:pRg st="1" end="1"/>
+                                            </p:txEl>
+                                          </p:spTgt>
+                                        </p:tgtEl>
+                                      </p:cBhvr>
+                                    </p:animEffect>
+                                  </p:childTnLst>
+                                </p:cTn>
+                              </p:par>
+                            </p:childTnLst>
+                          </p:cTn>
+                        </p:par>
+                      </p:childTnLst>
+                    </p:cTn>
+                  </p:par>
+                  <p:par>
+                    <p:cTn id="11" fill="hold">
+                      <p:stCondLst>
+                        <p:cond delay="indefinite"/>
+                      </p:stCondLst>
+                      <p:childTnLst>
+                        <p:par>
+                          <p:cTn id="12" fill="hold">
+                            <p:stCondLst>
+                              <p:cond delay="0"/>
+                            </p:stCondLst>
+                            <p:childTnLst>
+                              <p:par>
+                                <p:cTn id="13" presetID="10" presetClass="entr" presetSubtype="0" fill="hold" nodeType="clickEffect">
+                                  <p:stCondLst>
+                                    <p:cond delay="0"/>
+                                  </p:stCondLst>
+                                  <p:childTnLst>
+                                    <p:set>
+                                      <p:cBhvr>
+                                        <p:cTn id="14" dur="1" fill="hold">
+                                          <p:stCondLst>
+                                            <p:cond delay="0"/>
+                                          </p:stCondLst>
+                                        </p:cTn>
+                                        <p:tgtEl>
+                                          <p:spTgt spid="3">
+                                            <p:txEl>
+                                              <p:pRg st="3" end="3"/>
+                                            </p:txEl>
+                                          </p:spTgt>
+                                        </p:tgtEl>
+                                        <p:attrNameLst>
+                                          <p:attrName>style.visibility</p:attrName>
+                                        </p:attrNameLst>
+                                      </p:cBhvr>
+                                      <p:to>
+                                        <p:strVal val="visible"/>
+                                      </p:to>
+                                    </p:set>
+                                    <p:animEffect transition="in" filter="fade">
+                                      <p:cBhvr>
+                                        <p:cTn id="15" dur="500"/>
+                                        <p:tgtEl>
+                                          <p:spTgt spid="3">
+                                            <p:txEl>
+                                              <p:pRg st="3" end="3"/>
+                                            </p:txEl>
+                                          </p:spTgt>
+                                        </p:tgtEl>
+                                      </p:cBhvr>
+                                    </p:animEffect>
+                                  </p:childTnLst>
+                                </p:cTn>
+                              </p:par>
+                              <p:par>
+                                <p:cTn id="16" presetID="10" presetClass="entr" presetSubtype="0" fill="hold" nodeType="withEffect">
+                                  <p:stCondLst>
+                                    <p:cond delay="0"/>
+                                  </p:stCondLst>
+                                  <p:childTnLst>
+                                    <p:set>
+                                      <p:cBhvr>
+                                        <p:cTn id="17" dur="1" fill="hold">
+                                          <p:stCondLst>
+                                            <p:cond delay="0"/>
+                                          </p:stCondLst>
+                                        </p:cTn>
+                                        <p:tgtEl>
+                                          <p:spTgt spid="3">
+                                            <p:txEl>
+                                              <p:pRg st="4" end="4"/>
+                                            </p:txEl>
+                                          </p:spTgt>
+                                        </p:tgtEl>
+                                        <p:attrNameLst>
+                                          <p:attrName>style.visibility</p:attrName>
+                                        </p:attrNameLst>
+                                      </p:cBhvr>
+                                      <p:to>
+                                        <p:strVal val="visible"/>
+                                      </p:to>
+                                    </p:set>
+                                    <p:animEffect transition="in" filter="fade">
+                                      <p:cBhvr>
+                                        <p:cTn id="18" dur="500"/>
+                                        <p:tgtEl>
+                                          <p:spTgt spid="3">
+                                            <p:txEl>
+                                              <p:pRg st="4" end="4"/>
+                                            </p:txEl>
+                                          </p:spTgt>
+                                        </p:tgtEl>
+                                      </p:cBhvr>
+                                    </p:animEffect>
+                                  </p:childTnLst>
+                                </p:cTn>
+                              </p:par>
+                              <p:par>
+                                <p:cTn id="19" presetID="10" presetClass="entr" presetSubtype="0" fill="hold" nodeType="withEffect">
+                                  <p:stCondLst>
+                                    <p:cond delay="0"/>
+                                  </p:stCondLst>
+                                  <p:childTnLst>
+                                    <p:set>
+                                      <p:cBhvr>
+                                        <p:cTn id="20" dur="1" fill="hold">
+                                          <p:stCondLst>
+                                            <p:cond delay="0"/>
+                                          </p:stCondLst>
+                                        </p:cTn>
+                                        <p:tgtEl>
+                                          <p:spTgt spid="3">
+                                            <p:txEl>
+                                              <p:pRg st="5" end="5"/>
+                                            </p:txEl>
+                                          </p:spTgt>
+                                        </p:tgtEl>
+                                        <p:attrNameLst>
+                                          <p:attrName>style.visibility</p:attrName>
+                                        </p:attrNameLst>
+                                      </p:cBhvr>
+                                      <p:to>
+                                        <p:strVal val="visible"/>
+                                      </p:to>
+                                    </p:set>
+                                    <p:animEffect transition="in" filter="fade">
+                                      <p:cBhvr>
+                                        <p:cTn id="21" dur="500"/>
+                                        <p:tgtEl>
+                                          <p:spTgt spid="3">
+                                            <p:txEl>
+                                              <p:pRg st="5" end="5"/>
+                                            </p:txEl>
+                                          </p:spTgt>
+                                        </p:tgtEl>
+                                      </p:cBhvr>
+                                    </p:animEffect>
+                                  </p:childTnLst>
+                                </p:cTn>
+                              </p:par>
+                            </p:childTnLst>
+                          </p:cTn>
+                        </p:par>
+                      </p:childTnLst>
+                    </p:cTn>
+                  </p:par>
+                  <p:par>
+                    <p:cTn id="22" fill="hold">
+                      <p:stCondLst>
+                        <p:cond delay="indefinite"/>
+                      </p:stCondLst>
+                      <p:childTnLst>
+                        <p:par>
+                          <p:cTn id="23" fill="hold">
+                            <p:stCondLst>
+                              <p:cond delay="0"/>
+                            </p:stCondLst>
+                            <p:childTnLst>
+                              <p:par>
+                                <p:cTn id="24" presetID="10" presetClass="entr" presetSubtype="0" fill="hold" nodeType="clickEffect">
+                                  <p:stCondLst>
+                                    <p:cond delay="0"/>
+                                  </p:stCondLst>
+                                  <p:childTnLst>
+                                    <p:set>
+                                      <p:cBhvr>
+                                        <p:cTn id="25" dur="1" fill="hold">
+                                          <p:stCondLst>
+                                            <p:cond delay="0"/>
+                                          </p:stCondLst>
+                                        </p:cTn>
+                                        <p:tgtEl>
+                                          <p:spTgt spid="3">
+                                            <p:txEl>
+                                              <p:pRg st="7" end="7"/>
+                                            </p:txEl>
+                                          </p:spTgt>
+                                        </p:tgtEl>
+                                        <p:attrNameLst>
+                                          <p:attrName>style.visibility</p:attrName>
+                                        </p:attrNameLst>
+                                      </p:cBhvr>
+                                      <p:to>
+                                        <p:strVal val="visible"/>
+                                      </p:to>
+                                    </p:set>
+                                    <p:animEffect transition="in" filter="fade">
+                                      <p:cBhvr>
+                                        <p:cTn id="26" dur="500"/>
+                                        <p:tgtEl>
+                                          <p:spTgt spid="3">
+                                            <p:txEl>
+                                              <p:pRg st="7" end="7"/>
+                                            </p:txEl>
+                                          </p:spTgt>
+                                        </p:tgtEl>
+                                      </p:cBhvr>
+                                    </p:animEffect>
+                                  </p:childTnLst>
+                                </p:cTn>
+                              </p:par>
+                              <p:par>
+                                <p:cTn id="27" presetID="10" presetClass="entr" presetSubtype="0" fill="hold" nodeType="withEffect">
+                                  <p:stCondLst>
+                                    <p:cond delay="0"/>
+                                  </p:stCondLst>
+                                  <p:childTnLst>
+                                    <p:set>
+                                      <p:cBhvr>
+                                        <p:cTn id="28" dur="1" fill="hold">
+                                          <p:stCondLst>
+                                            <p:cond delay="0"/>
+                                          </p:stCondLst>
+                                        </p:cTn>
+                                        <p:tgtEl>
+                                          <p:spTgt spid="3">
+                                            <p:txEl>
+                                              <p:pRg st="8" end="8"/>
+                                            </p:txEl>
+                                          </p:spTgt>
+                                        </p:tgtEl>
+                                        <p:attrNameLst>
+                                          <p:attrName>style.visibility</p:attrName>
+                                        </p:attrNameLst>
+                                      </p:cBhvr>
+                                      <p:to>
+                                        <p:strVal val="visible"/>
+                                      </p:to>
+                                    </p:set>
+                                    <p:animEffect transition="in" filter="fade">
+                                      <p:cBhvr>
+                                        <p:cTn id="29" dur="500"/>
+                                        <p:tgtEl>
+                                          <p:spTgt spid="3">
+                                            <p:txEl>
+                                              <p:pRg st="8" end="8"/>
+                                            </p:txEl>
+                                          </p:spTgt>
+                                        </p:tgtEl>
+                                      </p:cBhvr>
+                                    </p:animEffect>
+                                  </p:childTnLst>
+                                </p:cTn>
+                              </p:par>
+                              <p:par>
+                                <p:cTn id="30" presetID="10" presetClass="entr" presetSubtype="0" fill="hold" nodeType="withEffect">
+                                  <p:stCondLst>
+                                    <p:cond delay="0"/>
+                                  </p:stCondLst>
+                                  <p:childTnLst>
+                                    <p:set>
+                                      <p:cBhvr>
+                                        <p:cTn id="31" dur="1" fill="hold">
+                                          <p:stCondLst>
+                                            <p:cond delay="0"/>
+                                          </p:stCondLst>
+                                        </p:cTn>
+                                        <p:tgtEl>
+                                          <p:spTgt spid="3">
+                                            <p:txEl>
+                                              <p:pRg st="9" end="9"/>
+                                            </p:txEl>
+                                          </p:spTgt>
+                                        </p:tgtEl>
+                                        <p:attrNameLst>
+                                          <p:attrName>style.visibility</p:attrName>
+                                        </p:attrNameLst>
+                                      </p:cBhvr>
+                                      <p:to>
+                                        <p:strVal val="visible"/>
+                                      </p:to>
+                                    </p:set>
+                                    <p:animEffect transition="in" filter="fade">
+                                      <p:cBhvr>
+                                        <p:cTn id="32" dur="500"/>
+                                        <p:tgtEl>
+                                          <p:spTgt spid="3">
+                                            <p:txEl>
+                                              <p:pRg st="9" end="9"/>
+                                            </p:txEl>
+                                          </p:spTgt>
+                                        </p:tgtEl>
+                                      </p:cBhvr>
+                                    </p:animEffect>
+                                  </p:childTnLst>
+                                </p:cTn>
+                              </p:par>
+                            </p:childTnLst>
+                          </p:cTn>
+                        </p:par>
+                      </p:childTnLst>
+                    </p:cTn>
+                  </p:par>
+                </p:childTnLst>
+              </p:cTn>
+              <p:prevCondLst>
+                <p:cond evt="onPrev" delay="0">
+                  <p:tgtEl>
+                    <p:sldTgt/>
+                  </p:tgtEl>
+                </p:cond>
+              </p:prevCondLst>
+              <p:nextCondLst>
+                <p:cond evt="onNext" delay="0">
+                  <p:tgtEl>
+                    <p:sldTgt/>
+                  </p:tgtEl>
+                </p:cond>
+              </p:nextCondLst>
+            </p:seq>
+          </p:childTnLst>
+        </p:cTn>
+      </p:par>
+    </p:tnLst>
+  </p:timing>
+</p:sld>
+</file>
+
+<file path=ppt/slides/slide11.xml><?xml version="1.0" encoding="utf-8"?>
+<p:sld xmlns:a="http://schemas.openxmlformats.org/drawingml/2006/main" xmlns:r="http://schemas.openxmlformats.org/officeDocument/2006/relationships" xmlns:p="http://schemas.openxmlformats.org/presentationml/2006/main">
+  <p:cSld>
+    <p:spTree>
+      <p:nvGrpSpPr>
+        <p:cNvPr id="1" name=""/>
+        <p:cNvGrpSpPr/>
+        <p:nvPr/>
+      </p:nvGrpSpPr>
+      <p:grpSpPr>
+        <a:xfrm>
+          <a:off x="0" y="0"/>
+          <a:ext cx="0" cy="0"/>
+          <a:chOff x="0" y="0"/>
+          <a:chExt cx="0" cy="0"/>
+        </a:xfrm>
+      </p:grpSpPr>
+      <p:sp>
+        <p:nvSpPr>
           <p:cNvPr id="2" name="Date Placeholder 1">
             <a:extLst>
               <a:ext uri="{FF2B5EF4-FFF2-40B4-BE49-F238E27FC236}">
@@ -5034,7 +6047,7 @@
           <a:p>
             <a:fld id="{1A980C56-831A-4EAB-9EDE-57C090F4F877}" type="slidenum">
               <a:rPr lang="en-US" smtClean="0"/>
-              <a:t>10</a:t>
+              <a:t>11</a:t>
             </a:fld>
             <a:endParaRPr lang="en-US" dirty="0"/>
           </a:p>
@@ -5093,7 +6106,7 @@
 </p:sld>
 </file>
 
-<file path=ppt/slides/slide11.xml><?xml version="1.0" encoding="utf-8"?>
+<file path=ppt/slides/slide12.xml><?xml version="1.0" encoding="utf-8"?>
 <p:sld xmlns:a="http://schemas.openxmlformats.org/drawingml/2006/main" xmlns:r="http://schemas.openxmlformats.org/officeDocument/2006/relationships" xmlns:p="http://schemas.openxmlformats.org/presentationml/2006/main">
   <p:cSld>
     <p:spTree>
@@ -5191,7 +6204,7 @@
           <a:p>
             <a:fld id="{1A980C56-831A-4EAB-9EDE-57C090F4F877}" type="slidenum">
               <a:rPr lang="en-US" smtClean="0"/>
-              <a:t>11</a:t>
+              <a:t>12</a:t>
             </a:fld>
             <a:endParaRPr lang="en-US" dirty="0"/>
           </a:p>
@@ -5250,7 +6263,7 @@
 </p:sld>
 </file>
 
-<file path=ppt/slides/slide12.xml><?xml version="1.0" encoding="utf-8"?>
+<file path=ppt/slides/slide13.xml><?xml version="1.0" encoding="utf-8"?>
 <p:sld xmlns:a="http://schemas.openxmlformats.org/drawingml/2006/main" xmlns:r="http://schemas.openxmlformats.org/officeDocument/2006/relationships" xmlns:p="http://schemas.openxmlformats.org/presentationml/2006/main">
   <p:cSld>
     <p:spTree>
@@ -5661,7 +6674,7 @@
           <a:p>
             <a:fld id="{1A980C56-831A-4EAB-9EDE-57C090F4F877}" type="slidenum">
               <a:rPr lang="en-US" smtClean="0"/>
-              <a:t>12</a:t>
+              <a:t>13</a:t>
             </a:fld>
             <a:endParaRPr lang="en-US" dirty="0"/>
           </a:p>
@@ -6094,685 +7107,6 @@
                                           <p:spTgt spid="3">
                                             <p:txEl>
                                               <p:pRg st="11" end="11"/>
-                                            </p:txEl>
-                                          </p:spTgt>
-                                        </p:tgtEl>
-                                      </p:cBhvr>
-                                    </p:animEffect>
-                                  </p:childTnLst>
-                                </p:cTn>
-                              </p:par>
-                            </p:childTnLst>
-                          </p:cTn>
-                        </p:par>
-                      </p:childTnLst>
-                    </p:cTn>
-                  </p:par>
-                </p:childTnLst>
-              </p:cTn>
-              <p:prevCondLst>
-                <p:cond evt="onPrev" delay="0">
-                  <p:tgtEl>
-                    <p:sldTgt/>
-                  </p:tgtEl>
-                </p:cond>
-              </p:prevCondLst>
-              <p:nextCondLst>
-                <p:cond evt="onNext" delay="0">
-                  <p:tgtEl>
-                    <p:sldTgt/>
-                  </p:tgtEl>
-                </p:cond>
-              </p:nextCondLst>
-            </p:seq>
-          </p:childTnLst>
-        </p:cTn>
-      </p:par>
-    </p:tnLst>
-  </p:timing>
-</p:sld>
-</file>
-
-<file path=ppt/slides/slide13.xml><?xml version="1.0" encoding="utf-8"?>
-<p:sld xmlns:a="http://schemas.openxmlformats.org/drawingml/2006/main" xmlns:r="http://schemas.openxmlformats.org/officeDocument/2006/relationships" xmlns:p="http://schemas.openxmlformats.org/presentationml/2006/main">
-  <p:cSld>
-    <p:spTree>
-      <p:nvGrpSpPr>
-        <p:cNvPr id="1" name=""/>
-        <p:cNvGrpSpPr/>
-        <p:nvPr/>
-      </p:nvGrpSpPr>
-      <p:grpSpPr>
-        <a:xfrm>
-          <a:off x="0" y="0"/>
-          <a:ext cx="0" cy="0"/>
-          <a:chOff x="0" y="0"/>
-          <a:chExt cx="0" cy="0"/>
-        </a:xfrm>
-      </p:grpSpPr>
-      <p:sp>
-        <p:nvSpPr>
-          <p:cNvPr id="2" name="Title 1">
-            <a:extLst>
-              <a:ext uri="{FF2B5EF4-FFF2-40B4-BE49-F238E27FC236}">
-                <a16:creationId xmlns:a16="http://schemas.microsoft.com/office/drawing/2014/main" id="{126F8D13-2311-139C-BCA2-2DF046E00D82}"/>
-              </a:ext>
-            </a:extLst>
-          </p:cNvPr>
-          <p:cNvSpPr>
-            <a:spLocks noGrp="1"/>
-          </p:cNvSpPr>
-          <p:nvPr>
-            <p:ph type="title"/>
-          </p:nvPr>
-        </p:nvSpPr>
-        <p:spPr/>
-        <p:txBody>
-          <a:bodyPr/>
-          <a:lstStyle/>
-          <a:p>
-            <a:r>
-              <a:rPr lang="en-US" dirty="0"/>
-              <a:t>Total Product, Average Product, and Marginal Product</a:t>
-            </a:r>
-          </a:p>
-        </p:txBody>
-      </p:sp>
-      <mc:AlternateContent xmlns:mc="http://schemas.openxmlformats.org/markup-compatibility/2006" xmlns:a14="http://schemas.microsoft.com/office/drawing/2010/main">
-        <mc:Choice Requires="a14">
-          <p:sp>
-            <p:nvSpPr>
-              <p:cNvPr id="3" name="Content Placeholder 2">
-                <a:extLst>
-                  <a:ext uri="{FF2B5EF4-FFF2-40B4-BE49-F238E27FC236}">
-                    <a16:creationId xmlns:a16="http://schemas.microsoft.com/office/drawing/2014/main" id="{086A3F11-9FE0-FBCC-64D2-99B2FC6D3E9C}"/>
-                  </a:ext>
-                </a:extLst>
-              </p:cNvPr>
-              <p:cNvSpPr>
-                <a:spLocks noGrp="1"/>
-              </p:cNvSpPr>
-              <p:nvPr>
-                <p:ph idx="1"/>
-              </p:nvPr>
-            </p:nvSpPr>
-            <p:spPr/>
-            <p:txBody>
-              <a:bodyPr/>
-              <a:lstStyle/>
-              <a:p>
-                <a:r>
-                  <a:rPr lang="en-US" dirty="0"/>
-                  <a:t>Suppose we are in a Zombie apocalypse scenario.</a:t>
-                </a:r>
-              </a:p>
-              <a:p>
-                <a:r>
-                  <a:rPr lang="en-US" dirty="0"/>
-                  <a:t>Your task is to determine whether to accept or deny new survivors to join your group.</a:t>
-                </a:r>
-              </a:p>
-              <a:p>
-                <a:r>
-                  <a:rPr lang="en-US" dirty="0"/>
-                  <a:t>Since you have a self-sustaining farm, you only care about how much ammunition the applicant will bring with them.</a:t>
-                </a:r>
-              </a:p>
-              <a:p>
-                <a:pPr lvl="3"/>
-                <a:endParaRPr lang="en-US" dirty="0"/>
-              </a:p>
-              <a:p>
-                <a14:m>
-                  <m:oMath xmlns:m="http://schemas.openxmlformats.org/officeDocument/2006/math">
-                    <m:r>
-                      <a:rPr lang="en-US" i="1" dirty="0" smtClean="0">
-                        <a:latin typeface="Cambria Math" panose="02040503050406030204" pitchFamily="18" charset="0"/>
-                      </a:rPr>
-                      <m:t>𝑇𝑃</m:t>
-                    </m:r>
-                  </m:oMath>
-                </a14:m>
-                <a:r>
-                  <a:rPr lang="en-US" dirty="0"/>
-                  <a:t>: Total Rounds of Ammunition in the Group.</a:t>
-                </a:r>
-              </a:p>
-              <a:p>
-                <a14:m>
-                  <m:oMath xmlns:m="http://schemas.openxmlformats.org/officeDocument/2006/math">
-                    <m:r>
-                      <a:rPr lang="en-US" i="1" dirty="0" smtClean="0">
-                        <a:latin typeface="Cambria Math" panose="02040503050406030204" pitchFamily="18" charset="0"/>
-                      </a:rPr>
-                      <m:t>𝐴𝑃</m:t>
-                    </m:r>
-                  </m:oMath>
-                </a14:m>
-                <a:r>
-                  <a:rPr lang="en-US" dirty="0"/>
-                  <a:t>: Average Rounds of Ammunition per Individual.</a:t>
-                </a:r>
-              </a:p>
-              <a:p>
-                <a14:m>
-                  <m:oMath xmlns:m="http://schemas.openxmlformats.org/officeDocument/2006/math">
-                    <m:r>
-                      <a:rPr lang="en-US" i="1" dirty="0" smtClean="0">
-                        <a:latin typeface="Cambria Math" panose="02040503050406030204" pitchFamily="18" charset="0"/>
-                      </a:rPr>
-                      <m:t>𝑀𝑃</m:t>
-                    </m:r>
-                  </m:oMath>
-                </a14:m>
-                <a:r>
-                  <a:rPr lang="en-US" dirty="0"/>
-                  <a:t>: The Amount of Ammunition a newcomer supplies.</a:t>
-                </a:r>
-              </a:p>
-              <a:p>
-                <a:endParaRPr lang="en-US" dirty="0"/>
-              </a:p>
-            </p:txBody>
-          </p:sp>
-        </mc:Choice>
-        <mc:Fallback xmlns="">
-          <p:sp>
-            <p:nvSpPr>
-              <p:cNvPr id="3" name="Content Placeholder 2">
-                <a:extLst>
-                  <a:ext uri="{FF2B5EF4-FFF2-40B4-BE49-F238E27FC236}">
-                    <a16:creationId xmlns:a16="http://schemas.microsoft.com/office/drawing/2014/main" id="{086A3F11-9FE0-FBCC-64D2-99B2FC6D3E9C}"/>
-                  </a:ext>
-                </a:extLst>
-              </p:cNvPr>
-              <p:cNvSpPr>
-                <a:spLocks noGrp="1" noRot="1" noChangeAspect="1" noMove="1" noResize="1" noEditPoints="1" noAdjustHandles="1" noChangeArrowheads="1" noChangeShapeType="1" noTextEdit="1"/>
-              </p:cNvSpPr>
-              <p:nvPr>
-                <p:ph idx="1"/>
-              </p:nvPr>
-            </p:nvSpPr>
-            <p:spPr>
-              <a:blipFill>
-                <a:blip r:embed="rId2"/>
-                <a:stretch>
-                  <a:fillRect l="-1005" t="-1821" r="-1546"/>
-                </a:stretch>
-              </a:blipFill>
-            </p:spPr>
-            <p:txBody>
-              <a:bodyPr/>
-              <a:lstStyle/>
-              <a:p>
-                <a:r>
-                  <a:rPr lang="en-US">
-                    <a:noFill/>
-                  </a:rPr>
-                  <a:t> </a:t>
-                </a:r>
-              </a:p>
-            </p:txBody>
-          </p:sp>
-        </mc:Fallback>
-      </mc:AlternateContent>
-      <p:sp>
-        <p:nvSpPr>
-          <p:cNvPr id="4" name="Date Placeholder 3">
-            <a:extLst>
-              <a:ext uri="{FF2B5EF4-FFF2-40B4-BE49-F238E27FC236}">
-                <a16:creationId xmlns:a16="http://schemas.microsoft.com/office/drawing/2014/main" id="{FC727DDA-1086-88F0-36C1-703BB21EDC0C}"/>
-              </a:ext>
-            </a:extLst>
-          </p:cNvPr>
-          <p:cNvSpPr>
-            <a:spLocks noGrp="1"/>
-          </p:cNvSpPr>
-          <p:nvPr>
-            <p:ph type="dt" sz="half" idx="10"/>
-          </p:nvPr>
-        </p:nvSpPr>
-        <p:spPr/>
-        <p:txBody>
-          <a:bodyPr/>
-          <a:lstStyle/>
-          <a:p>
-            <a:r>
-              <a:rPr lang="en-US"/>
-              <a:t>Fall 2023</a:t>
-            </a:r>
-            <a:endParaRPr lang="en-US" dirty="0"/>
-          </a:p>
-        </p:txBody>
-      </p:sp>
-      <p:sp>
-        <p:nvSpPr>
-          <p:cNvPr id="5" name="Footer Placeholder 4">
-            <a:extLst>
-              <a:ext uri="{FF2B5EF4-FFF2-40B4-BE49-F238E27FC236}">
-                <a16:creationId xmlns:a16="http://schemas.microsoft.com/office/drawing/2014/main" id="{7DCDA3E0-19E0-2A24-AB3A-D61E4A0765B7}"/>
-              </a:ext>
-            </a:extLst>
-          </p:cNvPr>
-          <p:cNvSpPr>
-            <a:spLocks noGrp="1"/>
-          </p:cNvSpPr>
-          <p:nvPr>
-            <p:ph type="ftr" sz="quarter" idx="11"/>
-          </p:nvPr>
-        </p:nvSpPr>
-        <p:spPr/>
-        <p:txBody>
-          <a:bodyPr/>
-          <a:lstStyle/>
-          <a:p>
-            <a:r>
-              <a:rPr lang="en-US"/>
-              <a:t>DEPARTMENT OF BUSINESS &amp; ECONOMICS</a:t>
-            </a:r>
-            <a:endParaRPr lang="en-US" dirty="0"/>
-          </a:p>
-        </p:txBody>
-      </p:sp>
-      <p:sp>
-        <p:nvSpPr>
-          <p:cNvPr id="6" name="Slide Number Placeholder 5">
-            <a:extLst>
-              <a:ext uri="{FF2B5EF4-FFF2-40B4-BE49-F238E27FC236}">
-                <a16:creationId xmlns:a16="http://schemas.microsoft.com/office/drawing/2014/main" id="{AF1B1266-6906-3465-4A84-F56D9193C12D}"/>
-              </a:ext>
-            </a:extLst>
-          </p:cNvPr>
-          <p:cNvSpPr>
-            <a:spLocks noGrp="1"/>
-          </p:cNvSpPr>
-          <p:nvPr>
-            <p:ph type="sldNum" sz="quarter" idx="12"/>
-          </p:nvPr>
-        </p:nvSpPr>
-        <p:spPr/>
-        <p:txBody>
-          <a:bodyPr/>
-          <a:lstStyle/>
-          <a:p>
-            <a:fld id="{1A980C56-831A-4EAB-9EDE-57C090F4F877}" type="slidenum">
-              <a:rPr lang="en-US" smtClean="0"/>
-              <a:t>13</a:t>
-            </a:fld>
-            <a:endParaRPr lang="en-US" dirty="0"/>
-          </a:p>
-        </p:txBody>
-      </p:sp>
-    </p:spTree>
-    <p:extLst>
-      <p:ext uri="{BB962C8B-B14F-4D97-AF65-F5344CB8AC3E}">
-        <p14:creationId xmlns:p14="http://schemas.microsoft.com/office/powerpoint/2010/main" val="1205458844"/>
-      </p:ext>
-    </p:extLst>
-  </p:cSld>
-  <p:clrMapOvr>
-    <a:masterClrMapping/>
-  </p:clrMapOvr>
-  <p:timing>
-    <p:tnLst>
-      <p:par>
-        <p:cTn id="1" dur="indefinite" restart="never" nodeType="tmRoot">
-          <p:childTnLst>
-            <p:seq concurrent="1" nextAc="seek">
-              <p:cTn id="2" dur="indefinite" nodeType="mainSeq">
-                <p:childTnLst>
-                  <p:par>
-                    <p:cTn id="3" fill="hold">
-                      <p:stCondLst>
-                        <p:cond delay="indefinite"/>
-                      </p:stCondLst>
-                      <p:childTnLst>
-                        <p:par>
-                          <p:cTn id="4" fill="hold">
-                            <p:stCondLst>
-                              <p:cond delay="0"/>
-                            </p:stCondLst>
-                            <p:childTnLst>
-                              <p:par>
-                                <p:cTn id="5" presetID="10" presetClass="entr" presetSubtype="0" fill="hold" nodeType="clickEffect">
-                                  <p:stCondLst>
-                                    <p:cond delay="0"/>
-                                  </p:stCondLst>
-                                  <p:childTnLst>
-                                    <p:set>
-                                      <p:cBhvr>
-                                        <p:cTn id="6" dur="1" fill="hold">
-                                          <p:stCondLst>
-                                            <p:cond delay="0"/>
-                                          </p:stCondLst>
-                                        </p:cTn>
-                                        <p:tgtEl>
-                                          <p:spTgt spid="3">
-                                            <p:txEl>
-                                              <p:pRg st="0" end="0"/>
-                                            </p:txEl>
-                                          </p:spTgt>
-                                        </p:tgtEl>
-                                        <p:attrNameLst>
-                                          <p:attrName>style.visibility</p:attrName>
-                                        </p:attrNameLst>
-                                      </p:cBhvr>
-                                      <p:to>
-                                        <p:strVal val="visible"/>
-                                      </p:to>
-                                    </p:set>
-                                    <p:animEffect transition="in" filter="fade">
-                                      <p:cBhvr>
-                                        <p:cTn id="7" dur="500"/>
-                                        <p:tgtEl>
-                                          <p:spTgt spid="3">
-                                            <p:txEl>
-                                              <p:pRg st="0" end="0"/>
-                                            </p:txEl>
-                                          </p:spTgt>
-                                        </p:tgtEl>
-                                      </p:cBhvr>
-                                    </p:animEffect>
-                                  </p:childTnLst>
-                                </p:cTn>
-                              </p:par>
-                            </p:childTnLst>
-                          </p:cTn>
-                        </p:par>
-                      </p:childTnLst>
-                    </p:cTn>
-                  </p:par>
-                  <p:par>
-                    <p:cTn id="8" fill="hold">
-                      <p:stCondLst>
-                        <p:cond delay="indefinite"/>
-                      </p:stCondLst>
-                      <p:childTnLst>
-                        <p:par>
-                          <p:cTn id="9" fill="hold">
-                            <p:stCondLst>
-                              <p:cond delay="0"/>
-                            </p:stCondLst>
-                            <p:childTnLst>
-                              <p:par>
-                                <p:cTn id="10" presetID="10" presetClass="entr" presetSubtype="0" fill="hold" nodeType="clickEffect">
-                                  <p:stCondLst>
-                                    <p:cond delay="0"/>
-                                  </p:stCondLst>
-                                  <p:childTnLst>
-                                    <p:set>
-                                      <p:cBhvr>
-                                        <p:cTn id="11" dur="1" fill="hold">
-                                          <p:stCondLst>
-                                            <p:cond delay="0"/>
-                                          </p:stCondLst>
-                                        </p:cTn>
-                                        <p:tgtEl>
-                                          <p:spTgt spid="3">
-                                            <p:txEl>
-                                              <p:pRg st="1" end="1"/>
-                                            </p:txEl>
-                                          </p:spTgt>
-                                        </p:tgtEl>
-                                        <p:attrNameLst>
-                                          <p:attrName>style.visibility</p:attrName>
-                                        </p:attrNameLst>
-                                      </p:cBhvr>
-                                      <p:to>
-                                        <p:strVal val="visible"/>
-                                      </p:to>
-                                    </p:set>
-                                    <p:animEffect transition="in" filter="fade">
-                                      <p:cBhvr>
-                                        <p:cTn id="12" dur="500"/>
-                                        <p:tgtEl>
-                                          <p:spTgt spid="3">
-                                            <p:txEl>
-                                              <p:pRg st="1" end="1"/>
-                                            </p:txEl>
-                                          </p:spTgt>
-                                        </p:tgtEl>
-                                      </p:cBhvr>
-                                    </p:animEffect>
-                                  </p:childTnLst>
-                                </p:cTn>
-                              </p:par>
-                            </p:childTnLst>
-                          </p:cTn>
-                        </p:par>
-                      </p:childTnLst>
-                    </p:cTn>
-                  </p:par>
-                  <p:par>
-                    <p:cTn id="13" fill="hold">
-                      <p:stCondLst>
-                        <p:cond delay="indefinite"/>
-                      </p:stCondLst>
-                      <p:childTnLst>
-                        <p:par>
-                          <p:cTn id="14" fill="hold">
-                            <p:stCondLst>
-                              <p:cond delay="0"/>
-                            </p:stCondLst>
-                            <p:childTnLst>
-                              <p:par>
-                                <p:cTn id="15" presetID="10" presetClass="entr" presetSubtype="0" fill="hold" nodeType="clickEffect">
-                                  <p:stCondLst>
-                                    <p:cond delay="0"/>
-                                  </p:stCondLst>
-                                  <p:childTnLst>
-                                    <p:set>
-                                      <p:cBhvr>
-                                        <p:cTn id="16" dur="1" fill="hold">
-                                          <p:stCondLst>
-                                            <p:cond delay="0"/>
-                                          </p:stCondLst>
-                                        </p:cTn>
-                                        <p:tgtEl>
-                                          <p:spTgt spid="3">
-                                            <p:txEl>
-                                              <p:pRg st="2" end="2"/>
-                                            </p:txEl>
-                                          </p:spTgt>
-                                        </p:tgtEl>
-                                        <p:attrNameLst>
-                                          <p:attrName>style.visibility</p:attrName>
-                                        </p:attrNameLst>
-                                      </p:cBhvr>
-                                      <p:to>
-                                        <p:strVal val="visible"/>
-                                      </p:to>
-                                    </p:set>
-                                    <p:animEffect transition="in" filter="fade">
-                                      <p:cBhvr>
-                                        <p:cTn id="17" dur="500"/>
-                                        <p:tgtEl>
-                                          <p:spTgt spid="3">
-                                            <p:txEl>
-                                              <p:pRg st="2" end="2"/>
-                                            </p:txEl>
-                                          </p:spTgt>
-                                        </p:tgtEl>
-                                      </p:cBhvr>
-                                    </p:animEffect>
-                                  </p:childTnLst>
-                                </p:cTn>
-                              </p:par>
-                            </p:childTnLst>
-                          </p:cTn>
-                        </p:par>
-                      </p:childTnLst>
-                    </p:cTn>
-                  </p:par>
-                  <p:par>
-                    <p:cTn id="18" fill="hold">
-                      <p:stCondLst>
-                        <p:cond delay="indefinite"/>
-                      </p:stCondLst>
-                      <p:childTnLst>
-                        <p:par>
-                          <p:cTn id="19" fill="hold">
-                            <p:stCondLst>
-                              <p:cond delay="0"/>
-                            </p:stCondLst>
-                            <p:childTnLst>
-                              <p:par>
-                                <p:cTn id="20" presetID="10" presetClass="entr" presetSubtype="0" fill="hold" nodeType="clickEffect">
-                                  <p:stCondLst>
-                                    <p:cond delay="0"/>
-                                  </p:stCondLst>
-                                  <p:childTnLst>
-                                    <p:set>
-                                      <p:cBhvr>
-                                        <p:cTn id="21" dur="1" fill="hold">
-                                          <p:stCondLst>
-                                            <p:cond delay="0"/>
-                                          </p:stCondLst>
-                                        </p:cTn>
-                                        <p:tgtEl>
-                                          <p:spTgt spid="3">
-                                            <p:txEl>
-                                              <p:pRg st="4" end="4"/>
-                                            </p:txEl>
-                                          </p:spTgt>
-                                        </p:tgtEl>
-                                        <p:attrNameLst>
-                                          <p:attrName>style.visibility</p:attrName>
-                                        </p:attrNameLst>
-                                      </p:cBhvr>
-                                      <p:to>
-                                        <p:strVal val="visible"/>
-                                      </p:to>
-                                    </p:set>
-                                    <p:animEffect transition="in" filter="fade">
-                                      <p:cBhvr>
-                                        <p:cTn id="22" dur="500"/>
-                                        <p:tgtEl>
-                                          <p:spTgt spid="3">
-                                            <p:txEl>
-                                              <p:pRg st="4" end="4"/>
-                                            </p:txEl>
-                                          </p:spTgt>
-                                        </p:tgtEl>
-                                      </p:cBhvr>
-                                    </p:animEffect>
-                                  </p:childTnLst>
-                                </p:cTn>
-                              </p:par>
-                            </p:childTnLst>
-                          </p:cTn>
-                        </p:par>
-                      </p:childTnLst>
-                    </p:cTn>
-                  </p:par>
-                  <p:par>
-                    <p:cTn id="23" fill="hold">
-                      <p:stCondLst>
-                        <p:cond delay="indefinite"/>
-                      </p:stCondLst>
-                      <p:childTnLst>
-                        <p:par>
-                          <p:cTn id="24" fill="hold">
-                            <p:stCondLst>
-                              <p:cond delay="0"/>
-                            </p:stCondLst>
-                            <p:childTnLst>
-                              <p:par>
-                                <p:cTn id="25" presetID="10" presetClass="entr" presetSubtype="0" fill="hold" nodeType="clickEffect">
-                                  <p:stCondLst>
-                                    <p:cond delay="0"/>
-                                  </p:stCondLst>
-                                  <p:childTnLst>
-                                    <p:set>
-                                      <p:cBhvr>
-                                        <p:cTn id="26" dur="1" fill="hold">
-                                          <p:stCondLst>
-                                            <p:cond delay="0"/>
-                                          </p:stCondLst>
-                                        </p:cTn>
-                                        <p:tgtEl>
-                                          <p:spTgt spid="3">
-                                            <p:txEl>
-                                              <p:pRg st="5" end="5"/>
-                                            </p:txEl>
-                                          </p:spTgt>
-                                        </p:tgtEl>
-                                        <p:attrNameLst>
-                                          <p:attrName>style.visibility</p:attrName>
-                                        </p:attrNameLst>
-                                      </p:cBhvr>
-                                      <p:to>
-                                        <p:strVal val="visible"/>
-                                      </p:to>
-                                    </p:set>
-                                    <p:animEffect transition="in" filter="fade">
-                                      <p:cBhvr>
-                                        <p:cTn id="27" dur="500"/>
-                                        <p:tgtEl>
-                                          <p:spTgt spid="3">
-                                            <p:txEl>
-                                              <p:pRg st="5" end="5"/>
-                                            </p:txEl>
-                                          </p:spTgt>
-                                        </p:tgtEl>
-                                      </p:cBhvr>
-                                    </p:animEffect>
-                                  </p:childTnLst>
-                                </p:cTn>
-                              </p:par>
-                            </p:childTnLst>
-                          </p:cTn>
-                        </p:par>
-                      </p:childTnLst>
-                    </p:cTn>
-                  </p:par>
-                  <p:par>
-                    <p:cTn id="28" fill="hold">
-                      <p:stCondLst>
-                        <p:cond delay="indefinite"/>
-                      </p:stCondLst>
-                      <p:childTnLst>
-                        <p:par>
-                          <p:cTn id="29" fill="hold">
-                            <p:stCondLst>
-                              <p:cond delay="0"/>
-                            </p:stCondLst>
-                            <p:childTnLst>
-                              <p:par>
-                                <p:cTn id="30" presetID="10" presetClass="entr" presetSubtype="0" fill="hold" nodeType="clickEffect">
-                                  <p:stCondLst>
-                                    <p:cond delay="0"/>
-                                  </p:stCondLst>
-                                  <p:childTnLst>
-                                    <p:set>
-                                      <p:cBhvr>
-                                        <p:cTn id="31" dur="1" fill="hold">
-                                          <p:stCondLst>
-                                            <p:cond delay="0"/>
-                                          </p:stCondLst>
-                                        </p:cTn>
-                                        <p:tgtEl>
-                                          <p:spTgt spid="3">
-                                            <p:txEl>
-                                              <p:pRg st="6" end="6"/>
-                                            </p:txEl>
-                                          </p:spTgt>
-                                        </p:tgtEl>
-                                        <p:attrNameLst>
-                                          <p:attrName>style.visibility</p:attrName>
-                                        </p:attrNameLst>
-                                      </p:cBhvr>
-                                      <p:to>
-                                        <p:strVal val="visible"/>
-                                      </p:to>
-                                    </p:set>
-                                    <p:animEffect transition="in" filter="fade">
-                                      <p:cBhvr>
-                                        <p:cTn id="32" dur="500"/>
-                                        <p:tgtEl>
-                                          <p:spTgt spid="3">
-                                            <p:txEl>
-                                              <p:pRg st="6" end="6"/>
                                             </p:txEl>
                                           </p:spTgt>
                                         </p:tgtEl>
@@ -6834,7 +7168,7 @@
           <p:cNvPr id="2" name="Title 1">
             <a:extLst>
               <a:ext uri="{FF2B5EF4-FFF2-40B4-BE49-F238E27FC236}">
-                <a16:creationId xmlns:a16="http://schemas.microsoft.com/office/drawing/2014/main" id="{707BE268-578D-5014-6A63-DC249FAA139A}"/>
+                <a16:creationId xmlns:a16="http://schemas.microsoft.com/office/drawing/2014/main" id="{126F8D13-2311-139C-BCA2-2DF046E00D82}"/>
               </a:ext>
             </a:extLst>
           </p:cNvPr>
@@ -6852,11 +7186,597 @@
           <a:p>
             <a:r>
               <a:rPr lang="en-US" dirty="0"/>
-              <a:t>Total Product, Average Product, and Marginal Product</a:t>
+              <a:t>Short Run Production</a:t>
             </a:r>
           </a:p>
         </p:txBody>
       </p:sp>
+      <mc:AlternateContent xmlns:mc="http://schemas.openxmlformats.org/markup-compatibility/2006" xmlns:a14="http://schemas.microsoft.com/office/drawing/2010/main">
+        <mc:Choice Requires="a14">
+          <p:sp>
+            <p:nvSpPr>
+              <p:cNvPr id="3" name="Content Placeholder 2">
+                <a:extLst>
+                  <a:ext uri="{FF2B5EF4-FFF2-40B4-BE49-F238E27FC236}">
+                    <a16:creationId xmlns:a16="http://schemas.microsoft.com/office/drawing/2014/main" id="{086A3F11-9FE0-FBCC-64D2-99B2FC6D3E9C}"/>
+                  </a:ext>
+                </a:extLst>
+              </p:cNvPr>
+              <p:cNvSpPr>
+                <a:spLocks noGrp="1"/>
+              </p:cNvSpPr>
+              <p:nvPr>
+                <p:ph idx="1"/>
+              </p:nvPr>
+            </p:nvSpPr>
+            <p:spPr/>
+            <p:txBody>
+              <a:bodyPr/>
+              <a:lstStyle/>
+              <a:p>
+                <a:r>
+                  <a:rPr lang="en-US" dirty="0"/>
+                  <a:t>First, we will examine short run production in which the firm does not have enough time to change their input of capital in production.</a:t>
+                </a:r>
+              </a:p>
+              <a:p>
+                <a:pPr lvl="3"/>
+                <a:endParaRPr lang="en-US" dirty="0"/>
+              </a:p>
+              <a:p>
+                <a:r>
+                  <a:rPr lang="en-US" dirty="0"/>
+                  <a:t>In the short run, the output will depend entirely on the amount of </a:t>
+                </a:r>
+                <a14:m>
+                  <m:oMath xmlns:m="http://schemas.openxmlformats.org/officeDocument/2006/math">
+                    <m:r>
+                      <a:rPr lang="en-US" i="1" dirty="0" smtClean="0">
+                        <a:latin typeface="Cambria Math" panose="02040503050406030204" pitchFamily="18" charset="0"/>
+                      </a:rPr>
+                      <m:t>𝐿</m:t>
+                    </m:r>
+                  </m:oMath>
+                </a14:m>
+                <a:r>
+                  <a:rPr lang="en-US" dirty="0"/>
+                  <a:t> that we use in production.</a:t>
+                </a:r>
+              </a:p>
+              <a:p>
+                <a:pPr lvl="3"/>
+                <a:endParaRPr lang="en-US" dirty="0"/>
+              </a:p>
+              <a:p>
+                <a:r>
+                  <a:rPr lang="en-US" dirty="0"/>
+                  <a:t>Plotting the functions are also much more manageable, so we visualize the relationship between </a:t>
+                </a:r>
+                <a14:m>
+                  <m:oMath xmlns:m="http://schemas.openxmlformats.org/officeDocument/2006/math">
+                    <m:r>
+                      <a:rPr lang="en-US" i="1" dirty="0" smtClean="0">
+                        <a:latin typeface="Cambria Math" panose="02040503050406030204" pitchFamily="18" charset="0"/>
+                      </a:rPr>
+                      <m:t>𝑇𝑃</m:t>
+                    </m:r>
+                  </m:oMath>
+                </a14:m>
+                <a:r>
+                  <a:rPr lang="en-US" dirty="0"/>
+                  <a:t>, </a:t>
+                </a:r>
+                <a14:m>
+                  <m:oMath xmlns:m="http://schemas.openxmlformats.org/officeDocument/2006/math">
+                    <m:r>
+                      <a:rPr lang="en-US" i="1" dirty="0" smtClean="0">
+                        <a:latin typeface="Cambria Math" panose="02040503050406030204" pitchFamily="18" charset="0"/>
+                      </a:rPr>
+                      <m:t>𝐴𝑃</m:t>
+                    </m:r>
+                  </m:oMath>
+                </a14:m>
+                <a:r>
+                  <a:rPr lang="en-US" dirty="0"/>
+                  <a:t>, and </a:t>
+                </a:r>
+                <a14:m>
+                  <m:oMath xmlns:m="http://schemas.openxmlformats.org/officeDocument/2006/math">
+                    <m:r>
+                      <a:rPr lang="en-US" i="1" dirty="0" smtClean="0">
+                        <a:latin typeface="Cambria Math" panose="02040503050406030204" pitchFamily="18" charset="0"/>
+                      </a:rPr>
+                      <m:t>𝑀𝑃</m:t>
+                    </m:r>
+                  </m:oMath>
+                </a14:m>
+                <a:r>
+                  <a:rPr lang="en-US" dirty="0"/>
+                  <a:t>.</a:t>
+                </a:r>
+              </a:p>
+            </p:txBody>
+          </p:sp>
+        </mc:Choice>
+        <mc:Fallback xmlns="">
+          <p:sp>
+            <p:nvSpPr>
+              <p:cNvPr id="3" name="Content Placeholder 2">
+                <a:extLst>
+                  <a:ext uri="{FF2B5EF4-FFF2-40B4-BE49-F238E27FC236}">
+                    <a16:creationId xmlns:a16="http://schemas.microsoft.com/office/drawing/2014/main" id="{086A3F11-9FE0-FBCC-64D2-99B2FC6D3E9C}"/>
+                  </a:ext>
+                </a:extLst>
+              </p:cNvPr>
+              <p:cNvSpPr>
+                <a:spLocks noGrp="1" noRot="1" noChangeAspect="1" noMove="1" noResize="1" noEditPoints="1" noAdjustHandles="1" noChangeArrowheads="1" noChangeShapeType="1" noTextEdit="1"/>
+              </p:cNvSpPr>
+              <p:nvPr>
+                <p:ph idx="1"/>
+              </p:nvPr>
+            </p:nvSpPr>
+            <p:spPr>
+              <a:blipFill>
+                <a:blip r:embed="rId2"/>
+                <a:stretch>
+                  <a:fillRect l="-1005" t="-1821" r="-618"/>
+                </a:stretch>
+              </a:blipFill>
+            </p:spPr>
+            <p:txBody>
+              <a:bodyPr/>
+              <a:lstStyle/>
+              <a:p>
+                <a:r>
+                  <a:rPr lang="en-US">
+                    <a:noFill/>
+                  </a:rPr>
+                  <a:t> </a:t>
+                </a:r>
+              </a:p>
+            </p:txBody>
+          </p:sp>
+        </mc:Fallback>
+      </mc:AlternateContent>
+      <p:sp>
+        <p:nvSpPr>
+          <p:cNvPr id="4" name="Date Placeholder 3">
+            <a:extLst>
+              <a:ext uri="{FF2B5EF4-FFF2-40B4-BE49-F238E27FC236}">
+                <a16:creationId xmlns:a16="http://schemas.microsoft.com/office/drawing/2014/main" id="{FC727DDA-1086-88F0-36C1-703BB21EDC0C}"/>
+              </a:ext>
+            </a:extLst>
+          </p:cNvPr>
+          <p:cNvSpPr>
+            <a:spLocks noGrp="1"/>
+          </p:cNvSpPr>
+          <p:nvPr>
+            <p:ph type="dt" sz="half" idx="10"/>
+          </p:nvPr>
+        </p:nvSpPr>
+        <p:spPr/>
+        <p:txBody>
+          <a:bodyPr/>
+          <a:lstStyle/>
+          <a:p>
+            <a:r>
+              <a:rPr lang="en-US"/>
+              <a:t>Fall 2023</a:t>
+            </a:r>
+            <a:endParaRPr lang="en-US" dirty="0"/>
+          </a:p>
+        </p:txBody>
+      </p:sp>
+      <p:sp>
+        <p:nvSpPr>
+          <p:cNvPr id="5" name="Footer Placeholder 4">
+            <a:extLst>
+              <a:ext uri="{FF2B5EF4-FFF2-40B4-BE49-F238E27FC236}">
+                <a16:creationId xmlns:a16="http://schemas.microsoft.com/office/drawing/2014/main" id="{7DCDA3E0-19E0-2A24-AB3A-D61E4A0765B7}"/>
+              </a:ext>
+            </a:extLst>
+          </p:cNvPr>
+          <p:cNvSpPr>
+            <a:spLocks noGrp="1"/>
+          </p:cNvSpPr>
+          <p:nvPr>
+            <p:ph type="ftr" sz="quarter" idx="11"/>
+          </p:nvPr>
+        </p:nvSpPr>
+        <p:spPr/>
+        <p:txBody>
+          <a:bodyPr/>
+          <a:lstStyle/>
+          <a:p>
+            <a:r>
+              <a:rPr lang="en-US"/>
+              <a:t>DEPARTMENT OF BUSINESS &amp; ECONOMICS</a:t>
+            </a:r>
+            <a:endParaRPr lang="en-US" dirty="0"/>
+          </a:p>
+        </p:txBody>
+      </p:sp>
+      <p:sp>
+        <p:nvSpPr>
+          <p:cNvPr id="6" name="Slide Number Placeholder 5">
+            <a:extLst>
+              <a:ext uri="{FF2B5EF4-FFF2-40B4-BE49-F238E27FC236}">
+                <a16:creationId xmlns:a16="http://schemas.microsoft.com/office/drawing/2014/main" id="{AF1B1266-6906-3465-4A84-F56D9193C12D}"/>
+              </a:ext>
+            </a:extLst>
+          </p:cNvPr>
+          <p:cNvSpPr>
+            <a:spLocks noGrp="1"/>
+          </p:cNvSpPr>
+          <p:nvPr>
+            <p:ph type="sldNum" sz="quarter" idx="12"/>
+          </p:nvPr>
+        </p:nvSpPr>
+        <p:spPr/>
+        <p:txBody>
+          <a:bodyPr/>
+          <a:lstStyle/>
+          <a:p>
+            <a:fld id="{1A980C56-831A-4EAB-9EDE-57C090F4F877}" type="slidenum">
+              <a:rPr lang="en-US" smtClean="0"/>
+              <a:t>14</a:t>
+            </a:fld>
+            <a:endParaRPr lang="en-US" dirty="0"/>
+          </a:p>
+        </p:txBody>
+      </p:sp>
+    </p:spTree>
+    <p:extLst>
+      <p:ext uri="{BB962C8B-B14F-4D97-AF65-F5344CB8AC3E}">
+        <p14:creationId xmlns:p14="http://schemas.microsoft.com/office/powerpoint/2010/main" val="2988983591"/>
+      </p:ext>
+    </p:extLst>
+  </p:cSld>
+  <p:clrMapOvr>
+    <a:masterClrMapping/>
+  </p:clrMapOvr>
+  <p:timing>
+    <p:tnLst>
+      <p:par>
+        <p:cTn id="1" dur="indefinite" restart="never" nodeType="tmRoot">
+          <p:childTnLst>
+            <p:seq concurrent="1" nextAc="seek">
+              <p:cTn id="2" dur="indefinite" nodeType="mainSeq">
+                <p:childTnLst>
+                  <p:par>
+                    <p:cTn id="3" fill="hold">
+                      <p:stCondLst>
+                        <p:cond delay="indefinite"/>
+                      </p:stCondLst>
+                      <p:childTnLst>
+                        <p:par>
+                          <p:cTn id="4" fill="hold">
+                            <p:stCondLst>
+                              <p:cond delay="0"/>
+                            </p:stCondLst>
+                            <p:childTnLst>
+                              <p:par>
+                                <p:cTn id="5" presetID="10" presetClass="entr" presetSubtype="0" fill="hold" nodeType="clickEffect">
+                                  <p:stCondLst>
+                                    <p:cond delay="0"/>
+                                  </p:stCondLst>
+                                  <p:childTnLst>
+                                    <p:set>
+                                      <p:cBhvr>
+                                        <p:cTn id="6" dur="1" fill="hold">
+                                          <p:stCondLst>
+                                            <p:cond delay="0"/>
+                                          </p:stCondLst>
+                                        </p:cTn>
+                                        <p:tgtEl>
+                                          <p:spTgt spid="3">
+                                            <p:txEl>
+                                              <p:pRg st="0" end="0"/>
+                                            </p:txEl>
+                                          </p:spTgt>
+                                        </p:tgtEl>
+                                        <p:attrNameLst>
+                                          <p:attrName>style.visibility</p:attrName>
+                                        </p:attrNameLst>
+                                      </p:cBhvr>
+                                      <p:to>
+                                        <p:strVal val="visible"/>
+                                      </p:to>
+                                    </p:set>
+                                    <p:animEffect transition="in" filter="fade">
+                                      <p:cBhvr>
+                                        <p:cTn id="7" dur="500"/>
+                                        <p:tgtEl>
+                                          <p:spTgt spid="3">
+                                            <p:txEl>
+                                              <p:pRg st="0" end="0"/>
+                                            </p:txEl>
+                                          </p:spTgt>
+                                        </p:tgtEl>
+                                      </p:cBhvr>
+                                    </p:animEffect>
+                                  </p:childTnLst>
+                                </p:cTn>
+                              </p:par>
+                            </p:childTnLst>
+                          </p:cTn>
+                        </p:par>
+                      </p:childTnLst>
+                    </p:cTn>
+                  </p:par>
+                  <p:par>
+                    <p:cTn id="8" fill="hold">
+                      <p:stCondLst>
+                        <p:cond delay="indefinite"/>
+                      </p:stCondLst>
+                      <p:childTnLst>
+                        <p:par>
+                          <p:cTn id="9" fill="hold">
+                            <p:stCondLst>
+                              <p:cond delay="0"/>
+                            </p:stCondLst>
+                            <p:childTnLst>
+                              <p:par>
+                                <p:cTn id="10" presetID="10" presetClass="entr" presetSubtype="0" fill="hold" nodeType="clickEffect">
+                                  <p:stCondLst>
+                                    <p:cond delay="0"/>
+                                  </p:stCondLst>
+                                  <p:childTnLst>
+                                    <p:set>
+                                      <p:cBhvr>
+                                        <p:cTn id="11" dur="1" fill="hold">
+                                          <p:stCondLst>
+                                            <p:cond delay="0"/>
+                                          </p:stCondLst>
+                                        </p:cTn>
+                                        <p:tgtEl>
+                                          <p:spTgt spid="3">
+                                            <p:txEl>
+                                              <p:pRg st="2" end="2"/>
+                                            </p:txEl>
+                                          </p:spTgt>
+                                        </p:tgtEl>
+                                        <p:attrNameLst>
+                                          <p:attrName>style.visibility</p:attrName>
+                                        </p:attrNameLst>
+                                      </p:cBhvr>
+                                      <p:to>
+                                        <p:strVal val="visible"/>
+                                      </p:to>
+                                    </p:set>
+                                    <p:animEffect transition="in" filter="fade">
+                                      <p:cBhvr>
+                                        <p:cTn id="12" dur="500"/>
+                                        <p:tgtEl>
+                                          <p:spTgt spid="3">
+                                            <p:txEl>
+                                              <p:pRg st="2" end="2"/>
+                                            </p:txEl>
+                                          </p:spTgt>
+                                        </p:tgtEl>
+                                      </p:cBhvr>
+                                    </p:animEffect>
+                                  </p:childTnLst>
+                                </p:cTn>
+                              </p:par>
+                            </p:childTnLst>
+                          </p:cTn>
+                        </p:par>
+                      </p:childTnLst>
+                    </p:cTn>
+                  </p:par>
+                  <p:par>
+                    <p:cTn id="13" fill="hold">
+                      <p:stCondLst>
+                        <p:cond delay="indefinite"/>
+                      </p:stCondLst>
+                      <p:childTnLst>
+                        <p:par>
+                          <p:cTn id="14" fill="hold">
+                            <p:stCondLst>
+                              <p:cond delay="0"/>
+                            </p:stCondLst>
+                            <p:childTnLst>
+                              <p:par>
+                                <p:cTn id="15" presetID="10" presetClass="entr" presetSubtype="0" fill="hold" nodeType="clickEffect">
+                                  <p:stCondLst>
+                                    <p:cond delay="0"/>
+                                  </p:stCondLst>
+                                  <p:childTnLst>
+                                    <p:set>
+                                      <p:cBhvr>
+                                        <p:cTn id="16" dur="1" fill="hold">
+                                          <p:stCondLst>
+                                            <p:cond delay="0"/>
+                                          </p:stCondLst>
+                                        </p:cTn>
+                                        <p:tgtEl>
+                                          <p:spTgt spid="3">
+                                            <p:txEl>
+                                              <p:pRg st="4" end="4"/>
+                                            </p:txEl>
+                                          </p:spTgt>
+                                        </p:tgtEl>
+                                        <p:attrNameLst>
+                                          <p:attrName>style.visibility</p:attrName>
+                                        </p:attrNameLst>
+                                      </p:cBhvr>
+                                      <p:to>
+                                        <p:strVal val="visible"/>
+                                      </p:to>
+                                    </p:set>
+                                    <p:animEffect transition="in" filter="fade">
+                                      <p:cBhvr>
+                                        <p:cTn id="17" dur="500"/>
+                                        <p:tgtEl>
+                                          <p:spTgt spid="3">
+                                            <p:txEl>
+                                              <p:pRg st="4" end="4"/>
+                                            </p:txEl>
+                                          </p:spTgt>
+                                        </p:tgtEl>
+                                      </p:cBhvr>
+                                    </p:animEffect>
+                                  </p:childTnLst>
+                                </p:cTn>
+                              </p:par>
+                            </p:childTnLst>
+                          </p:cTn>
+                        </p:par>
+                      </p:childTnLst>
+                    </p:cTn>
+                  </p:par>
+                </p:childTnLst>
+              </p:cTn>
+              <p:prevCondLst>
+                <p:cond evt="onPrev" delay="0">
+                  <p:tgtEl>
+                    <p:sldTgt/>
+                  </p:tgtEl>
+                </p:cond>
+              </p:prevCondLst>
+              <p:nextCondLst>
+                <p:cond evt="onNext" delay="0">
+                  <p:tgtEl>
+                    <p:sldTgt/>
+                  </p:tgtEl>
+                </p:cond>
+              </p:nextCondLst>
+            </p:seq>
+          </p:childTnLst>
+        </p:cTn>
+      </p:par>
+    </p:tnLst>
+  </p:timing>
+</p:sld>
+</file>
+
+<file path=ppt/slides/slide15.xml><?xml version="1.0" encoding="utf-8"?>
+<p:sld xmlns:a="http://schemas.openxmlformats.org/drawingml/2006/main" xmlns:r="http://schemas.openxmlformats.org/officeDocument/2006/relationships" xmlns:p="http://schemas.openxmlformats.org/presentationml/2006/main">
+  <p:cSld>
+    <p:spTree>
+      <p:nvGrpSpPr>
+        <p:cNvPr id="1" name=""/>
+        <p:cNvGrpSpPr/>
+        <p:nvPr/>
+      </p:nvGrpSpPr>
+      <p:grpSpPr>
+        <a:xfrm>
+          <a:off x="0" y="0"/>
+          <a:ext cx="0" cy="0"/>
+          <a:chOff x="0" y="0"/>
+          <a:chExt cx="0" cy="0"/>
+        </a:xfrm>
+      </p:grpSpPr>
+      <mc:AlternateContent xmlns:mc="http://schemas.openxmlformats.org/markup-compatibility/2006" xmlns:a14="http://schemas.microsoft.com/office/drawing/2010/main">
+        <mc:Choice Requires="a14">
+          <p:sp>
+            <p:nvSpPr>
+              <p:cNvPr id="2" name="Title 1">
+                <a:extLst>
+                  <a:ext uri="{FF2B5EF4-FFF2-40B4-BE49-F238E27FC236}">
+                    <a16:creationId xmlns:a16="http://schemas.microsoft.com/office/drawing/2014/main" id="{707BE268-578D-5014-6A63-DC249FAA139A}"/>
+                  </a:ext>
+                </a:extLst>
+              </p:cNvPr>
+              <p:cNvSpPr>
+                <a:spLocks noGrp="1"/>
+              </p:cNvSpPr>
+              <p:nvPr>
+                <p:ph type="title"/>
+              </p:nvPr>
+            </p:nvSpPr>
+            <p:spPr/>
+            <p:txBody>
+              <a:bodyPr/>
+              <a:lstStyle/>
+              <a:p>
+                <a14:m>
+                  <m:oMath xmlns:m="http://schemas.openxmlformats.org/officeDocument/2006/math">
+                    <m:r>
+                      <a:rPr lang="en-US" i="1" dirty="0" smtClean="0">
+                        <a:latin typeface="Cambria Math" panose="02040503050406030204" pitchFamily="18" charset="0"/>
+                      </a:rPr>
+                      <m:t>𝑇𝑃</m:t>
+                    </m:r>
+                  </m:oMath>
+                </a14:m>
+                <a:r>
+                  <a:rPr lang="en-US" dirty="0"/>
+                  <a:t>, </a:t>
+                </a:r>
+                <a14:m>
+                  <m:oMath xmlns:m="http://schemas.openxmlformats.org/officeDocument/2006/math">
+                    <m:r>
+                      <a:rPr lang="en-US" i="1" dirty="0" smtClean="0">
+                        <a:latin typeface="Cambria Math" panose="02040503050406030204" pitchFamily="18" charset="0"/>
+                      </a:rPr>
+                      <m:t>𝐴𝑃</m:t>
+                    </m:r>
+                  </m:oMath>
+                </a14:m>
+                <a:r>
+                  <a:rPr lang="en-US" dirty="0"/>
+                  <a:t>, </a:t>
+                </a:r>
+                <a14:m>
+                  <m:oMath xmlns:m="http://schemas.openxmlformats.org/officeDocument/2006/math">
+                    <m:r>
+                      <a:rPr lang="en-US" i="1" dirty="0" smtClean="0">
+                        <a:latin typeface="Cambria Math" panose="02040503050406030204" pitchFamily="18" charset="0"/>
+                      </a:rPr>
+                      <m:t>𝑀𝑃</m:t>
+                    </m:r>
+                  </m:oMath>
+                </a14:m>
+                <a:r>
+                  <a:rPr lang="en-US" dirty="0"/>
+                  <a:t> in the Short Run</a:t>
+                </a:r>
+              </a:p>
+            </p:txBody>
+          </p:sp>
+        </mc:Choice>
+        <mc:Fallback xmlns="">
+          <p:sp>
+            <p:nvSpPr>
+              <p:cNvPr id="2" name="Title 1">
+                <a:extLst>
+                  <a:ext uri="{FF2B5EF4-FFF2-40B4-BE49-F238E27FC236}">
+                    <a16:creationId xmlns:a16="http://schemas.microsoft.com/office/drawing/2014/main" id="{707BE268-578D-5014-6A63-DC249FAA139A}"/>
+                  </a:ext>
+                </a:extLst>
+              </p:cNvPr>
+              <p:cNvSpPr>
+                <a:spLocks noGrp="1" noRot="1" noChangeAspect="1" noMove="1" noResize="1" noEditPoints="1" noAdjustHandles="1" noChangeArrowheads="1" noChangeShapeType="1" noTextEdit="1"/>
+              </p:cNvSpPr>
+              <p:nvPr>
+                <p:ph type="title"/>
+              </p:nvPr>
+            </p:nvSpPr>
+            <p:spPr>
+              <a:blipFill>
+                <a:blip r:embed="rId2"/>
+                <a:stretch>
+                  <a:fillRect/>
+                </a:stretch>
+              </a:blipFill>
+            </p:spPr>
+            <p:txBody>
+              <a:bodyPr/>
+              <a:lstStyle/>
+              <a:p>
+                <a:r>
+                  <a:rPr lang="en-US">
+                    <a:noFill/>
+                  </a:rPr>
+                  <a:t> </a:t>
+                </a:r>
+              </a:p>
+            </p:txBody>
+          </p:sp>
+        </mc:Fallback>
+      </mc:AlternateContent>
       <p:sp>
         <p:nvSpPr>
           <p:cNvPr id="4" name="Content Placeholder 3">
@@ -6880,7 +7800,7 @@
           <a:p>
             <a:r>
               <a:rPr lang="en-US" dirty="0"/>
-              <a:t>Assume that we are in the short run, and capital is fixed at some level.</a:t>
+              <a:t>Total product is plotted on top panel.</a:t>
             </a:r>
           </a:p>
           <a:p>
@@ -6890,7 +7810,7 @@
           <a:p>
             <a:r>
               <a:rPr lang="en-US" dirty="0"/>
-              <a:t>Total product is plotted on top, and below it the average and marginal products.</a:t>
+              <a:t>In the panel below, the average and marginal products.</a:t>
             </a:r>
           </a:p>
           <a:p>
@@ -6986,7 +7906,7 @@
           <a:p>
             <a:fld id="{1A980C56-831A-4EAB-9EDE-57C090F4F877}" type="slidenum">
               <a:rPr lang="en-US" smtClean="0"/>
-              <a:t>14</a:t>
+              <a:t>15</a:t>
             </a:fld>
             <a:endParaRPr lang="en-US" dirty="0"/>
           </a:p>
@@ -7009,7 +7929,7 @@
           </p:nvPr>
         </p:nvPicPr>
         <p:blipFill>
-          <a:blip r:embed="rId2">
+          <a:blip r:embed="rId3">
             <a:extLst>
               <a:ext uri="{28A0092B-C50C-407E-A947-70E740481C1C}">
                 <a14:useLocalDpi xmlns:a14="http://schemas.microsoft.com/office/drawing/2010/main" val="0"/>
@@ -7037,10 +7957,223 @@
   <p:clrMapOvr>
     <a:masterClrMapping/>
   </p:clrMapOvr>
+  <p:timing>
+    <p:tnLst>
+      <p:par>
+        <p:cTn id="1" dur="indefinite" restart="never" nodeType="tmRoot">
+          <p:childTnLst>
+            <p:seq concurrent="1" nextAc="seek">
+              <p:cTn id="2" dur="indefinite" nodeType="mainSeq">
+                <p:childTnLst>
+                  <p:par>
+                    <p:cTn id="3" fill="hold">
+                      <p:stCondLst>
+                        <p:cond delay="indefinite"/>
+                      </p:stCondLst>
+                      <p:childTnLst>
+                        <p:par>
+                          <p:cTn id="4" fill="hold">
+                            <p:stCondLst>
+                              <p:cond delay="0"/>
+                            </p:stCondLst>
+                            <p:childTnLst>
+                              <p:par>
+                                <p:cTn id="5" presetID="10" presetClass="entr" presetSubtype="0" fill="hold" nodeType="clickEffect">
+                                  <p:stCondLst>
+                                    <p:cond delay="0"/>
+                                  </p:stCondLst>
+                                  <p:childTnLst>
+                                    <p:set>
+                                      <p:cBhvr>
+                                        <p:cTn id="6" dur="1" fill="hold">
+                                          <p:stCondLst>
+                                            <p:cond delay="0"/>
+                                          </p:stCondLst>
+                                        </p:cTn>
+                                        <p:tgtEl>
+                                          <p:spTgt spid="4">
+                                            <p:txEl>
+                                              <p:pRg st="0" end="0"/>
+                                            </p:txEl>
+                                          </p:spTgt>
+                                        </p:tgtEl>
+                                        <p:attrNameLst>
+                                          <p:attrName>style.visibility</p:attrName>
+                                        </p:attrNameLst>
+                                      </p:cBhvr>
+                                      <p:to>
+                                        <p:strVal val="visible"/>
+                                      </p:to>
+                                    </p:set>
+                                    <p:animEffect transition="in" filter="fade">
+                                      <p:cBhvr>
+                                        <p:cTn id="7" dur="500"/>
+                                        <p:tgtEl>
+                                          <p:spTgt spid="4">
+                                            <p:txEl>
+                                              <p:pRg st="0" end="0"/>
+                                            </p:txEl>
+                                          </p:spTgt>
+                                        </p:tgtEl>
+                                      </p:cBhvr>
+                                    </p:animEffect>
+                                  </p:childTnLst>
+                                </p:cTn>
+                              </p:par>
+                            </p:childTnLst>
+                          </p:cTn>
+                        </p:par>
+                      </p:childTnLst>
+                    </p:cTn>
+                  </p:par>
+                  <p:par>
+                    <p:cTn id="8" fill="hold">
+                      <p:stCondLst>
+                        <p:cond delay="indefinite"/>
+                      </p:stCondLst>
+                      <p:childTnLst>
+                        <p:par>
+                          <p:cTn id="9" fill="hold">
+                            <p:stCondLst>
+                              <p:cond delay="0"/>
+                            </p:stCondLst>
+                            <p:childTnLst>
+                              <p:par>
+                                <p:cTn id="10" presetID="10" presetClass="entr" presetSubtype="0" fill="hold" nodeType="clickEffect">
+                                  <p:stCondLst>
+                                    <p:cond delay="0"/>
+                                  </p:stCondLst>
+                                  <p:childTnLst>
+                                    <p:set>
+                                      <p:cBhvr>
+                                        <p:cTn id="11" dur="1" fill="hold">
+                                          <p:stCondLst>
+                                            <p:cond delay="0"/>
+                                          </p:stCondLst>
+                                        </p:cTn>
+                                        <p:tgtEl>
+                                          <p:spTgt spid="4">
+                                            <p:txEl>
+                                              <p:pRg st="2" end="2"/>
+                                            </p:txEl>
+                                          </p:spTgt>
+                                        </p:tgtEl>
+                                        <p:attrNameLst>
+                                          <p:attrName>style.visibility</p:attrName>
+                                        </p:attrNameLst>
+                                      </p:cBhvr>
+                                      <p:to>
+                                        <p:strVal val="visible"/>
+                                      </p:to>
+                                    </p:set>
+                                    <p:animEffect transition="in" filter="fade">
+                                      <p:cBhvr>
+                                        <p:cTn id="12" dur="500"/>
+                                        <p:tgtEl>
+                                          <p:spTgt spid="4">
+                                            <p:txEl>
+                                              <p:pRg st="2" end="2"/>
+                                            </p:txEl>
+                                          </p:spTgt>
+                                        </p:tgtEl>
+                                      </p:cBhvr>
+                                    </p:animEffect>
+                                  </p:childTnLst>
+                                </p:cTn>
+                              </p:par>
+                            </p:childTnLst>
+                          </p:cTn>
+                        </p:par>
+                      </p:childTnLst>
+                    </p:cTn>
+                  </p:par>
+                  <p:par>
+                    <p:cTn id="13" fill="hold">
+                      <p:stCondLst>
+                        <p:cond delay="indefinite"/>
+                      </p:stCondLst>
+                      <p:childTnLst>
+                        <p:par>
+                          <p:cTn id="14" fill="hold">
+                            <p:stCondLst>
+                              <p:cond delay="0"/>
+                            </p:stCondLst>
+                            <p:childTnLst>
+                              <p:par>
+                                <p:cTn id="15" presetID="10" presetClass="entr" presetSubtype="0" fill="hold" nodeType="clickEffect">
+                                  <p:stCondLst>
+                                    <p:cond delay="0"/>
+                                  </p:stCondLst>
+                                  <p:childTnLst>
+                                    <p:set>
+                                      <p:cBhvr>
+                                        <p:cTn id="16" dur="1" fill="hold">
+                                          <p:stCondLst>
+                                            <p:cond delay="0"/>
+                                          </p:stCondLst>
+                                        </p:cTn>
+                                        <p:tgtEl>
+                                          <p:spTgt spid="4">
+                                            <p:txEl>
+                                              <p:pRg st="4" end="4"/>
+                                            </p:txEl>
+                                          </p:spTgt>
+                                        </p:tgtEl>
+                                        <p:attrNameLst>
+                                          <p:attrName>style.visibility</p:attrName>
+                                        </p:attrNameLst>
+                                      </p:cBhvr>
+                                      <p:to>
+                                        <p:strVal val="visible"/>
+                                      </p:to>
+                                    </p:set>
+                                    <p:animEffect transition="in" filter="fade">
+                                      <p:cBhvr>
+                                        <p:cTn id="17" dur="500"/>
+                                        <p:tgtEl>
+                                          <p:spTgt spid="4">
+                                            <p:txEl>
+                                              <p:pRg st="4" end="4"/>
+                                            </p:txEl>
+                                          </p:spTgt>
+                                        </p:tgtEl>
+                                      </p:cBhvr>
+                                    </p:animEffect>
+                                  </p:childTnLst>
+                                </p:cTn>
+                              </p:par>
+                            </p:childTnLst>
+                          </p:cTn>
+                        </p:par>
+                      </p:childTnLst>
+                    </p:cTn>
+                  </p:par>
+                </p:childTnLst>
+              </p:cTn>
+              <p:prevCondLst>
+                <p:cond evt="onPrev" delay="0">
+                  <p:tgtEl>
+                    <p:sldTgt/>
+                  </p:tgtEl>
+                </p:cond>
+              </p:prevCondLst>
+              <p:nextCondLst>
+                <p:cond evt="onNext" delay="0">
+                  <p:tgtEl>
+                    <p:sldTgt/>
+                  </p:tgtEl>
+                </p:cond>
+              </p:nextCondLst>
+            </p:seq>
+          </p:childTnLst>
+        </p:cTn>
+      </p:par>
+    </p:tnLst>
+  </p:timing>
 </p:sld>
 </file>
 
-<file path=ppt/slides/slide15.xml><?xml version="1.0" encoding="utf-8"?>
+<file path=ppt/slides/slide16.xml><?xml version="1.0" encoding="utf-8"?>
 <p:sld xmlns:a="http://schemas.openxmlformats.org/drawingml/2006/main" xmlns:r="http://schemas.openxmlformats.org/officeDocument/2006/relationships" xmlns:p="http://schemas.openxmlformats.org/presentationml/2006/main">
   <p:cSld>
     <p:spTree>
@@ -7057,34 +8190,115 @@
           <a:chExt cx="0" cy="0"/>
         </a:xfrm>
       </p:grpSpPr>
-      <p:sp>
-        <p:nvSpPr>
-          <p:cNvPr id="2" name="Title 1">
-            <a:extLst>
-              <a:ext uri="{FF2B5EF4-FFF2-40B4-BE49-F238E27FC236}">
-                <a16:creationId xmlns:a16="http://schemas.microsoft.com/office/drawing/2014/main" id="{707BE268-578D-5014-6A63-DC249FAA139A}"/>
-              </a:ext>
-            </a:extLst>
-          </p:cNvPr>
-          <p:cNvSpPr>
-            <a:spLocks noGrp="1"/>
-          </p:cNvSpPr>
-          <p:nvPr>
-            <p:ph type="title"/>
-          </p:nvPr>
-        </p:nvSpPr>
-        <p:spPr/>
-        <p:txBody>
-          <a:bodyPr/>
-          <a:lstStyle/>
-          <a:p>
-            <a:r>
-              <a:rPr lang="en-US" dirty="0"/>
-              <a:t>Total Product, Average Product, and Marginal Product</a:t>
-            </a:r>
-          </a:p>
-        </p:txBody>
-      </p:sp>
+      <mc:AlternateContent xmlns:mc="http://schemas.openxmlformats.org/markup-compatibility/2006" xmlns:a14="http://schemas.microsoft.com/office/drawing/2010/main">
+        <mc:Choice Requires="a14">
+          <p:sp>
+            <p:nvSpPr>
+              <p:cNvPr id="2" name="Title 1">
+                <a:extLst>
+                  <a:ext uri="{FF2B5EF4-FFF2-40B4-BE49-F238E27FC236}">
+                    <a16:creationId xmlns:a16="http://schemas.microsoft.com/office/drawing/2014/main" id="{707BE268-578D-5014-6A63-DC249FAA139A}"/>
+                  </a:ext>
+                </a:extLst>
+              </p:cNvPr>
+              <p:cNvSpPr>
+                <a:spLocks noGrp="1"/>
+              </p:cNvSpPr>
+              <p:nvPr>
+                <p:ph type="title"/>
+              </p:nvPr>
+            </p:nvSpPr>
+            <p:spPr/>
+            <p:txBody>
+              <a:bodyPr/>
+              <a:lstStyle/>
+              <a:p>
+                <a14:m>
+                  <m:oMath xmlns:m="http://schemas.openxmlformats.org/officeDocument/2006/math">
+                    <m:r>
+                      <a:rPr lang="en-US" i="1" dirty="0" smtClean="0">
+                        <a:latin typeface="Cambria Math" panose="02040503050406030204" pitchFamily="18" charset="0"/>
+                      </a:rPr>
+                      <m:t>𝑇𝑃</m:t>
+                    </m:r>
+                  </m:oMath>
+                </a14:m>
+                <a:r>
+                  <a:rPr lang="en-US" dirty="0"/>
+                  <a:t>, </a:t>
+                </a:r>
+                <a14:m>
+                  <m:oMath xmlns:m="http://schemas.openxmlformats.org/officeDocument/2006/math">
+                    <m:r>
+                      <a:rPr lang="en-US" i="1" dirty="0" smtClean="0">
+                        <a:latin typeface="Cambria Math" panose="02040503050406030204" pitchFamily="18" charset="0"/>
+                      </a:rPr>
+                      <m:t>𝐴𝑃</m:t>
+                    </m:r>
+                  </m:oMath>
+                </a14:m>
+                <a:r>
+                  <a:rPr lang="en-US" dirty="0"/>
+                  <a:t>, </a:t>
+                </a:r>
+                <a14:m>
+                  <m:oMath xmlns:m="http://schemas.openxmlformats.org/officeDocument/2006/math">
+                    <m:r>
+                      <a:rPr lang="en-US" i="1" dirty="0" smtClean="0">
+                        <a:latin typeface="Cambria Math" panose="02040503050406030204" pitchFamily="18" charset="0"/>
+                      </a:rPr>
+                      <m:t>𝑀𝑃</m:t>
+                    </m:r>
+                  </m:oMath>
+                </a14:m>
+                <a:r>
+                  <a:rPr lang="en-US" dirty="0"/>
+                  <a:t> in the Short Run</a:t>
+                </a:r>
+              </a:p>
+            </p:txBody>
+          </p:sp>
+        </mc:Choice>
+        <mc:Fallback xmlns="">
+          <p:sp>
+            <p:nvSpPr>
+              <p:cNvPr id="2" name="Title 1">
+                <a:extLst>
+                  <a:ext uri="{FF2B5EF4-FFF2-40B4-BE49-F238E27FC236}">
+                    <a16:creationId xmlns:a16="http://schemas.microsoft.com/office/drawing/2014/main" id="{707BE268-578D-5014-6A63-DC249FAA139A}"/>
+                  </a:ext>
+                </a:extLst>
+              </p:cNvPr>
+              <p:cNvSpPr>
+                <a:spLocks noGrp="1" noRot="1" noChangeAspect="1" noMove="1" noResize="1" noEditPoints="1" noAdjustHandles="1" noChangeArrowheads="1" noChangeShapeType="1" noTextEdit="1"/>
+              </p:cNvSpPr>
+              <p:nvPr>
+                <p:ph type="title"/>
+              </p:nvPr>
+            </p:nvSpPr>
+            <p:spPr>
+              <a:blipFill>
+                <a:blip r:embed="rId2"/>
+                <a:stretch>
+                  <a:fillRect/>
+                </a:stretch>
+              </a:blipFill>
+            </p:spPr>
+            <p:txBody>
+              <a:bodyPr/>
+              <a:lstStyle/>
+              <a:p>
+                <a:r>
+                  <a:rPr lang="en-US">
+                    <a:noFill/>
+                  </a:rPr>
+                  <a:t> </a:t>
+                </a:r>
+              </a:p>
+            </p:txBody>
+          </p:sp>
+        </mc:Fallback>
+      </mc:AlternateContent>
       <mc:AlternateContent xmlns:mc="http://schemas.openxmlformats.org/markup-compatibility/2006" xmlns:a14="http://schemas.microsoft.com/office/drawing/2010/main">
         <mc:Choice Requires="a14">
           <p:sp>
@@ -7280,7 +8494,7 @@
                 <a:ext cx="3988639" cy="4351338"/>
               </a:xfrm>
               <a:blipFill>
-                <a:blip r:embed="rId2"/>
+                <a:blip r:embed="rId3"/>
                 <a:stretch>
                   <a:fillRect l="-1985" t="-1821" r="-2137"/>
                 </a:stretch>
@@ -7382,7 +8596,7 @@
           <a:p>
             <a:fld id="{1A980C56-831A-4EAB-9EDE-57C090F4F877}" type="slidenum">
               <a:rPr lang="en-US" smtClean="0"/>
-              <a:t>15</a:t>
+              <a:t>16</a:t>
             </a:fld>
             <a:endParaRPr lang="en-US" dirty="0"/>
           </a:p>
@@ -7405,7 +8619,7 @@
           </p:nvPr>
         </p:nvPicPr>
         <p:blipFill>
-          <a:blip r:embed="rId3">
+          <a:blip r:embed="rId4">
             <a:extLst>
               <a:ext uri="{28A0092B-C50C-407E-A947-70E740481C1C}">
                 <a14:useLocalDpi xmlns:a14="http://schemas.microsoft.com/office/drawing/2010/main" val="0"/>
@@ -7735,7 +8949,7 @@
 </p:sld>
 </file>
 
-<file path=ppt/slides/slide16.xml><?xml version="1.0" encoding="utf-8"?>
+<file path=ppt/slides/slide17.xml><?xml version="1.0" encoding="utf-8"?>
 <p:sld xmlns:a="http://schemas.openxmlformats.org/drawingml/2006/main" xmlns:r="http://schemas.openxmlformats.org/officeDocument/2006/relationships" xmlns:p="http://schemas.openxmlformats.org/presentationml/2006/main">
   <p:cSld>
     <p:spTree>
@@ -7752,36 +8966,117 @@
           <a:chExt cx="0" cy="0"/>
         </a:xfrm>
       </p:grpSpPr>
-      <p:sp>
-        <p:nvSpPr>
-          <p:cNvPr id="2" name="Title 1">
-            <a:extLst>
-              <a:ext uri="{FF2B5EF4-FFF2-40B4-BE49-F238E27FC236}">
-                <a16:creationId xmlns:a16="http://schemas.microsoft.com/office/drawing/2014/main" id="{707BE268-578D-5014-6A63-DC249FAA139A}"/>
-              </a:ext>
-            </a:extLst>
-          </p:cNvPr>
-          <p:cNvSpPr>
-            <a:spLocks noGrp="1"/>
-          </p:cNvSpPr>
-          <p:nvPr>
-            <p:ph type="title"/>
-          </p:nvPr>
-        </p:nvSpPr>
-        <p:spPr/>
-        <p:txBody>
-          <a:bodyPr/>
-          <a:lstStyle/>
-          <a:p>
-            <a:r>
-              <a:rPr lang="en-US" dirty="0"/>
-              <a:t>Total Product, Average Product, and Marginal Product</a:t>
-            </a:r>
-          </a:p>
-        </p:txBody>
-      </p:sp>
-      <mc:AlternateContent xmlns:mc="http://schemas.openxmlformats.org/markup-compatibility/2006">
-        <mc:Choice xmlns:a14="http://schemas.microsoft.com/office/drawing/2010/main" Requires="a14">
+      <mc:AlternateContent xmlns:mc="http://schemas.openxmlformats.org/markup-compatibility/2006" xmlns:a14="http://schemas.microsoft.com/office/drawing/2010/main">
+        <mc:Choice Requires="a14">
+          <p:sp>
+            <p:nvSpPr>
+              <p:cNvPr id="2" name="Title 1">
+                <a:extLst>
+                  <a:ext uri="{FF2B5EF4-FFF2-40B4-BE49-F238E27FC236}">
+                    <a16:creationId xmlns:a16="http://schemas.microsoft.com/office/drawing/2014/main" id="{707BE268-578D-5014-6A63-DC249FAA139A}"/>
+                  </a:ext>
+                </a:extLst>
+              </p:cNvPr>
+              <p:cNvSpPr>
+                <a:spLocks noGrp="1"/>
+              </p:cNvSpPr>
+              <p:nvPr>
+                <p:ph type="title"/>
+              </p:nvPr>
+            </p:nvSpPr>
+            <p:spPr/>
+            <p:txBody>
+              <a:bodyPr/>
+              <a:lstStyle/>
+              <a:p>
+                <a14:m>
+                  <m:oMath xmlns:m="http://schemas.openxmlformats.org/officeDocument/2006/math">
+                    <m:r>
+                      <a:rPr lang="en-US" i="1" dirty="0" smtClean="0">
+                        <a:latin typeface="Cambria Math" panose="02040503050406030204" pitchFamily="18" charset="0"/>
+                      </a:rPr>
+                      <m:t>𝑇𝑃</m:t>
+                    </m:r>
+                  </m:oMath>
+                </a14:m>
+                <a:r>
+                  <a:rPr lang="en-US" dirty="0"/>
+                  <a:t>, </a:t>
+                </a:r>
+                <a14:m>
+                  <m:oMath xmlns:m="http://schemas.openxmlformats.org/officeDocument/2006/math">
+                    <m:r>
+                      <a:rPr lang="en-US" i="1" dirty="0" smtClean="0">
+                        <a:latin typeface="Cambria Math" panose="02040503050406030204" pitchFamily="18" charset="0"/>
+                      </a:rPr>
+                      <m:t>𝐴𝑃</m:t>
+                    </m:r>
+                  </m:oMath>
+                </a14:m>
+                <a:r>
+                  <a:rPr lang="en-US" dirty="0"/>
+                  <a:t>, </a:t>
+                </a:r>
+                <a14:m>
+                  <m:oMath xmlns:m="http://schemas.openxmlformats.org/officeDocument/2006/math">
+                    <m:r>
+                      <a:rPr lang="en-US" i="1" dirty="0" smtClean="0">
+                        <a:latin typeface="Cambria Math" panose="02040503050406030204" pitchFamily="18" charset="0"/>
+                      </a:rPr>
+                      <m:t>𝑀𝑃</m:t>
+                    </m:r>
+                  </m:oMath>
+                </a14:m>
+                <a:r>
+                  <a:rPr lang="en-US" dirty="0"/>
+                  <a:t> in the Short Run</a:t>
+                </a:r>
+              </a:p>
+            </p:txBody>
+          </p:sp>
+        </mc:Choice>
+        <mc:Fallback xmlns="">
+          <p:sp>
+            <p:nvSpPr>
+              <p:cNvPr id="2" name="Title 1">
+                <a:extLst>
+                  <a:ext uri="{FF2B5EF4-FFF2-40B4-BE49-F238E27FC236}">
+                    <a16:creationId xmlns:a16="http://schemas.microsoft.com/office/drawing/2014/main" id="{707BE268-578D-5014-6A63-DC249FAA139A}"/>
+                  </a:ext>
+                </a:extLst>
+              </p:cNvPr>
+              <p:cNvSpPr>
+                <a:spLocks noGrp="1" noRot="1" noChangeAspect="1" noMove="1" noResize="1" noEditPoints="1" noAdjustHandles="1" noChangeArrowheads="1" noChangeShapeType="1" noTextEdit="1"/>
+              </p:cNvSpPr>
+              <p:nvPr>
+                <p:ph type="title"/>
+              </p:nvPr>
+            </p:nvSpPr>
+            <p:spPr>
+              <a:blipFill>
+                <a:blip r:embed="rId2"/>
+                <a:stretch>
+                  <a:fillRect/>
+                </a:stretch>
+              </a:blipFill>
+            </p:spPr>
+            <p:txBody>
+              <a:bodyPr/>
+              <a:lstStyle/>
+              <a:p>
+                <a:r>
+                  <a:rPr lang="en-US">
+                    <a:noFill/>
+                  </a:rPr>
+                  <a:t> </a:t>
+                </a:r>
+              </a:p>
+            </p:txBody>
+          </p:sp>
+        </mc:Fallback>
+      </mc:AlternateContent>
+      <mc:AlternateContent xmlns:mc="http://schemas.openxmlformats.org/markup-compatibility/2006" xmlns:a14="http://schemas.microsoft.com/office/drawing/2010/main">
+        <mc:Choice Requires="a14">
           <p:sp>
             <p:nvSpPr>
               <p:cNvPr id="4" name="Content Placeholder 3">
@@ -7921,7 +9216,7 @@
             </p:txBody>
           </p:sp>
         </mc:Choice>
-        <mc:Fallback>
+        <mc:Fallback xmlns="">
           <p:sp>
             <p:nvSpPr>
               <p:cNvPr id="4" name="Content Placeholder 3">
@@ -7944,7 +9239,7 @@
                 <a:ext cx="3988639" cy="4351338"/>
               </a:xfrm>
               <a:blipFill>
-                <a:blip r:embed="rId2"/>
+                <a:blip r:embed="rId3"/>
                 <a:stretch>
                   <a:fillRect l="-1985" t="-1821"/>
                 </a:stretch>
@@ -8046,7 +9341,7 @@
           <a:p>
             <a:fld id="{1A980C56-831A-4EAB-9EDE-57C090F4F877}" type="slidenum">
               <a:rPr lang="en-US" smtClean="0"/>
-              <a:t>16</a:t>
+              <a:t>17</a:t>
             </a:fld>
             <a:endParaRPr lang="en-US" dirty="0"/>
           </a:p>
@@ -8069,7 +9364,7 @@
           </p:nvPr>
         </p:nvPicPr>
         <p:blipFill>
-          <a:blip r:embed="rId3">
+          <a:blip r:embed="rId4">
             <a:extLst>
               <a:ext uri="{28A0092B-C50C-407E-A947-70E740481C1C}">
                 <a14:useLocalDpi xmlns:a14="http://schemas.microsoft.com/office/drawing/2010/main" val="0"/>
@@ -8313,7 +9608,7 @@
 </p:sld>
 </file>
 
-<file path=ppt/slides/slide17.xml><?xml version="1.0" encoding="utf-8"?>
+<file path=ppt/slides/slide18.xml><?xml version="1.0" encoding="utf-8"?>
 <p:sld xmlns:a="http://schemas.openxmlformats.org/drawingml/2006/main" xmlns:r="http://schemas.openxmlformats.org/officeDocument/2006/relationships" xmlns:p="http://schemas.openxmlformats.org/presentationml/2006/main">
   <p:cSld>
     <p:spTree>
@@ -8330,34 +9625,115 @@
           <a:chExt cx="0" cy="0"/>
         </a:xfrm>
       </p:grpSpPr>
-      <p:sp>
-        <p:nvSpPr>
-          <p:cNvPr id="2" name="Title 1">
-            <a:extLst>
-              <a:ext uri="{FF2B5EF4-FFF2-40B4-BE49-F238E27FC236}">
-                <a16:creationId xmlns:a16="http://schemas.microsoft.com/office/drawing/2014/main" id="{707BE268-578D-5014-6A63-DC249FAA139A}"/>
-              </a:ext>
-            </a:extLst>
-          </p:cNvPr>
-          <p:cNvSpPr>
-            <a:spLocks noGrp="1"/>
-          </p:cNvSpPr>
-          <p:nvPr>
-            <p:ph type="title"/>
-          </p:nvPr>
-        </p:nvSpPr>
-        <p:spPr/>
-        <p:txBody>
-          <a:bodyPr/>
-          <a:lstStyle/>
-          <a:p>
-            <a:r>
-              <a:rPr lang="en-US" dirty="0"/>
-              <a:t>Total Product, Average Product, and Marginal Product</a:t>
-            </a:r>
-          </a:p>
-        </p:txBody>
-      </p:sp>
+      <mc:AlternateContent xmlns:mc="http://schemas.openxmlformats.org/markup-compatibility/2006" xmlns:a14="http://schemas.microsoft.com/office/drawing/2010/main">
+        <mc:Choice Requires="a14">
+          <p:sp>
+            <p:nvSpPr>
+              <p:cNvPr id="2" name="Title 1">
+                <a:extLst>
+                  <a:ext uri="{FF2B5EF4-FFF2-40B4-BE49-F238E27FC236}">
+                    <a16:creationId xmlns:a16="http://schemas.microsoft.com/office/drawing/2014/main" id="{707BE268-578D-5014-6A63-DC249FAA139A}"/>
+                  </a:ext>
+                </a:extLst>
+              </p:cNvPr>
+              <p:cNvSpPr>
+                <a:spLocks noGrp="1"/>
+              </p:cNvSpPr>
+              <p:nvPr>
+                <p:ph type="title"/>
+              </p:nvPr>
+            </p:nvSpPr>
+            <p:spPr/>
+            <p:txBody>
+              <a:bodyPr/>
+              <a:lstStyle/>
+              <a:p>
+                <a14:m>
+                  <m:oMath xmlns:m="http://schemas.openxmlformats.org/officeDocument/2006/math">
+                    <m:r>
+                      <a:rPr lang="en-US" i="1" dirty="0" smtClean="0">
+                        <a:latin typeface="Cambria Math" panose="02040503050406030204" pitchFamily="18" charset="0"/>
+                      </a:rPr>
+                      <m:t>𝑇𝑃</m:t>
+                    </m:r>
+                  </m:oMath>
+                </a14:m>
+                <a:r>
+                  <a:rPr lang="en-US" dirty="0"/>
+                  <a:t>, </a:t>
+                </a:r>
+                <a14:m>
+                  <m:oMath xmlns:m="http://schemas.openxmlformats.org/officeDocument/2006/math">
+                    <m:r>
+                      <a:rPr lang="en-US" i="1" dirty="0" smtClean="0">
+                        <a:latin typeface="Cambria Math" panose="02040503050406030204" pitchFamily="18" charset="0"/>
+                      </a:rPr>
+                      <m:t>𝐴𝑃</m:t>
+                    </m:r>
+                  </m:oMath>
+                </a14:m>
+                <a:r>
+                  <a:rPr lang="en-US" dirty="0"/>
+                  <a:t>, </a:t>
+                </a:r>
+                <a14:m>
+                  <m:oMath xmlns:m="http://schemas.openxmlformats.org/officeDocument/2006/math">
+                    <m:r>
+                      <a:rPr lang="en-US" i="1" dirty="0" smtClean="0">
+                        <a:latin typeface="Cambria Math" panose="02040503050406030204" pitchFamily="18" charset="0"/>
+                      </a:rPr>
+                      <m:t>𝑀𝑃</m:t>
+                    </m:r>
+                  </m:oMath>
+                </a14:m>
+                <a:r>
+                  <a:rPr lang="en-US" dirty="0"/>
+                  <a:t> in the Short Run</a:t>
+                </a:r>
+              </a:p>
+            </p:txBody>
+          </p:sp>
+        </mc:Choice>
+        <mc:Fallback xmlns="">
+          <p:sp>
+            <p:nvSpPr>
+              <p:cNvPr id="2" name="Title 1">
+                <a:extLst>
+                  <a:ext uri="{FF2B5EF4-FFF2-40B4-BE49-F238E27FC236}">
+                    <a16:creationId xmlns:a16="http://schemas.microsoft.com/office/drawing/2014/main" id="{707BE268-578D-5014-6A63-DC249FAA139A}"/>
+                  </a:ext>
+                </a:extLst>
+              </p:cNvPr>
+              <p:cNvSpPr>
+                <a:spLocks noGrp="1" noRot="1" noChangeAspect="1" noMove="1" noResize="1" noEditPoints="1" noAdjustHandles="1" noChangeArrowheads="1" noChangeShapeType="1" noTextEdit="1"/>
+              </p:cNvSpPr>
+              <p:nvPr>
+                <p:ph type="title"/>
+              </p:nvPr>
+            </p:nvSpPr>
+            <p:spPr>
+              <a:blipFill>
+                <a:blip r:embed="rId2"/>
+                <a:stretch>
+                  <a:fillRect/>
+                </a:stretch>
+              </a:blipFill>
+            </p:spPr>
+            <p:txBody>
+              <a:bodyPr/>
+              <a:lstStyle/>
+              <a:p>
+                <a:r>
+                  <a:rPr lang="en-US">
+                    <a:noFill/>
+                  </a:rPr>
+                  <a:t> </a:t>
+                </a:r>
+              </a:p>
+            </p:txBody>
+          </p:sp>
+        </mc:Fallback>
+      </mc:AlternateContent>
       <mc:AlternateContent xmlns:mc="http://schemas.openxmlformats.org/markup-compatibility/2006" xmlns:a14="http://schemas.microsoft.com/office/drawing/2010/main">
         <mc:Choice Requires="a14">
           <p:sp>
@@ -8521,7 +9897,7 @@
                 <a:ext cx="3988639" cy="4351338"/>
               </a:xfrm>
               <a:blipFill>
-                <a:blip r:embed="rId2"/>
+                <a:blip r:embed="rId3"/>
                 <a:stretch>
                   <a:fillRect l="-1985" t="-1821"/>
                 </a:stretch>
@@ -8623,7 +9999,7 @@
           <a:p>
             <a:fld id="{1A980C56-831A-4EAB-9EDE-57C090F4F877}" type="slidenum">
               <a:rPr lang="en-US" smtClean="0"/>
-              <a:t>17</a:t>
+              <a:t>18</a:t>
             </a:fld>
             <a:endParaRPr lang="en-US" dirty="0"/>
           </a:p>
@@ -8646,7 +10022,7 @@
           </p:nvPr>
         </p:nvPicPr>
         <p:blipFill>
-          <a:blip r:embed="rId3">
+          <a:blip r:embed="rId4">
             <a:extLst>
               <a:ext uri="{28A0092B-C50C-407E-A947-70E740481C1C}">
                 <a14:useLocalDpi xmlns:a14="http://schemas.microsoft.com/office/drawing/2010/main" val="0"/>
@@ -8851,635 +10227,6 @@
                                           <p:spTgt spid="4">
                                             <p:txEl>
                                               <p:pRg st="4" end="4"/>
-                                            </p:txEl>
-                                          </p:spTgt>
-                                        </p:tgtEl>
-                                      </p:cBhvr>
-                                    </p:animEffect>
-                                  </p:childTnLst>
-                                </p:cTn>
-                              </p:par>
-                            </p:childTnLst>
-                          </p:cTn>
-                        </p:par>
-                      </p:childTnLst>
-                    </p:cTn>
-                  </p:par>
-                </p:childTnLst>
-              </p:cTn>
-              <p:prevCondLst>
-                <p:cond evt="onPrev" delay="0">
-                  <p:tgtEl>
-                    <p:sldTgt/>
-                  </p:tgtEl>
-                </p:cond>
-              </p:prevCondLst>
-              <p:nextCondLst>
-                <p:cond evt="onNext" delay="0">
-                  <p:tgtEl>
-                    <p:sldTgt/>
-                  </p:tgtEl>
-                </p:cond>
-              </p:nextCondLst>
-            </p:seq>
-          </p:childTnLst>
-        </p:cTn>
-      </p:par>
-    </p:tnLst>
-  </p:timing>
-</p:sld>
-</file>
-
-<file path=ppt/slides/slide18.xml><?xml version="1.0" encoding="utf-8"?>
-<p:sld xmlns:a="http://schemas.openxmlformats.org/drawingml/2006/main" xmlns:r="http://schemas.openxmlformats.org/officeDocument/2006/relationships" xmlns:p="http://schemas.openxmlformats.org/presentationml/2006/main">
-  <p:cSld>
-    <p:spTree>
-      <p:nvGrpSpPr>
-        <p:cNvPr id="1" name=""/>
-        <p:cNvGrpSpPr/>
-        <p:nvPr/>
-      </p:nvGrpSpPr>
-      <p:grpSpPr>
-        <a:xfrm>
-          <a:off x="0" y="0"/>
-          <a:ext cx="0" cy="0"/>
-          <a:chOff x="0" y="0"/>
-          <a:chExt cx="0" cy="0"/>
-        </a:xfrm>
-      </p:grpSpPr>
-      <p:sp>
-        <p:nvSpPr>
-          <p:cNvPr id="2" name="Title 1">
-            <a:extLst>
-              <a:ext uri="{FF2B5EF4-FFF2-40B4-BE49-F238E27FC236}">
-                <a16:creationId xmlns:a16="http://schemas.microsoft.com/office/drawing/2014/main" id="{0D8E3986-575B-B929-0562-1561C73A78DE}"/>
-              </a:ext>
-            </a:extLst>
-          </p:cNvPr>
-          <p:cNvSpPr>
-            <a:spLocks noGrp="1"/>
-          </p:cNvSpPr>
-          <p:nvPr>
-            <p:ph type="title"/>
-          </p:nvPr>
-        </p:nvSpPr>
-        <p:spPr/>
-        <p:txBody>
-          <a:bodyPr/>
-          <a:lstStyle/>
-          <a:p>
-            <a:r>
-              <a:rPr lang="en-US" dirty="0"/>
-              <a:t>Isoquant</a:t>
-            </a:r>
-          </a:p>
-        </p:txBody>
-      </p:sp>
-      <p:sp>
-        <p:nvSpPr>
-          <p:cNvPr id="3" name="Content Placeholder 2">
-            <a:extLst>
-              <a:ext uri="{FF2B5EF4-FFF2-40B4-BE49-F238E27FC236}">
-                <a16:creationId xmlns:a16="http://schemas.microsoft.com/office/drawing/2014/main" id="{5A717BAA-D4BA-C7EB-5696-203603829C7C}"/>
-              </a:ext>
-            </a:extLst>
-          </p:cNvPr>
-          <p:cNvSpPr>
-            <a:spLocks noGrp="1"/>
-          </p:cNvSpPr>
-          <p:nvPr>
-            <p:ph idx="1"/>
-          </p:nvPr>
-        </p:nvSpPr>
-        <p:spPr/>
-        <p:txBody>
-          <a:bodyPr>
-            <a:normAutofit/>
-          </a:bodyPr>
-          <a:lstStyle/>
-          <a:p>
-            <a:r>
-              <a:rPr lang="en-US" dirty="0"/>
-              <a:t>The Third Question: How much of each input do we need?</a:t>
-            </a:r>
-          </a:p>
-          <a:p>
-            <a:pPr lvl="3"/>
-            <a:endParaRPr lang="en-US" dirty="0"/>
-          </a:p>
-          <a:p>
-            <a:r>
-              <a:rPr lang="en-US" dirty="0"/>
-              <a:t>The answer will depend on a few elements:</a:t>
-            </a:r>
-          </a:p>
-          <a:p>
-            <a:pPr lvl="1"/>
-            <a:r>
-              <a:rPr lang="en-US" dirty="0"/>
-              <a:t>The Production Technology</a:t>
-            </a:r>
-          </a:p>
-          <a:p>
-            <a:pPr lvl="1"/>
-            <a:r>
-              <a:rPr lang="en-US" dirty="0"/>
-              <a:t>The Cost of Each Input</a:t>
-            </a:r>
-          </a:p>
-          <a:p>
-            <a:pPr lvl="1"/>
-            <a:r>
-              <a:rPr lang="en-US" dirty="0"/>
-              <a:t>The Target Level of Output</a:t>
-            </a:r>
-          </a:p>
-          <a:p>
-            <a:pPr marL="1371600" lvl="3" indent="0">
-              <a:buNone/>
-            </a:pPr>
-            <a:endParaRPr lang="en-US" dirty="0"/>
-          </a:p>
-          <a:p>
-            <a:r>
-              <a:rPr lang="en-US" dirty="0"/>
-              <a:t>Given some target level of output, which combinations of inputs will allow us to reach the target?</a:t>
-            </a:r>
-          </a:p>
-          <a:p>
-            <a:pPr lvl="3"/>
-            <a:endParaRPr lang="en-US" dirty="0"/>
-          </a:p>
-          <a:p>
-            <a:r>
-              <a:rPr lang="en-US" dirty="0"/>
-              <a:t>Which of these combinations will result in the lowest cost of production?</a:t>
-            </a:r>
-          </a:p>
-        </p:txBody>
-      </p:sp>
-      <p:sp>
-        <p:nvSpPr>
-          <p:cNvPr id="4" name="Date Placeholder 3">
-            <a:extLst>
-              <a:ext uri="{FF2B5EF4-FFF2-40B4-BE49-F238E27FC236}">
-                <a16:creationId xmlns:a16="http://schemas.microsoft.com/office/drawing/2014/main" id="{B09CFCAE-B4E3-649B-FDB7-488E4E51258C}"/>
-              </a:ext>
-            </a:extLst>
-          </p:cNvPr>
-          <p:cNvSpPr>
-            <a:spLocks noGrp="1"/>
-          </p:cNvSpPr>
-          <p:nvPr>
-            <p:ph type="dt" sz="half" idx="10"/>
-          </p:nvPr>
-        </p:nvSpPr>
-        <p:spPr/>
-        <p:txBody>
-          <a:bodyPr/>
-          <a:lstStyle/>
-          <a:p>
-            <a:r>
-              <a:rPr lang="en-US" dirty="0"/>
-              <a:t>Fall 2023</a:t>
-            </a:r>
-          </a:p>
-        </p:txBody>
-      </p:sp>
-      <p:sp>
-        <p:nvSpPr>
-          <p:cNvPr id="5" name="Footer Placeholder 4">
-            <a:extLst>
-              <a:ext uri="{FF2B5EF4-FFF2-40B4-BE49-F238E27FC236}">
-                <a16:creationId xmlns:a16="http://schemas.microsoft.com/office/drawing/2014/main" id="{52AC4525-C5C8-8596-B2EA-0E2C5344302C}"/>
-              </a:ext>
-            </a:extLst>
-          </p:cNvPr>
-          <p:cNvSpPr>
-            <a:spLocks noGrp="1"/>
-          </p:cNvSpPr>
-          <p:nvPr>
-            <p:ph type="ftr" sz="quarter" idx="11"/>
-          </p:nvPr>
-        </p:nvSpPr>
-        <p:spPr/>
-        <p:txBody>
-          <a:bodyPr/>
-          <a:lstStyle/>
-          <a:p>
-            <a:r>
-              <a:rPr lang="en-US" dirty="0"/>
-              <a:t>DEPARTMENT OF BUSINESS &amp; ECONOMICS</a:t>
-            </a:r>
-          </a:p>
-        </p:txBody>
-      </p:sp>
-      <p:sp>
-        <p:nvSpPr>
-          <p:cNvPr id="6" name="Slide Number Placeholder 5">
-            <a:extLst>
-              <a:ext uri="{FF2B5EF4-FFF2-40B4-BE49-F238E27FC236}">
-                <a16:creationId xmlns:a16="http://schemas.microsoft.com/office/drawing/2014/main" id="{1E261E69-6082-7B91-F48A-C4702A4B503E}"/>
-              </a:ext>
-            </a:extLst>
-          </p:cNvPr>
-          <p:cNvSpPr>
-            <a:spLocks noGrp="1"/>
-          </p:cNvSpPr>
-          <p:nvPr>
-            <p:ph type="sldNum" sz="quarter" idx="12"/>
-          </p:nvPr>
-        </p:nvSpPr>
-        <p:spPr/>
-        <p:txBody>
-          <a:bodyPr/>
-          <a:lstStyle/>
-          <a:p>
-            <a:fld id="{1A980C56-831A-4EAB-9EDE-57C090F4F877}" type="slidenum">
-              <a:rPr lang="en-US" smtClean="0"/>
-              <a:t>18</a:t>
-            </a:fld>
-            <a:endParaRPr lang="en-US" dirty="0"/>
-          </a:p>
-        </p:txBody>
-      </p:sp>
-    </p:spTree>
-    <p:extLst>
-      <p:ext uri="{BB962C8B-B14F-4D97-AF65-F5344CB8AC3E}">
-        <p14:creationId xmlns:p14="http://schemas.microsoft.com/office/powerpoint/2010/main" val="590000823"/>
-      </p:ext>
-    </p:extLst>
-  </p:cSld>
-  <p:clrMapOvr>
-    <a:masterClrMapping/>
-  </p:clrMapOvr>
-  <p:timing>
-    <p:tnLst>
-      <p:par>
-        <p:cTn id="1" dur="indefinite" restart="never" nodeType="tmRoot">
-          <p:childTnLst>
-            <p:seq concurrent="1" nextAc="seek">
-              <p:cTn id="2" dur="indefinite" nodeType="mainSeq">
-                <p:childTnLst>
-                  <p:par>
-                    <p:cTn id="3" fill="hold">
-                      <p:stCondLst>
-                        <p:cond delay="indefinite"/>
-                      </p:stCondLst>
-                      <p:childTnLst>
-                        <p:par>
-                          <p:cTn id="4" fill="hold">
-                            <p:stCondLst>
-                              <p:cond delay="0"/>
-                            </p:stCondLst>
-                            <p:childTnLst>
-                              <p:par>
-                                <p:cTn id="5" presetID="10" presetClass="entr" presetSubtype="0" fill="hold" nodeType="clickEffect">
-                                  <p:stCondLst>
-                                    <p:cond delay="0"/>
-                                  </p:stCondLst>
-                                  <p:childTnLst>
-                                    <p:set>
-                                      <p:cBhvr>
-                                        <p:cTn id="6" dur="1" fill="hold">
-                                          <p:stCondLst>
-                                            <p:cond delay="0"/>
-                                          </p:stCondLst>
-                                        </p:cTn>
-                                        <p:tgtEl>
-                                          <p:spTgt spid="3">
-                                            <p:txEl>
-                                              <p:pRg st="0" end="0"/>
-                                            </p:txEl>
-                                          </p:spTgt>
-                                        </p:tgtEl>
-                                        <p:attrNameLst>
-                                          <p:attrName>style.visibility</p:attrName>
-                                        </p:attrNameLst>
-                                      </p:cBhvr>
-                                      <p:to>
-                                        <p:strVal val="visible"/>
-                                      </p:to>
-                                    </p:set>
-                                    <p:animEffect transition="in" filter="fade">
-                                      <p:cBhvr>
-                                        <p:cTn id="7" dur="500"/>
-                                        <p:tgtEl>
-                                          <p:spTgt spid="3">
-                                            <p:txEl>
-                                              <p:pRg st="0" end="0"/>
-                                            </p:txEl>
-                                          </p:spTgt>
-                                        </p:tgtEl>
-                                      </p:cBhvr>
-                                    </p:animEffect>
-                                  </p:childTnLst>
-                                </p:cTn>
-                              </p:par>
-                            </p:childTnLst>
-                          </p:cTn>
-                        </p:par>
-                      </p:childTnLst>
-                    </p:cTn>
-                  </p:par>
-                  <p:par>
-                    <p:cTn id="8" fill="hold">
-                      <p:stCondLst>
-                        <p:cond delay="indefinite"/>
-                      </p:stCondLst>
-                      <p:childTnLst>
-                        <p:par>
-                          <p:cTn id="9" fill="hold">
-                            <p:stCondLst>
-                              <p:cond delay="0"/>
-                            </p:stCondLst>
-                            <p:childTnLst>
-                              <p:par>
-                                <p:cTn id="10" presetID="10" presetClass="entr" presetSubtype="0" fill="hold" nodeType="clickEffect">
-                                  <p:stCondLst>
-                                    <p:cond delay="0"/>
-                                  </p:stCondLst>
-                                  <p:childTnLst>
-                                    <p:set>
-                                      <p:cBhvr>
-                                        <p:cTn id="11" dur="1" fill="hold">
-                                          <p:stCondLst>
-                                            <p:cond delay="0"/>
-                                          </p:stCondLst>
-                                        </p:cTn>
-                                        <p:tgtEl>
-                                          <p:spTgt spid="3">
-                                            <p:txEl>
-                                              <p:pRg st="2" end="2"/>
-                                            </p:txEl>
-                                          </p:spTgt>
-                                        </p:tgtEl>
-                                        <p:attrNameLst>
-                                          <p:attrName>style.visibility</p:attrName>
-                                        </p:attrNameLst>
-                                      </p:cBhvr>
-                                      <p:to>
-                                        <p:strVal val="visible"/>
-                                      </p:to>
-                                    </p:set>
-                                    <p:animEffect transition="in" filter="fade">
-                                      <p:cBhvr>
-                                        <p:cTn id="12" dur="500"/>
-                                        <p:tgtEl>
-                                          <p:spTgt spid="3">
-                                            <p:txEl>
-                                              <p:pRg st="2" end="2"/>
-                                            </p:txEl>
-                                          </p:spTgt>
-                                        </p:tgtEl>
-                                      </p:cBhvr>
-                                    </p:animEffect>
-                                  </p:childTnLst>
-                                </p:cTn>
-                              </p:par>
-                              <p:par>
-                                <p:cTn id="13" presetID="10" presetClass="entr" presetSubtype="0" fill="hold" nodeType="withEffect">
-                                  <p:stCondLst>
-                                    <p:cond delay="0"/>
-                                  </p:stCondLst>
-                                  <p:childTnLst>
-                                    <p:set>
-                                      <p:cBhvr>
-                                        <p:cTn id="14" dur="1" fill="hold">
-                                          <p:stCondLst>
-                                            <p:cond delay="0"/>
-                                          </p:stCondLst>
-                                        </p:cTn>
-                                        <p:tgtEl>
-                                          <p:spTgt spid="3">
-                                            <p:txEl>
-                                              <p:pRg st="3" end="3"/>
-                                            </p:txEl>
-                                          </p:spTgt>
-                                        </p:tgtEl>
-                                        <p:attrNameLst>
-                                          <p:attrName>style.visibility</p:attrName>
-                                        </p:attrNameLst>
-                                      </p:cBhvr>
-                                      <p:to>
-                                        <p:strVal val="visible"/>
-                                      </p:to>
-                                    </p:set>
-                                    <p:animEffect transition="in" filter="fade">
-                                      <p:cBhvr>
-                                        <p:cTn id="15" dur="500"/>
-                                        <p:tgtEl>
-                                          <p:spTgt spid="3">
-                                            <p:txEl>
-                                              <p:pRg st="3" end="3"/>
-                                            </p:txEl>
-                                          </p:spTgt>
-                                        </p:tgtEl>
-                                      </p:cBhvr>
-                                    </p:animEffect>
-                                  </p:childTnLst>
-                                </p:cTn>
-                              </p:par>
-                              <p:par>
-                                <p:cTn id="16" presetID="10" presetClass="entr" presetSubtype="0" fill="hold" nodeType="withEffect">
-                                  <p:stCondLst>
-                                    <p:cond delay="0"/>
-                                  </p:stCondLst>
-                                  <p:childTnLst>
-                                    <p:set>
-                                      <p:cBhvr>
-                                        <p:cTn id="17" dur="1" fill="hold">
-                                          <p:stCondLst>
-                                            <p:cond delay="0"/>
-                                          </p:stCondLst>
-                                        </p:cTn>
-                                        <p:tgtEl>
-                                          <p:spTgt spid="3">
-                                            <p:txEl>
-                                              <p:pRg st="4" end="4"/>
-                                            </p:txEl>
-                                          </p:spTgt>
-                                        </p:tgtEl>
-                                        <p:attrNameLst>
-                                          <p:attrName>style.visibility</p:attrName>
-                                        </p:attrNameLst>
-                                      </p:cBhvr>
-                                      <p:to>
-                                        <p:strVal val="visible"/>
-                                      </p:to>
-                                    </p:set>
-                                    <p:animEffect transition="in" filter="fade">
-                                      <p:cBhvr>
-                                        <p:cTn id="18" dur="500"/>
-                                        <p:tgtEl>
-                                          <p:spTgt spid="3">
-                                            <p:txEl>
-                                              <p:pRg st="4" end="4"/>
-                                            </p:txEl>
-                                          </p:spTgt>
-                                        </p:tgtEl>
-                                      </p:cBhvr>
-                                    </p:animEffect>
-                                  </p:childTnLst>
-                                </p:cTn>
-                              </p:par>
-                              <p:par>
-                                <p:cTn id="19" presetID="10" presetClass="entr" presetSubtype="0" fill="hold" nodeType="withEffect">
-                                  <p:stCondLst>
-                                    <p:cond delay="0"/>
-                                  </p:stCondLst>
-                                  <p:childTnLst>
-                                    <p:set>
-                                      <p:cBhvr>
-                                        <p:cTn id="20" dur="1" fill="hold">
-                                          <p:stCondLst>
-                                            <p:cond delay="0"/>
-                                          </p:stCondLst>
-                                        </p:cTn>
-                                        <p:tgtEl>
-                                          <p:spTgt spid="3">
-                                            <p:txEl>
-                                              <p:pRg st="5" end="5"/>
-                                            </p:txEl>
-                                          </p:spTgt>
-                                        </p:tgtEl>
-                                        <p:attrNameLst>
-                                          <p:attrName>style.visibility</p:attrName>
-                                        </p:attrNameLst>
-                                      </p:cBhvr>
-                                      <p:to>
-                                        <p:strVal val="visible"/>
-                                      </p:to>
-                                    </p:set>
-                                    <p:animEffect transition="in" filter="fade">
-                                      <p:cBhvr>
-                                        <p:cTn id="21" dur="500"/>
-                                        <p:tgtEl>
-                                          <p:spTgt spid="3">
-                                            <p:txEl>
-                                              <p:pRg st="5" end="5"/>
-                                            </p:txEl>
-                                          </p:spTgt>
-                                        </p:tgtEl>
-                                      </p:cBhvr>
-                                    </p:animEffect>
-                                  </p:childTnLst>
-                                </p:cTn>
-                              </p:par>
-                            </p:childTnLst>
-                          </p:cTn>
-                        </p:par>
-                      </p:childTnLst>
-                    </p:cTn>
-                  </p:par>
-                  <p:par>
-                    <p:cTn id="22" fill="hold">
-                      <p:stCondLst>
-                        <p:cond delay="indefinite"/>
-                      </p:stCondLst>
-                      <p:childTnLst>
-                        <p:par>
-                          <p:cTn id="23" fill="hold">
-                            <p:stCondLst>
-                              <p:cond delay="0"/>
-                            </p:stCondLst>
-                            <p:childTnLst>
-                              <p:par>
-                                <p:cTn id="24" presetID="10" presetClass="entr" presetSubtype="0" fill="hold" nodeType="clickEffect">
-                                  <p:stCondLst>
-                                    <p:cond delay="0"/>
-                                  </p:stCondLst>
-                                  <p:childTnLst>
-                                    <p:set>
-                                      <p:cBhvr>
-                                        <p:cTn id="25" dur="1" fill="hold">
-                                          <p:stCondLst>
-                                            <p:cond delay="0"/>
-                                          </p:stCondLst>
-                                        </p:cTn>
-                                        <p:tgtEl>
-                                          <p:spTgt spid="3">
-                                            <p:txEl>
-                                              <p:pRg st="7" end="7"/>
-                                            </p:txEl>
-                                          </p:spTgt>
-                                        </p:tgtEl>
-                                        <p:attrNameLst>
-                                          <p:attrName>style.visibility</p:attrName>
-                                        </p:attrNameLst>
-                                      </p:cBhvr>
-                                      <p:to>
-                                        <p:strVal val="visible"/>
-                                      </p:to>
-                                    </p:set>
-                                    <p:animEffect transition="in" filter="fade">
-                                      <p:cBhvr>
-                                        <p:cTn id="26" dur="500"/>
-                                        <p:tgtEl>
-                                          <p:spTgt spid="3">
-                                            <p:txEl>
-                                              <p:pRg st="7" end="7"/>
-                                            </p:txEl>
-                                          </p:spTgt>
-                                        </p:tgtEl>
-                                      </p:cBhvr>
-                                    </p:animEffect>
-                                  </p:childTnLst>
-                                </p:cTn>
-                              </p:par>
-                            </p:childTnLst>
-                          </p:cTn>
-                        </p:par>
-                      </p:childTnLst>
-                    </p:cTn>
-                  </p:par>
-                  <p:par>
-                    <p:cTn id="27" fill="hold">
-                      <p:stCondLst>
-                        <p:cond delay="indefinite"/>
-                      </p:stCondLst>
-                      <p:childTnLst>
-                        <p:par>
-                          <p:cTn id="28" fill="hold">
-                            <p:stCondLst>
-                              <p:cond delay="0"/>
-                            </p:stCondLst>
-                            <p:childTnLst>
-                              <p:par>
-                                <p:cTn id="29" presetID="10" presetClass="entr" presetSubtype="0" fill="hold" nodeType="clickEffect">
-                                  <p:stCondLst>
-                                    <p:cond delay="0"/>
-                                  </p:stCondLst>
-                                  <p:childTnLst>
-                                    <p:set>
-                                      <p:cBhvr>
-                                        <p:cTn id="30" dur="1" fill="hold">
-                                          <p:stCondLst>
-                                            <p:cond delay="0"/>
-                                          </p:stCondLst>
-                                        </p:cTn>
-                                        <p:tgtEl>
-                                          <p:spTgt spid="3">
-                                            <p:txEl>
-                                              <p:pRg st="9" end="9"/>
-                                            </p:txEl>
-                                          </p:spTgt>
-                                        </p:tgtEl>
-                                        <p:attrNameLst>
-                                          <p:attrName>style.visibility</p:attrName>
-                                        </p:attrNameLst>
-                                      </p:cBhvr>
-                                      <p:to>
-                                        <p:strVal val="visible"/>
-                                      </p:to>
-                                    </p:set>
-                                    <p:animEffect transition="in" filter="fade">
-                                      <p:cBhvr>
-                                        <p:cTn id="31" dur="500"/>
-                                        <p:tgtEl>
-                                          <p:spTgt spid="3">
-                                            <p:txEl>
-                                              <p:pRg st="9" end="9"/>
                                             </p:txEl>
                                           </p:spTgt>
                                         </p:tgtEl>
@@ -9559,7 +10306,7 @@
           <a:p>
             <a:r>
               <a:rPr lang="en-US" dirty="0"/>
-              <a:t>Isoquant</a:t>
+              <a:t>Long Run Production</a:t>
             </a:r>
           </a:p>
         </p:txBody>
@@ -9589,56 +10336,57 @@
           <a:p>
             <a:r>
               <a:rPr lang="en-US" dirty="0"/>
-              <a:t>The question we are asking here should remind you of…</a:t>
+              <a:t>In the long run, both inputs L and K are variable factors.</a:t>
             </a:r>
           </a:p>
           <a:p>
+            <a:pPr lvl="3"/>
+            <a:endParaRPr lang="en-US" dirty="0"/>
+          </a:p>
+          <a:p>
+            <a:r>
+              <a:rPr lang="en-US" dirty="0"/>
+              <a:t>When both inputs are variable, the producer is faced with a choice: which combination of inputs should they use? </a:t>
+            </a:r>
+          </a:p>
+          <a:p>
+            <a:pPr lvl="3"/>
+            <a:endParaRPr lang="en-US" dirty="0"/>
+          </a:p>
+          <a:p>
+            <a:r>
+              <a:rPr lang="en-US" dirty="0"/>
+              <a:t>The answer will depend on a few elements:</a:t>
+            </a:r>
+          </a:p>
+          <a:p>
             <a:pPr lvl="1"/>
+            <a:r>
+              <a:rPr lang="en-US" dirty="0"/>
+              <a:t>The Production Technology</a:t>
+            </a:r>
+          </a:p>
+          <a:p>
+            <a:pPr lvl="1"/>
+            <a:r>
+              <a:rPr lang="en-US" dirty="0"/>
+              <a:t>The Target Level of Output</a:t>
+            </a:r>
+          </a:p>
+          <a:p>
+            <a:pPr marL="1371600" lvl="3" indent="0">
+              <a:buNone/>
+            </a:pPr>
+            <a:endParaRPr lang="en-US" dirty="0"/>
+          </a:p>
+          <a:p>
             <a:r>
               <a:rPr lang="en-US" dirty="0"/>
               <a:t>Given some target level of output, which combinations of inputs will allow us to reach the target?</a:t>
             </a:r>
           </a:p>
           <a:p>
-            <a:pPr lvl="1"/>
-            <a:r>
-              <a:rPr lang="en-US" dirty="0"/>
-              <a:t>Given some target utility level, what are the bundles that will give our consumer that much utility?</a:t>
-            </a:r>
-          </a:p>
-          <a:p>
-            <a:pPr lvl="3"/>
             <a:endParaRPr lang="en-US" dirty="0"/>
-          </a:p>
-          <a:p>
-            <a:r>
-              <a:rPr lang="en-US" dirty="0"/>
-              <a:t>This concept is analogous to the consumers’ indifference curves.</a:t>
-            </a:r>
-          </a:p>
-          <a:p>
-            <a:pPr lvl="3"/>
-            <a:endParaRPr lang="en-US" dirty="0"/>
-          </a:p>
-          <a:p>
-            <a:r>
-              <a:rPr lang="en-US" dirty="0"/>
-              <a:t>For producers, this object is called the “isoquant.”</a:t>
-            </a:r>
-          </a:p>
-          <a:p>
-            <a:pPr lvl="1"/>
-            <a:r>
-              <a:rPr lang="en-US" dirty="0"/>
-              <a:t>Iso- : Same, Equal (e.g., Isosceles, Isotope)</a:t>
-            </a:r>
-          </a:p>
-          <a:p>
-            <a:pPr lvl="1"/>
-            <a:r>
-              <a:rPr lang="en-US" dirty="0"/>
-              <a:t>Quant: Quantity</a:t>
-            </a:r>
           </a:p>
         </p:txBody>
       </p:sp>
@@ -9730,7 +10478,7 @@
     </p:spTree>
     <p:extLst>
       <p:ext uri="{BB962C8B-B14F-4D97-AF65-F5344CB8AC3E}">
-        <p14:creationId xmlns:p14="http://schemas.microsoft.com/office/powerpoint/2010/main" val="3723814153"/>
+        <p14:creationId xmlns:p14="http://schemas.microsoft.com/office/powerpoint/2010/main" val="2007598368"/>
       </p:ext>
     </p:extLst>
   </p:cSld>
@@ -9800,15 +10548,33 @@
                                   </p:childTnLst>
                                 </p:cTn>
                               </p:par>
+                            </p:childTnLst>
+                          </p:cTn>
+                        </p:par>
+                      </p:childTnLst>
+                    </p:cTn>
+                  </p:par>
+                  <p:par>
+                    <p:cTn id="8" fill="hold">
+                      <p:stCondLst>
+                        <p:cond delay="indefinite"/>
+                      </p:stCondLst>
+                      <p:childTnLst>
+                        <p:par>
+                          <p:cTn id="9" fill="hold">
+                            <p:stCondLst>
+                              <p:cond delay="0"/>
+                            </p:stCondLst>
+                            <p:childTnLst>
                               <p:par>
-                                <p:cTn id="8" presetID="10" presetClass="entr" presetSubtype="0" fill="hold" nodeType="withEffect">
+                                <p:cTn id="10" presetID="10" presetClass="entr" presetSubtype="0" fill="hold" nodeType="clickEffect">
                                   <p:stCondLst>
                                     <p:cond delay="0"/>
                                   </p:stCondLst>
                                   <p:childTnLst>
                                     <p:set>
                                       <p:cBhvr>
-                                        <p:cTn id="9" dur="1" fill="hold">
+                                        <p:cTn id="11" dur="1" fill="hold">
                                           <p:stCondLst>
                                             <p:cond delay="0"/>
                                           </p:stCondLst>
@@ -9816,7 +10582,7 @@
                                         <p:tgtEl>
                                           <p:spTgt spid="3">
                                             <p:txEl>
-                                              <p:pRg st="1" end="1"/>
+                                              <p:pRg st="2" end="2"/>
                                             </p:txEl>
                                           </p:spTgt>
                                         </p:tgtEl>
@@ -9830,50 +10596,7 @@
                                     </p:set>
                                     <p:animEffect transition="in" filter="fade">
                                       <p:cBhvr>
-                                        <p:cTn id="10" dur="500"/>
-                                        <p:tgtEl>
-                                          <p:spTgt spid="3">
-                                            <p:txEl>
-                                              <p:pRg st="1" end="1"/>
-                                            </p:txEl>
-                                          </p:spTgt>
-                                        </p:tgtEl>
-                                      </p:cBhvr>
-                                    </p:animEffect>
-                                  </p:childTnLst>
-                                </p:cTn>
-                              </p:par>
-                              <p:par>
-                                <p:cTn id="11" presetID="10" presetClass="entr" presetSubtype="0" fill="hold" nodeType="withEffect">
-                                  <p:stCondLst>
-                                    <p:cond delay="0"/>
-                                  </p:stCondLst>
-                                  <p:childTnLst>
-                                    <p:set>
-                                      <p:cBhvr>
-                                        <p:cTn id="12" dur="1" fill="hold">
-                                          <p:stCondLst>
-                                            <p:cond delay="0"/>
-                                          </p:stCondLst>
-                                        </p:cTn>
-                                        <p:tgtEl>
-                                          <p:spTgt spid="3">
-                                            <p:txEl>
-                                              <p:pRg st="2" end="2"/>
-                                            </p:txEl>
-                                          </p:spTgt>
-                                        </p:tgtEl>
-                                        <p:attrNameLst>
-                                          <p:attrName>style.visibility</p:attrName>
-                                        </p:attrNameLst>
-                                      </p:cBhvr>
-                                      <p:to>
-                                        <p:strVal val="visible"/>
-                                      </p:to>
-                                    </p:set>
-                                    <p:animEffect transition="in" filter="fade">
-                                      <p:cBhvr>
-                                        <p:cTn id="13" dur="500"/>
+                                        <p:cTn id="12" dur="500"/>
                                         <p:tgtEl>
                                           <p:spTgt spid="3">
                                             <p:txEl>
@@ -9893,26 +10616,26 @@
                     </p:cTn>
                   </p:par>
                   <p:par>
-                    <p:cTn id="14" fill="hold">
+                    <p:cTn id="13" fill="hold">
                       <p:stCondLst>
                         <p:cond delay="indefinite"/>
                       </p:stCondLst>
                       <p:childTnLst>
                         <p:par>
-                          <p:cTn id="15" fill="hold">
+                          <p:cTn id="14" fill="hold">
                             <p:stCondLst>
                               <p:cond delay="0"/>
                             </p:stCondLst>
                             <p:childTnLst>
                               <p:par>
-                                <p:cTn id="16" presetID="10" presetClass="entr" presetSubtype="0" fill="hold" nodeType="clickEffect">
+                                <p:cTn id="15" presetID="10" presetClass="entr" presetSubtype="0" fill="hold" nodeType="clickEffect">
                                   <p:stCondLst>
                                     <p:cond delay="0"/>
                                   </p:stCondLst>
                                   <p:childTnLst>
                                     <p:set>
                                       <p:cBhvr>
-                                        <p:cTn id="17" dur="1" fill="hold">
+                                        <p:cTn id="16" dur="1" fill="hold">
                                           <p:stCondLst>
                                             <p:cond delay="0"/>
                                           </p:stCondLst>
@@ -9934,7 +10657,7 @@
                                     </p:set>
                                     <p:animEffect transition="in" filter="fade">
                                       <p:cBhvr>
-                                        <p:cTn id="18" dur="500"/>
+                                        <p:cTn id="17" dur="500"/>
                                         <p:tgtEl>
                                           <p:spTgt spid="3">
                                             <p:txEl>
@@ -9954,26 +10677,26 @@
                     </p:cTn>
                   </p:par>
                   <p:par>
-                    <p:cTn id="19" fill="hold">
+                    <p:cTn id="18" fill="hold">
                       <p:stCondLst>
                         <p:cond delay="indefinite"/>
                       </p:stCondLst>
                       <p:childTnLst>
                         <p:par>
-                          <p:cTn id="20" fill="hold">
+                          <p:cTn id="19" fill="hold">
                             <p:stCondLst>
                               <p:cond delay="0"/>
                             </p:stCondLst>
                             <p:childTnLst>
                               <p:par>
-                                <p:cTn id="21" presetID="10" presetClass="entr" presetSubtype="0" fill="hold" nodeType="clickEffect">
+                                <p:cTn id="20" presetID="10" presetClass="entr" presetSubtype="0" fill="hold" nodeType="clickEffect">
                                   <p:stCondLst>
                                     <p:cond delay="0"/>
                                   </p:stCondLst>
                                   <p:childTnLst>
                                     <p:set>
                                       <p:cBhvr>
-                                        <p:cTn id="22" dur="1" fill="hold">
+                                        <p:cTn id="21" dur="1" fill="hold">
                                           <p:stCondLst>
                                             <p:cond delay="0"/>
                                           </p:stCondLst>
@@ -9981,7 +10704,7 @@
                                         <p:tgtEl>
                                           <p:spTgt spid="3">
                                             <p:txEl>
-                                              <p:pRg st="6" end="6"/>
+                                              <p:pRg st="5" end="5"/>
                                             </p:txEl>
                                           </p:spTgt>
                                         </p:tgtEl>
@@ -9995,11 +10718,11 @@
                                     </p:set>
                                     <p:animEffect transition="in" filter="fade">
                                       <p:cBhvr>
-                                        <p:cTn id="23" dur="500"/>
+                                        <p:cTn id="22" dur="500"/>
                                         <p:tgtEl>
                                           <p:spTgt spid="3">
                                             <p:txEl>
-                                              <p:pRg st="6" end="6"/>
+                                              <p:pRg st="5" end="5"/>
                                             </p:txEl>
                                           </p:spTgt>
                                         </p:tgtEl>
@@ -10008,15 +10731,33 @@
                                   </p:childTnLst>
                                 </p:cTn>
                               </p:par>
+                            </p:childTnLst>
+                          </p:cTn>
+                        </p:par>
+                      </p:childTnLst>
+                    </p:cTn>
+                  </p:par>
+                  <p:par>
+                    <p:cTn id="23" fill="hold">
+                      <p:stCondLst>
+                        <p:cond delay="indefinite"/>
+                      </p:stCondLst>
+                      <p:childTnLst>
+                        <p:par>
+                          <p:cTn id="24" fill="hold">
+                            <p:stCondLst>
+                              <p:cond delay="0"/>
+                            </p:stCondLst>
+                            <p:childTnLst>
                               <p:par>
-                                <p:cTn id="24" presetID="10" presetClass="entr" presetSubtype="0" fill="hold" nodeType="withEffect">
+                                <p:cTn id="25" presetID="10" presetClass="entr" presetSubtype="0" fill="hold" nodeType="clickEffect">
                                   <p:stCondLst>
                                     <p:cond delay="0"/>
                                   </p:stCondLst>
                                   <p:childTnLst>
                                     <p:set>
                                       <p:cBhvr>
-                                        <p:cTn id="25" dur="1" fill="hold">
+                                        <p:cTn id="26" dur="1" fill="hold">
                                           <p:stCondLst>
                                             <p:cond delay="0"/>
                                           </p:stCondLst>
@@ -10024,7 +10765,7 @@
                                         <p:tgtEl>
                                           <p:spTgt spid="3">
                                             <p:txEl>
-                                              <p:pRg st="7" end="7"/>
+                                              <p:pRg st="6" end="6"/>
                                             </p:txEl>
                                           </p:spTgt>
                                         </p:tgtEl>
@@ -10038,11 +10779,11 @@
                                     </p:set>
                                     <p:animEffect transition="in" filter="fade">
                                       <p:cBhvr>
-                                        <p:cTn id="26" dur="500"/>
+                                        <p:cTn id="27" dur="500"/>
                                         <p:tgtEl>
                                           <p:spTgt spid="3">
                                             <p:txEl>
-                                              <p:pRg st="7" end="7"/>
+                                              <p:pRg st="6" end="6"/>
                                             </p:txEl>
                                           </p:spTgt>
                                         </p:tgtEl>
@@ -10051,15 +10792,33 @@
                                   </p:childTnLst>
                                 </p:cTn>
                               </p:par>
+                            </p:childTnLst>
+                          </p:cTn>
+                        </p:par>
+                      </p:childTnLst>
+                    </p:cTn>
+                  </p:par>
+                  <p:par>
+                    <p:cTn id="28" fill="hold">
+                      <p:stCondLst>
+                        <p:cond delay="indefinite"/>
+                      </p:stCondLst>
+                      <p:childTnLst>
+                        <p:par>
+                          <p:cTn id="29" fill="hold">
+                            <p:stCondLst>
+                              <p:cond delay="0"/>
+                            </p:stCondLst>
+                            <p:childTnLst>
                               <p:par>
-                                <p:cTn id="27" presetID="10" presetClass="entr" presetSubtype="0" fill="hold" nodeType="withEffect">
+                                <p:cTn id="30" presetID="10" presetClass="entr" presetSubtype="0" fill="hold" nodeType="clickEffect">
                                   <p:stCondLst>
                                     <p:cond delay="0"/>
                                   </p:stCondLst>
                                   <p:childTnLst>
                                     <p:set>
                                       <p:cBhvr>
-                                        <p:cTn id="28" dur="1" fill="hold">
+                                        <p:cTn id="31" dur="1" fill="hold">
                                           <p:stCondLst>
                                             <p:cond delay="0"/>
                                           </p:stCondLst>
@@ -10081,7 +10840,7 @@
                                     </p:set>
                                     <p:animEffect transition="in" filter="fade">
                                       <p:cBhvr>
-                                        <p:cTn id="29" dur="500"/>
+                                        <p:cTn id="32" dur="500"/>
                                         <p:tgtEl>
                                           <p:spTgt spid="3">
                                             <p:txEl>
@@ -10147,6 +10906,185 @@
           <p:cNvPr id="2" name="Title 1">
             <a:extLst>
               <a:ext uri="{FF2B5EF4-FFF2-40B4-BE49-F238E27FC236}">
+                <a16:creationId xmlns:a16="http://schemas.microsoft.com/office/drawing/2014/main" id="{9E614CAC-EF1A-A85B-EC49-9A85B174639C}"/>
+              </a:ext>
+            </a:extLst>
+          </p:cNvPr>
+          <p:cNvSpPr>
+            <a:spLocks noGrp="1"/>
+          </p:cNvSpPr>
+          <p:nvPr>
+            <p:ph type="title"/>
+          </p:nvPr>
+        </p:nvSpPr>
+        <p:spPr/>
+        <p:txBody>
+          <a:bodyPr/>
+          <a:lstStyle/>
+          <a:p>
+            <a:r>
+              <a:rPr lang="en-US" dirty="0"/>
+              <a:t>PollEv.com/brianpark046</a:t>
+            </a:r>
+          </a:p>
+        </p:txBody>
+      </p:sp>
+      <p:sp>
+        <p:nvSpPr>
+          <p:cNvPr id="3" name="Date Placeholder 2">
+            <a:extLst>
+              <a:ext uri="{FF2B5EF4-FFF2-40B4-BE49-F238E27FC236}">
+                <a16:creationId xmlns:a16="http://schemas.microsoft.com/office/drawing/2014/main" id="{1E2C501C-35FC-925E-A887-025417320ACB}"/>
+              </a:ext>
+            </a:extLst>
+          </p:cNvPr>
+          <p:cNvSpPr>
+            <a:spLocks noGrp="1"/>
+          </p:cNvSpPr>
+          <p:nvPr>
+            <p:ph type="dt" sz="half" idx="10"/>
+          </p:nvPr>
+        </p:nvSpPr>
+        <p:spPr/>
+        <p:txBody>
+          <a:bodyPr/>
+          <a:lstStyle/>
+          <a:p>
+            <a:r>
+              <a:rPr lang="en-US" dirty="0"/>
+              <a:t>Fall 2023</a:t>
+            </a:r>
+          </a:p>
+        </p:txBody>
+      </p:sp>
+      <p:sp>
+        <p:nvSpPr>
+          <p:cNvPr id="4" name="Footer Placeholder 3">
+            <a:extLst>
+              <a:ext uri="{FF2B5EF4-FFF2-40B4-BE49-F238E27FC236}">
+                <a16:creationId xmlns:a16="http://schemas.microsoft.com/office/drawing/2014/main" id="{57B224E5-970C-FBB8-685A-5F8DBCF9E3E8}"/>
+              </a:ext>
+            </a:extLst>
+          </p:cNvPr>
+          <p:cNvSpPr>
+            <a:spLocks noGrp="1"/>
+          </p:cNvSpPr>
+          <p:nvPr>
+            <p:ph type="ftr" sz="quarter" idx="11"/>
+          </p:nvPr>
+        </p:nvSpPr>
+        <p:spPr/>
+        <p:txBody>
+          <a:bodyPr/>
+          <a:lstStyle/>
+          <a:p>
+            <a:r>
+              <a:rPr lang="en-US" dirty="0"/>
+              <a:t>DEPARTMENT OF BUSINESS &amp; ECONOMICS</a:t>
+            </a:r>
+          </a:p>
+        </p:txBody>
+      </p:sp>
+      <p:sp>
+        <p:nvSpPr>
+          <p:cNvPr id="5" name="Slide Number Placeholder 4">
+            <a:extLst>
+              <a:ext uri="{FF2B5EF4-FFF2-40B4-BE49-F238E27FC236}">
+                <a16:creationId xmlns:a16="http://schemas.microsoft.com/office/drawing/2014/main" id="{579CE824-B9A6-35C5-93AA-E86F37D782A7}"/>
+              </a:ext>
+            </a:extLst>
+          </p:cNvPr>
+          <p:cNvSpPr>
+            <a:spLocks noGrp="1"/>
+          </p:cNvSpPr>
+          <p:nvPr>
+            <p:ph type="sldNum" sz="quarter" idx="12"/>
+          </p:nvPr>
+        </p:nvSpPr>
+        <p:spPr/>
+        <p:txBody>
+          <a:bodyPr/>
+          <a:lstStyle/>
+          <a:p>
+            <a:fld id="{1A980C56-831A-4EAB-9EDE-57C090F4F877}" type="slidenum">
+              <a:rPr lang="en-US" smtClean="0"/>
+              <a:t>2</a:t>
+            </a:fld>
+            <a:endParaRPr lang="en-US" dirty="0"/>
+          </a:p>
+        </p:txBody>
+      </p:sp>
+      <p:pic>
+        <p:nvPicPr>
+          <p:cNvPr id="6" name="Picture 5" descr="A qr code on a white background&#10;&#10;Description automatically generated">
+            <a:extLst>
+              <a:ext uri="{FF2B5EF4-FFF2-40B4-BE49-F238E27FC236}">
+                <a16:creationId xmlns:a16="http://schemas.microsoft.com/office/drawing/2014/main" id="{A2F2C6F2-EA2C-604C-E412-B7B64210BBDD}"/>
+              </a:ext>
+            </a:extLst>
+          </p:cNvPr>
+          <p:cNvPicPr>
+            <a:picLocks noChangeAspect="1"/>
+          </p:cNvPicPr>
+          <p:nvPr/>
+        </p:nvPicPr>
+        <p:blipFill>
+          <a:blip r:embed="rId2">
+            <a:extLst>
+              <a:ext uri="{28A0092B-C50C-407E-A947-70E740481C1C}">
+                <a14:useLocalDpi xmlns:a14="http://schemas.microsoft.com/office/drawing/2010/main" val="0"/>
+              </a:ext>
+            </a:extLst>
+          </a:blip>
+          <a:stretch>
+            <a:fillRect/>
+          </a:stretch>
+        </p:blipFill>
+        <p:spPr>
+          <a:xfrm>
+            <a:off x="1966823" y="1271693"/>
+            <a:ext cx="5210354" cy="5210354"/>
+          </a:xfrm>
+          <a:prstGeom prst="rect">
+            <a:avLst/>
+          </a:prstGeom>
+        </p:spPr>
+      </p:pic>
+    </p:spTree>
+    <p:extLst>
+      <p:ext uri="{BB962C8B-B14F-4D97-AF65-F5344CB8AC3E}">
+        <p14:creationId xmlns:p14="http://schemas.microsoft.com/office/powerpoint/2010/main" val="1745639005"/>
+      </p:ext>
+    </p:extLst>
+  </p:cSld>
+  <p:clrMapOvr>
+    <a:masterClrMapping/>
+  </p:clrMapOvr>
+</p:sld>
+</file>
+
+<file path=ppt/slides/slide20.xml><?xml version="1.0" encoding="utf-8"?>
+<p:sld xmlns:a="http://schemas.openxmlformats.org/drawingml/2006/main" xmlns:r="http://schemas.openxmlformats.org/officeDocument/2006/relationships" xmlns:p="http://schemas.openxmlformats.org/presentationml/2006/main">
+  <p:cSld>
+    <p:spTree>
+      <p:nvGrpSpPr>
+        <p:cNvPr id="1" name=""/>
+        <p:cNvGrpSpPr/>
+        <p:nvPr/>
+      </p:nvGrpSpPr>
+      <p:grpSpPr>
+        <a:xfrm>
+          <a:off x="0" y="0"/>
+          <a:ext cx="0" cy="0"/>
+          <a:chOff x="0" y="0"/>
+          <a:chExt cx="0" cy="0"/>
+        </a:xfrm>
+      </p:grpSpPr>
+      <p:sp>
+        <p:nvSpPr>
+          <p:cNvPr id="2" name="Title 1">
+            <a:extLst>
+              <a:ext uri="{FF2B5EF4-FFF2-40B4-BE49-F238E27FC236}">
                 <a16:creationId xmlns:a16="http://schemas.microsoft.com/office/drawing/2014/main" id="{0D8E3986-575B-B929-0562-1561C73A78DE}"/>
               </a:ext>
             </a:extLst>
@@ -10165,7 +11103,7 @@
           <a:p>
             <a:r>
               <a:rPr lang="en-US" dirty="0"/>
-              <a:t>Production</a:t>
+              <a:t>Isoquant</a:t>
             </a:r>
           </a:p>
         </p:txBody>
@@ -10195,37 +11133,31 @@
           <a:p>
             <a:r>
               <a:rPr lang="en-US" dirty="0"/>
-              <a:t>We covered consumer theory in three large “parts.”</a:t>
+              <a:t>The question we are asking here should remind you of…</a:t>
             </a:r>
           </a:p>
           <a:p>
-            <a:pPr marL="914400" lvl="1" indent="-457200">
-              <a:buFont typeface="+mj-lt"/>
-              <a:buAutoNum type="arabicPeriod"/>
-            </a:pPr>
+            <a:pPr lvl="1"/>
             <a:r>
               <a:rPr lang="en-US" dirty="0"/>
-              <a:t>Examined the consumer’s budget constraint.</a:t>
+              <a:t>Given some target level of output, which combinations of inputs will allow us to reach the target?</a:t>
             </a:r>
           </a:p>
           <a:p>
-            <a:pPr marL="914400" lvl="1" indent="-457200">
-              <a:buFont typeface="+mj-lt"/>
-              <a:buAutoNum type="arabicPeriod"/>
-            </a:pPr>
+            <a:pPr lvl="1"/>
             <a:r>
               <a:rPr lang="en-US" dirty="0"/>
-              <a:t>Model the consumer’s preferences.</a:t>
+              <a:t>Given some target utility level, what are the bundles that will give our consumer that much utility?</a:t>
             </a:r>
           </a:p>
           <a:p>
-            <a:pPr marL="914400" lvl="1" indent="-457200">
-              <a:buFont typeface="+mj-lt"/>
-              <a:buAutoNum type="arabicPeriod"/>
-            </a:pPr>
+            <a:pPr lvl="3"/>
+            <a:endParaRPr lang="en-US" dirty="0"/>
+          </a:p>
+          <a:p>
             <a:r>
               <a:rPr lang="en-US" dirty="0"/>
-              <a:t>Combined the two parts to find the utility maximizing consumer’s choice.</a:t>
+              <a:t>This concept is analogous to the consumers’ indifference curves.</a:t>
             </a:r>
           </a:p>
           <a:p>
@@ -10235,50 +11167,21 @@
           <a:p>
             <a:r>
               <a:rPr lang="en-US" dirty="0"/>
-              <a:t>The producer’s theory also consists of three large “parts.”</a:t>
+              <a:t>For producers, this object is called the “isoquant.”</a:t>
             </a:r>
           </a:p>
           <a:p>
-            <a:pPr marL="914400" lvl="1" indent="-457200">
-              <a:buFont typeface="+mj-lt"/>
-              <a:buAutoNum type="arabicPeriod"/>
-            </a:pPr>
+            <a:pPr lvl="1"/>
             <a:r>
               <a:rPr lang="en-US" dirty="0"/>
-              <a:t>Model the producer’s production technology.</a:t>
+              <a:t>Iso- : Same, Equal (e.g., Isosceles, Isotope)</a:t>
             </a:r>
           </a:p>
           <a:p>
-            <a:pPr marL="914400" lvl="1" indent="-457200">
-              <a:buFont typeface="+mj-lt"/>
-              <a:buAutoNum type="arabicPeriod"/>
-            </a:pPr>
+            <a:pPr lvl="1"/>
             <a:r>
               <a:rPr lang="en-US" dirty="0"/>
-              <a:t>Account for costs of production.</a:t>
-            </a:r>
-          </a:p>
-          <a:p>
-            <a:pPr marL="914400" lvl="1" indent="-457200">
-              <a:buFont typeface="+mj-lt"/>
-              <a:buAutoNum type="arabicPeriod"/>
-            </a:pPr>
-            <a:r>
-              <a:rPr lang="en-US" dirty="0"/>
-              <a:t>Determine the optimal mix of inputs for production.</a:t>
-            </a:r>
-          </a:p>
-          <a:p>
-            <a:pPr marL="2286000" lvl="4" indent="-457200">
-              <a:buFont typeface="+mj-lt"/>
-              <a:buAutoNum type="arabicPeriod"/>
-            </a:pPr>
-            <a:endParaRPr lang="en-US" dirty="0"/>
-          </a:p>
-          <a:p>
-            <a:r>
-              <a:rPr lang="en-US" dirty="0"/>
-              <a:t>We start by talking about production technology.</a:t>
+              <a:t>Quant: Quantity</a:t>
             </a:r>
           </a:p>
         </p:txBody>
@@ -10362,7 +11265,7 @@
           <a:p>
             <a:fld id="{1A980C56-831A-4EAB-9EDE-57C090F4F877}" type="slidenum">
               <a:rPr lang="en-US" smtClean="0"/>
-              <a:t>2</a:t>
+              <a:t>20</a:t>
             </a:fld>
             <a:endParaRPr lang="en-US" dirty="0"/>
           </a:p>
@@ -10371,7 +11274,7 @@
     </p:spTree>
     <p:extLst>
       <p:ext uri="{BB962C8B-B14F-4D97-AF65-F5344CB8AC3E}">
-        <p14:creationId xmlns:p14="http://schemas.microsoft.com/office/powerpoint/2010/main" val="3304473902"/>
+        <p14:creationId xmlns:p14="http://schemas.microsoft.com/office/powerpoint/2010/main" val="3723814153"/>
       </p:ext>
     </p:extLst>
   </p:cSld>
@@ -10441,33 +11344,15 @@
                                   </p:childTnLst>
                                 </p:cTn>
                               </p:par>
-                            </p:childTnLst>
-                          </p:cTn>
-                        </p:par>
-                      </p:childTnLst>
-                    </p:cTn>
-                  </p:par>
-                  <p:par>
-                    <p:cTn id="8" fill="hold">
-                      <p:stCondLst>
-                        <p:cond delay="indefinite"/>
-                      </p:stCondLst>
-                      <p:childTnLst>
-                        <p:par>
-                          <p:cTn id="9" fill="hold">
-                            <p:stCondLst>
-                              <p:cond delay="0"/>
-                            </p:stCondLst>
-                            <p:childTnLst>
                               <p:par>
-                                <p:cTn id="10" presetID="10" presetClass="entr" presetSubtype="0" fill="hold" nodeType="clickEffect">
+                                <p:cTn id="8" presetID="10" presetClass="entr" presetSubtype="0" fill="hold" nodeType="withEffect">
                                   <p:stCondLst>
                                     <p:cond delay="0"/>
                                   </p:stCondLst>
                                   <p:childTnLst>
                                     <p:set>
                                       <p:cBhvr>
-                                        <p:cTn id="11" dur="1" fill="hold">
+                                        <p:cTn id="9" dur="1" fill="hold">
                                           <p:stCondLst>
                                             <p:cond delay="0"/>
                                           </p:stCondLst>
@@ -10489,11 +11374,54 @@
                                     </p:set>
                                     <p:animEffect transition="in" filter="fade">
                                       <p:cBhvr>
-                                        <p:cTn id="12" dur="500"/>
+                                        <p:cTn id="10" dur="500"/>
                                         <p:tgtEl>
                                           <p:spTgt spid="3">
                                             <p:txEl>
                                               <p:pRg st="1" end="1"/>
+                                            </p:txEl>
+                                          </p:spTgt>
+                                        </p:tgtEl>
+                                      </p:cBhvr>
+                                    </p:animEffect>
+                                  </p:childTnLst>
+                                </p:cTn>
+                              </p:par>
+                              <p:par>
+                                <p:cTn id="11" presetID="10" presetClass="entr" presetSubtype="0" fill="hold" nodeType="withEffect">
+                                  <p:stCondLst>
+                                    <p:cond delay="0"/>
+                                  </p:stCondLst>
+                                  <p:childTnLst>
+                                    <p:set>
+                                      <p:cBhvr>
+                                        <p:cTn id="12" dur="1" fill="hold">
+                                          <p:stCondLst>
+                                            <p:cond delay="0"/>
+                                          </p:stCondLst>
+                                        </p:cTn>
+                                        <p:tgtEl>
+                                          <p:spTgt spid="3">
+                                            <p:txEl>
+                                              <p:pRg st="2" end="2"/>
+                                            </p:txEl>
+                                          </p:spTgt>
+                                        </p:tgtEl>
+                                        <p:attrNameLst>
+                                          <p:attrName>style.visibility</p:attrName>
+                                        </p:attrNameLst>
+                                      </p:cBhvr>
+                                      <p:to>
+                                        <p:strVal val="visible"/>
+                                      </p:to>
+                                    </p:set>
+                                    <p:animEffect transition="in" filter="fade">
+                                      <p:cBhvr>
+                                        <p:cTn id="13" dur="500"/>
+                                        <p:tgtEl>
+                                          <p:spTgt spid="3">
+                                            <p:txEl>
+                                              <p:pRg st="2" end="2"/>
                                             </p:txEl>
                                           </p:spTgt>
                                         </p:tgtEl>
@@ -10509,26 +11437,26 @@
                     </p:cTn>
                   </p:par>
                   <p:par>
-                    <p:cTn id="13" fill="hold">
+                    <p:cTn id="14" fill="hold">
                       <p:stCondLst>
                         <p:cond delay="indefinite"/>
                       </p:stCondLst>
                       <p:childTnLst>
                         <p:par>
-                          <p:cTn id="14" fill="hold">
+                          <p:cTn id="15" fill="hold">
                             <p:stCondLst>
                               <p:cond delay="0"/>
                             </p:stCondLst>
                             <p:childTnLst>
                               <p:par>
-                                <p:cTn id="15" presetID="10" presetClass="entr" presetSubtype="0" fill="hold" nodeType="clickEffect">
+                                <p:cTn id="16" presetID="10" presetClass="entr" presetSubtype="0" fill="hold" nodeType="clickEffect">
                                   <p:stCondLst>
                                     <p:cond delay="0"/>
                                   </p:stCondLst>
                                   <p:childTnLst>
                                     <p:set>
                                       <p:cBhvr>
-                                        <p:cTn id="16" dur="1" fill="hold">
+                                        <p:cTn id="17" dur="1" fill="hold">
                                           <p:stCondLst>
                                             <p:cond delay="0"/>
                                           </p:stCondLst>
@@ -10536,7 +11464,7 @@
                                         <p:tgtEl>
                                           <p:spTgt spid="3">
                                             <p:txEl>
-                                              <p:pRg st="2" end="2"/>
+                                              <p:pRg st="4" end="4"/>
                                             </p:txEl>
                                           </p:spTgt>
                                         </p:tgtEl>
@@ -10550,11 +11478,11 @@
                                     </p:set>
                                     <p:animEffect transition="in" filter="fade">
                                       <p:cBhvr>
-                                        <p:cTn id="17" dur="500"/>
+                                        <p:cTn id="18" dur="500"/>
                                         <p:tgtEl>
                                           <p:spTgt spid="3">
                                             <p:txEl>
-                                              <p:pRg st="2" end="2"/>
+                                              <p:pRg st="4" end="4"/>
                                             </p:txEl>
                                           </p:spTgt>
                                         </p:tgtEl>
@@ -10570,26 +11498,26 @@
                     </p:cTn>
                   </p:par>
                   <p:par>
-                    <p:cTn id="18" fill="hold">
+                    <p:cTn id="19" fill="hold">
                       <p:stCondLst>
                         <p:cond delay="indefinite"/>
                       </p:stCondLst>
                       <p:childTnLst>
                         <p:par>
-                          <p:cTn id="19" fill="hold">
+                          <p:cTn id="20" fill="hold">
                             <p:stCondLst>
                               <p:cond delay="0"/>
                             </p:stCondLst>
                             <p:childTnLst>
                               <p:par>
-                                <p:cTn id="20" presetID="10" presetClass="entr" presetSubtype="0" fill="hold" nodeType="clickEffect">
+                                <p:cTn id="21" presetID="10" presetClass="entr" presetSubtype="0" fill="hold" nodeType="clickEffect">
                                   <p:stCondLst>
                                     <p:cond delay="0"/>
                                   </p:stCondLst>
                                   <p:childTnLst>
                                     <p:set>
                                       <p:cBhvr>
-                                        <p:cTn id="21" dur="1" fill="hold">
+                                        <p:cTn id="22" dur="1" fill="hold">
                                           <p:stCondLst>
                                             <p:cond delay="0"/>
                                           </p:stCondLst>
@@ -10597,7 +11525,7 @@
                                         <p:tgtEl>
                                           <p:spTgt spid="3">
                                             <p:txEl>
-                                              <p:pRg st="3" end="3"/>
+                                              <p:pRg st="6" end="6"/>
                                             </p:txEl>
                                           </p:spTgt>
                                         </p:tgtEl>
@@ -10611,11 +11539,11 @@
                                     </p:set>
                                     <p:animEffect transition="in" filter="fade">
                                       <p:cBhvr>
-                                        <p:cTn id="22" dur="500"/>
+                                        <p:cTn id="23" dur="500"/>
                                         <p:tgtEl>
                                           <p:spTgt spid="3">
                                             <p:txEl>
-                                              <p:pRg st="3" end="3"/>
+                                              <p:pRg st="6" end="6"/>
                                             </p:txEl>
                                           </p:spTgt>
                                         </p:tgtEl>
@@ -10624,33 +11552,15 @@
                                   </p:childTnLst>
                                 </p:cTn>
                               </p:par>
-                            </p:childTnLst>
-                          </p:cTn>
-                        </p:par>
-                      </p:childTnLst>
-                    </p:cTn>
-                  </p:par>
-                  <p:par>
-                    <p:cTn id="23" fill="hold">
-                      <p:stCondLst>
-                        <p:cond delay="indefinite"/>
-                      </p:stCondLst>
-                      <p:childTnLst>
-                        <p:par>
-                          <p:cTn id="24" fill="hold">
-                            <p:stCondLst>
-                              <p:cond delay="0"/>
-                            </p:stCondLst>
-                            <p:childTnLst>
                               <p:par>
-                                <p:cTn id="25" presetID="10" presetClass="entr" presetSubtype="0" fill="hold" nodeType="clickEffect">
+                                <p:cTn id="24" presetID="10" presetClass="entr" presetSubtype="0" fill="hold" nodeType="withEffect">
                                   <p:stCondLst>
                                     <p:cond delay="0"/>
                                   </p:stCondLst>
                                   <p:childTnLst>
                                     <p:set>
                                       <p:cBhvr>
-                                        <p:cTn id="26" dur="1" fill="hold">
+                                        <p:cTn id="25" dur="1" fill="hold">
                                           <p:stCondLst>
                                             <p:cond delay="0"/>
                                           </p:stCondLst>
@@ -10658,7 +11568,7 @@
                                         <p:tgtEl>
                                           <p:spTgt spid="3">
                                             <p:txEl>
-                                              <p:pRg st="5" end="5"/>
+                                              <p:pRg st="7" end="7"/>
                                             </p:txEl>
                                           </p:spTgt>
                                         </p:tgtEl>
@@ -10672,11 +11582,11 @@
                                     </p:set>
                                     <p:animEffect transition="in" filter="fade">
                                       <p:cBhvr>
-                                        <p:cTn id="27" dur="500"/>
+                                        <p:cTn id="26" dur="500"/>
                                         <p:tgtEl>
                                           <p:spTgt spid="3">
                                             <p:txEl>
-                                              <p:pRg st="5" end="5"/>
+                                              <p:pRg st="7" end="7"/>
                                             </p:txEl>
                                           </p:spTgt>
                                         </p:tgtEl>
@@ -10685,33 +11595,15 @@
                                   </p:childTnLst>
                                 </p:cTn>
                               </p:par>
-                            </p:childTnLst>
-                          </p:cTn>
-                        </p:par>
-                      </p:childTnLst>
-                    </p:cTn>
-                  </p:par>
-                  <p:par>
-                    <p:cTn id="28" fill="hold">
-                      <p:stCondLst>
-                        <p:cond delay="indefinite"/>
-                      </p:stCondLst>
-                      <p:childTnLst>
-                        <p:par>
-                          <p:cTn id="29" fill="hold">
-                            <p:stCondLst>
-                              <p:cond delay="0"/>
-                            </p:stCondLst>
-                            <p:childTnLst>
                               <p:par>
-                                <p:cTn id="30" presetID="10" presetClass="entr" presetSubtype="0" fill="hold" nodeType="clickEffect">
+                                <p:cTn id="27" presetID="10" presetClass="entr" presetSubtype="0" fill="hold" nodeType="withEffect">
                                   <p:stCondLst>
                                     <p:cond delay="0"/>
                                   </p:stCondLst>
                                   <p:childTnLst>
                                     <p:set>
                                       <p:cBhvr>
-                                        <p:cTn id="31" dur="1" fill="hold">
+                                        <p:cTn id="28" dur="1" fill="hold">
                                           <p:stCondLst>
                                             <p:cond delay="0"/>
                                           </p:stCondLst>
@@ -10719,7 +11611,7 @@
                                         <p:tgtEl>
                                           <p:spTgt spid="3">
                                             <p:txEl>
-                                              <p:pRg st="6" end="6"/>
+                                              <p:pRg st="8" end="8"/>
                                             </p:txEl>
                                           </p:spTgt>
                                         </p:tgtEl>
@@ -10733,194 +11625,11 @@
                                     </p:set>
                                     <p:animEffect transition="in" filter="fade">
                                       <p:cBhvr>
-                                        <p:cTn id="32" dur="500"/>
+                                        <p:cTn id="29" dur="500"/>
                                         <p:tgtEl>
                                           <p:spTgt spid="3">
                                             <p:txEl>
-                                              <p:pRg st="6" end="6"/>
-                                            </p:txEl>
-                                          </p:spTgt>
-                                        </p:tgtEl>
-                                      </p:cBhvr>
-                                    </p:animEffect>
-                                  </p:childTnLst>
-                                </p:cTn>
-                              </p:par>
-                            </p:childTnLst>
-                          </p:cTn>
-                        </p:par>
-                      </p:childTnLst>
-                    </p:cTn>
-                  </p:par>
-                  <p:par>
-                    <p:cTn id="33" fill="hold">
-                      <p:stCondLst>
-                        <p:cond delay="indefinite"/>
-                      </p:stCondLst>
-                      <p:childTnLst>
-                        <p:par>
-                          <p:cTn id="34" fill="hold">
-                            <p:stCondLst>
-                              <p:cond delay="0"/>
-                            </p:stCondLst>
-                            <p:childTnLst>
-                              <p:par>
-                                <p:cTn id="35" presetID="10" presetClass="entr" presetSubtype="0" fill="hold" nodeType="clickEffect">
-                                  <p:stCondLst>
-                                    <p:cond delay="0"/>
-                                  </p:stCondLst>
-                                  <p:childTnLst>
-                                    <p:set>
-                                      <p:cBhvr>
-                                        <p:cTn id="36" dur="1" fill="hold">
-                                          <p:stCondLst>
-                                            <p:cond delay="0"/>
-                                          </p:stCondLst>
-                                        </p:cTn>
-                                        <p:tgtEl>
-                                          <p:spTgt spid="3">
-                                            <p:txEl>
-                                              <p:pRg st="7" end="7"/>
-                                            </p:txEl>
-                                          </p:spTgt>
-                                        </p:tgtEl>
-                                        <p:attrNameLst>
-                                          <p:attrName>style.visibility</p:attrName>
-                                        </p:attrNameLst>
-                                      </p:cBhvr>
-                                      <p:to>
-                                        <p:strVal val="visible"/>
-                                      </p:to>
-                                    </p:set>
-                                    <p:animEffect transition="in" filter="fade">
-                                      <p:cBhvr>
-                                        <p:cTn id="37" dur="500"/>
-                                        <p:tgtEl>
-                                          <p:spTgt spid="3">
-                                            <p:txEl>
-                                              <p:pRg st="7" end="7"/>
-                                            </p:txEl>
-                                          </p:spTgt>
-                                        </p:tgtEl>
-                                      </p:cBhvr>
-                                    </p:animEffect>
-                                  </p:childTnLst>
-                                </p:cTn>
-                              </p:par>
-                            </p:childTnLst>
-                          </p:cTn>
-                        </p:par>
-                      </p:childTnLst>
-                    </p:cTn>
-                  </p:par>
-                  <p:par>
-                    <p:cTn id="38" fill="hold">
-                      <p:stCondLst>
-                        <p:cond delay="indefinite"/>
-                      </p:stCondLst>
-                      <p:childTnLst>
-                        <p:par>
-                          <p:cTn id="39" fill="hold">
-                            <p:stCondLst>
-                              <p:cond delay="0"/>
-                            </p:stCondLst>
-                            <p:childTnLst>
-                              <p:par>
-                                <p:cTn id="40" presetID="10" presetClass="entr" presetSubtype="0" fill="hold" nodeType="clickEffect">
-                                  <p:stCondLst>
-                                    <p:cond delay="0"/>
-                                  </p:stCondLst>
-                                  <p:childTnLst>
-                                    <p:set>
-                                      <p:cBhvr>
-                                        <p:cTn id="41" dur="1" fill="hold">
-                                          <p:stCondLst>
-                                            <p:cond delay="0"/>
-                                          </p:stCondLst>
-                                        </p:cTn>
-                                        <p:tgtEl>
-                                          <p:spTgt spid="3">
-                                            <p:txEl>
                                               <p:pRg st="8" end="8"/>
-                                            </p:txEl>
-                                          </p:spTgt>
-                                        </p:tgtEl>
-                                        <p:attrNameLst>
-                                          <p:attrName>style.visibility</p:attrName>
-                                        </p:attrNameLst>
-                                      </p:cBhvr>
-                                      <p:to>
-                                        <p:strVal val="visible"/>
-                                      </p:to>
-                                    </p:set>
-                                    <p:animEffect transition="in" filter="fade">
-                                      <p:cBhvr>
-                                        <p:cTn id="42" dur="500"/>
-                                        <p:tgtEl>
-                                          <p:spTgt spid="3">
-                                            <p:txEl>
-                                              <p:pRg st="8" end="8"/>
-                                            </p:txEl>
-                                          </p:spTgt>
-                                        </p:tgtEl>
-                                      </p:cBhvr>
-                                    </p:animEffect>
-                                  </p:childTnLst>
-                                </p:cTn>
-                              </p:par>
-                            </p:childTnLst>
-                          </p:cTn>
-                        </p:par>
-                      </p:childTnLst>
-                    </p:cTn>
-                  </p:par>
-                  <p:par>
-                    <p:cTn id="43" fill="hold">
-                      <p:stCondLst>
-                        <p:cond delay="indefinite"/>
-                      </p:stCondLst>
-                      <p:childTnLst>
-                        <p:par>
-                          <p:cTn id="44" fill="hold">
-                            <p:stCondLst>
-                              <p:cond delay="0"/>
-                            </p:stCondLst>
-                            <p:childTnLst>
-                              <p:par>
-                                <p:cTn id="45" presetID="10" presetClass="entr" presetSubtype="0" fill="hold" nodeType="clickEffect">
-                                  <p:stCondLst>
-                                    <p:cond delay="0"/>
-                                  </p:stCondLst>
-                                  <p:childTnLst>
-                                    <p:set>
-                                      <p:cBhvr>
-                                        <p:cTn id="46" dur="1" fill="hold">
-                                          <p:stCondLst>
-                                            <p:cond delay="0"/>
-                                          </p:stCondLst>
-                                        </p:cTn>
-                                        <p:tgtEl>
-                                          <p:spTgt spid="3">
-                                            <p:txEl>
-                                              <p:pRg st="10" end="10"/>
-                                            </p:txEl>
-                                          </p:spTgt>
-                                        </p:tgtEl>
-                                        <p:attrNameLst>
-                                          <p:attrName>style.visibility</p:attrName>
-                                        </p:attrNameLst>
-                                      </p:cBhvr>
-                                      <p:to>
-                                        <p:strVal val="visible"/>
-                                      </p:to>
-                                    </p:set>
-                                    <p:animEffect transition="in" filter="fade">
-                                      <p:cBhvr>
-                                        <p:cTn id="47" dur="500"/>
-                                        <p:tgtEl>
-                                          <p:spTgt spid="3">
-                                            <p:txEl>
-                                              <p:pRg st="10" end="10"/>
                                             </p:txEl>
                                           </p:spTgt>
                                         </p:tgtEl>
@@ -10960,7 +11669,7 @@
 </p:sld>
 </file>
 
-<file path=ppt/slides/slide20.xml><?xml version="1.0" encoding="utf-8"?>
+<file path=ppt/slides/slide21.xml><?xml version="1.0" encoding="utf-8"?>
 <p:sld xmlns:a="http://schemas.openxmlformats.org/drawingml/2006/main" xmlns:r="http://schemas.openxmlformats.org/officeDocument/2006/relationships" xmlns:p="http://schemas.openxmlformats.org/presentationml/2006/main">
   <p:cSld>
     <p:spTree>
@@ -11256,7 +11965,7 @@
           <a:p>
             <a:fld id="{1A980C56-831A-4EAB-9EDE-57C090F4F877}" type="slidenum">
               <a:rPr lang="en-US" smtClean="0"/>
-              <a:t>20</a:t>
+              <a:t>21</a:t>
             </a:fld>
             <a:endParaRPr lang="en-US" dirty="0"/>
           </a:p>
@@ -11566,7 +12275,7 @@
 </p:sld>
 </file>
 
-<file path=ppt/slides/slide21.xml><?xml version="1.0" encoding="utf-8"?>
+<file path=ppt/slides/slide22.xml><?xml version="1.0" encoding="utf-8"?>
 <p:sld xmlns:a="http://schemas.openxmlformats.org/drawingml/2006/main" xmlns:r="http://schemas.openxmlformats.org/officeDocument/2006/relationships" xmlns:p="http://schemas.openxmlformats.org/presentationml/2006/main">
   <p:cSld>
     <p:spTree>
@@ -12016,7 +12725,7 @@
           <a:p>
             <a:fld id="{1A980C56-831A-4EAB-9EDE-57C090F4F877}" type="slidenum">
               <a:rPr lang="en-US" smtClean="0"/>
-              <a:t>21</a:t>
+              <a:t>22</a:t>
             </a:fld>
             <a:endParaRPr lang="en-US" dirty="0"/>
           </a:p>
@@ -12821,7 +13530,7 @@
 </p:sld>
 </file>
 
-<file path=ppt/slides/slide22.xml><?xml version="1.0" encoding="utf-8"?>
+<file path=ppt/slides/slide23.xml><?xml version="1.0" encoding="utf-8"?>
 <p:sld xmlns:a="http://schemas.openxmlformats.org/drawingml/2006/main" xmlns:r="http://schemas.openxmlformats.org/officeDocument/2006/relationships" xmlns:p="http://schemas.openxmlformats.org/presentationml/2006/main">
   <p:cSld>
     <p:spTree>
@@ -12947,7 +13656,7 @@
           <a:p>
             <a:fld id="{1A980C56-831A-4EAB-9EDE-57C090F4F877}" type="slidenum">
               <a:rPr lang="en-US" smtClean="0"/>
-              <a:t>22</a:t>
+              <a:t>23</a:t>
             </a:fld>
             <a:endParaRPr lang="en-US" dirty="0"/>
           </a:p>
@@ -13538,7 +14247,7 @@
 </p:sld>
 </file>
 
-<file path=ppt/slides/slide23.xml><?xml version="1.0" encoding="utf-8"?>
+<file path=ppt/slides/slide24.xml><?xml version="1.0" encoding="utf-8"?>
 <p:sld xmlns:a="http://schemas.openxmlformats.org/drawingml/2006/main" xmlns:r="http://schemas.openxmlformats.org/officeDocument/2006/relationships" xmlns:p="http://schemas.openxmlformats.org/presentationml/2006/main">
   <p:cSld>
     <p:spTree>
@@ -13664,7 +14373,7 @@
           <a:p>
             <a:fld id="{1A980C56-831A-4EAB-9EDE-57C090F4F877}" type="slidenum">
               <a:rPr lang="en-US" smtClean="0"/>
-              <a:t>23</a:t>
+              <a:t>24</a:t>
             </a:fld>
             <a:endParaRPr lang="en-US" dirty="0"/>
           </a:p>
@@ -13981,7 +14690,7 @@
 </p:sld>
 </file>
 
-<file path=ppt/slides/slide24.xml><?xml version="1.0" encoding="utf-8"?>
+<file path=ppt/slides/slide25.xml><?xml version="1.0" encoding="utf-8"?>
 <p:sld xmlns:a="http://schemas.openxmlformats.org/drawingml/2006/main" xmlns:r="http://schemas.openxmlformats.org/officeDocument/2006/relationships" xmlns:p="http://schemas.openxmlformats.org/presentationml/2006/main">
   <p:cSld>
     <p:spTree>
@@ -14107,7 +14816,7 @@
           <a:p>
             <a:fld id="{1A980C56-831A-4EAB-9EDE-57C090F4F877}" type="slidenum">
               <a:rPr lang="en-US" smtClean="0"/>
-              <a:t>24</a:t>
+              <a:t>25</a:t>
             </a:fld>
             <a:endParaRPr lang="en-US" dirty="0"/>
           </a:p>
@@ -14612,7 +15321,7 @@
 </p:sld>
 </file>
 
-<file path=ppt/slides/slide25.xml><?xml version="1.0" encoding="utf-8"?>
+<file path=ppt/slides/slide26.xml><?xml version="1.0" encoding="utf-8"?>
 <p:sld xmlns:a="http://schemas.openxmlformats.org/drawingml/2006/main" xmlns:r="http://schemas.openxmlformats.org/officeDocument/2006/relationships" xmlns:p="http://schemas.openxmlformats.org/presentationml/2006/main">
   <p:cSld>
     <p:spTree>
@@ -14738,7 +15447,7 @@
           <a:p>
             <a:fld id="{1A980C56-831A-4EAB-9EDE-57C090F4F877}" type="slidenum">
               <a:rPr lang="en-US" smtClean="0"/>
-              <a:t>25</a:t>
+              <a:t>26</a:t>
             </a:fld>
             <a:endParaRPr lang="en-US" dirty="0"/>
           </a:p>
@@ -15409,7 +16118,7 @@
 </p:sld>
 </file>
 
-<file path=ppt/slides/slide26.xml><?xml version="1.0" encoding="utf-8"?>
+<file path=ppt/slides/slide27.xml><?xml version="1.0" encoding="utf-8"?>
 <p:sld xmlns:a="http://schemas.openxmlformats.org/drawingml/2006/main" xmlns:r="http://schemas.openxmlformats.org/officeDocument/2006/relationships" xmlns:p="http://schemas.openxmlformats.org/presentationml/2006/main">
   <p:cSld>
     <p:spTree>
@@ -15535,7 +16244,7 @@
           <a:p>
             <a:fld id="{1A980C56-831A-4EAB-9EDE-57C090F4F877}" type="slidenum">
               <a:rPr lang="en-US" smtClean="0"/>
-              <a:t>26</a:t>
+              <a:t>27</a:t>
             </a:fld>
             <a:endParaRPr lang="en-US" dirty="0"/>
           </a:p>
@@ -16114,7 +16823,7 @@
 </p:sld>
 </file>
 
-<file path=ppt/slides/slide27.xml><?xml version="1.0" encoding="utf-8"?>
+<file path=ppt/slides/slide28.xml><?xml version="1.0" encoding="utf-8"?>
 <p:sld xmlns:a="http://schemas.openxmlformats.org/drawingml/2006/main" xmlns:r="http://schemas.openxmlformats.org/officeDocument/2006/relationships" xmlns:p="http://schemas.openxmlformats.org/presentationml/2006/main">
   <p:cSld>
     <p:spTree>
@@ -16240,7 +16949,7 @@
           <a:p>
             <a:fld id="{1A980C56-831A-4EAB-9EDE-57C090F4F877}" type="slidenum">
               <a:rPr lang="en-US" smtClean="0"/>
-              <a:t>27</a:t>
+              <a:t>28</a:t>
             </a:fld>
             <a:endParaRPr lang="en-US" dirty="0"/>
           </a:p>
@@ -16937,7 +17646,7 @@
 </p:sld>
 </file>
 
-<file path=ppt/slides/slide28.xml><?xml version="1.0" encoding="utf-8"?>
+<file path=ppt/slides/slide29.xml><?xml version="1.0" encoding="utf-8"?>
 <p:sld xmlns:a="http://schemas.openxmlformats.org/drawingml/2006/main" xmlns:r="http://schemas.openxmlformats.org/officeDocument/2006/relationships" xmlns:p="http://schemas.openxmlformats.org/presentationml/2006/main">
   <p:cSld>
     <p:spTree>
@@ -17035,7 +17744,7 @@
           <a:p>
             <a:fld id="{1A980C56-831A-4EAB-9EDE-57C090F4F877}" type="slidenum">
               <a:rPr lang="en-US" smtClean="0"/>
-              <a:t>28</a:t>
+              <a:t>29</a:t>
             </a:fld>
             <a:endParaRPr lang="en-US" dirty="0"/>
           </a:p>
@@ -17094,7 +17803,842 @@
 </p:sld>
 </file>
 
-<file path=ppt/slides/slide29.xml><?xml version="1.0" encoding="utf-8"?>
+<file path=ppt/slides/slide3.xml><?xml version="1.0" encoding="utf-8"?>
+<p:sld xmlns:a="http://schemas.openxmlformats.org/drawingml/2006/main" xmlns:r="http://schemas.openxmlformats.org/officeDocument/2006/relationships" xmlns:p="http://schemas.openxmlformats.org/presentationml/2006/main">
+  <p:cSld>
+    <p:spTree>
+      <p:nvGrpSpPr>
+        <p:cNvPr id="1" name=""/>
+        <p:cNvGrpSpPr/>
+        <p:nvPr/>
+      </p:nvGrpSpPr>
+      <p:grpSpPr>
+        <a:xfrm>
+          <a:off x="0" y="0"/>
+          <a:ext cx="0" cy="0"/>
+          <a:chOff x="0" y="0"/>
+          <a:chExt cx="0" cy="0"/>
+        </a:xfrm>
+      </p:grpSpPr>
+      <p:sp>
+        <p:nvSpPr>
+          <p:cNvPr id="2" name="Title 1">
+            <a:extLst>
+              <a:ext uri="{FF2B5EF4-FFF2-40B4-BE49-F238E27FC236}">
+                <a16:creationId xmlns:a16="http://schemas.microsoft.com/office/drawing/2014/main" id="{0D8E3986-575B-B929-0562-1561C73A78DE}"/>
+              </a:ext>
+            </a:extLst>
+          </p:cNvPr>
+          <p:cNvSpPr>
+            <a:spLocks noGrp="1"/>
+          </p:cNvSpPr>
+          <p:nvPr>
+            <p:ph type="title"/>
+          </p:nvPr>
+        </p:nvSpPr>
+        <p:spPr/>
+        <p:txBody>
+          <a:bodyPr/>
+          <a:lstStyle/>
+          <a:p>
+            <a:r>
+              <a:rPr lang="en-US" dirty="0"/>
+              <a:t>Production</a:t>
+            </a:r>
+          </a:p>
+        </p:txBody>
+      </p:sp>
+      <p:sp>
+        <p:nvSpPr>
+          <p:cNvPr id="3" name="Content Placeholder 2">
+            <a:extLst>
+              <a:ext uri="{FF2B5EF4-FFF2-40B4-BE49-F238E27FC236}">
+                <a16:creationId xmlns:a16="http://schemas.microsoft.com/office/drawing/2014/main" id="{5A717BAA-D4BA-C7EB-5696-203603829C7C}"/>
+              </a:ext>
+            </a:extLst>
+          </p:cNvPr>
+          <p:cNvSpPr>
+            <a:spLocks noGrp="1"/>
+          </p:cNvSpPr>
+          <p:nvPr>
+            <p:ph idx="1"/>
+          </p:nvPr>
+        </p:nvSpPr>
+        <p:spPr/>
+        <p:txBody>
+          <a:bodyPr>
+            <a:normAutofit/>
+          </a:bodyPr>
+          <a:lstStyle/>
+          <a:p>
+            <a:r>
+              <a:rPr lang="en-US" dirty="0"/>
+              <a:t>We covered consumer theory in three large “parts.”</a:t>
+            </a:r>
+          </a:p>
+          <a:p>
+            <a:pPr marL="914400" lvl="1" indent="-457200">
+              <a:buFont typeface="+mj-lt"/>
+              <a:buAutoNum type="arabicPeriod"/>
+            </a:pPr>
+            <a:r>
+              <a:rPr lang="en-US" dirty="0"/>
+              <a:t>Examined the consumer’s budget constraint.</a:t>
+            </a:r>
+          </a:p>
+          <a:p>
+            <a:pPr marL="914400" lvl="1" indent="-457200">
+              <a:buFont typeface="+mj-lt"/>
+              <a:buAutoNum type="arabicPeriod"/>
+            </a:pPr>
+            <a:r>
+              <a:rPr lang="en-US" dirty="0"/>
+              <a:t>Model the consumer’s preferences.</a:t>
+            </a:r>
+          </a:p>
+          <a:p>
+            <a:pPr marL="914400" lvl="1" indent="-457200">
+              <a:buFont typeface="+mj-lt"/>
+              <a:buAutoNum type="arabicPeriod"/>
+            </a:pPr>
+            <a:r>
+              <a:rPr lang="en-US" dirty="0"/>
+              <a:t>Combined the two parts to find the utility maximizing consumer’s choice.</a:t>
+            </a:r>
+          </a:p>
+          <a:p>
+            <a:pPr lvl="3"/>
+            <a:endParaRPr lang="en-US" dirty="0"/>
+          </a:p>
+          <a:p>
+            <a:r>
+              <a:rPr lang="en-US" dirty="0"/>
+              <a:t>The producer’s theory also consists of three large “parts.”</a:t>
+            </a:r>
+          </a:p>
+          <a:p>
+            <a:pPr marL="914400" lvl="1" indent="-457200">
+              <a:buFont typeface="+mj-lt"/>
+              <a:buAutoNum type="arabicPeriod"/>
+            </a:pPr>
+            <a:r>
+              <a:rPr lang="en-US" dirty="0"/>
+              <a:t>Model the producer’s production technology.</a:t>
+            </a:r>
+          </a:p>
+          <a:p>
+            <a:pPr marL="914400" lvl="1" indent="-457200">
+              <a:buFont typeface="+mj-lt"/>
+              <a:buAutoNum type="arabicPeriod"/>
+            </a:pPr>
+            <a:r>
+              <a:rPr lang="en-US" dirty="0"/>
+              <a:t>Account for costs of production.</a:t>
+            </a:r>
+          </a:p>
+          <a:p>
+            <a:pPr marL="914400" lvl="1" indent="-457200">
+              <a:buFont typeface="+mj-lt"/>
+              <a:buAutoNum type="arabicPeriod"/>
+            </a:pPr>
+            <a:r>
+              <a:rPr lang="en-US" dirty="0"/>
+              <a:t>Determine the optimal mix of inputs for production.</a:t>
+            </a:r>
+          </a:p>
+          <a:p>
+            <a:pPr marL="2286000" lvl="4" indent="-457200">
+              <a:buFont typeface="+mj-lt"/>
+              <a:buAutoNum type="arabicPeriod"/>
+            </a:pPr>
+            <a:endParaRPr lang="en-US" dirty="0"/>
+          </a:p>
+          <a:p>
+            <a:r>
+              <a:rPr lang="en-US" dirty="0"/>
+              <a:t>We start by talking about production technology.</a:t>
+            </a:r>
+          </a:p>
+        </p:txBody>
+      </p:sp>
+      <p:sp>
+        <p:nvSpPr>
+          <p:cNvPr id="4" name="Date Placeholder 3">
+            <a:extLst>
+              <a:ext uri="{FF2B5EF4-FFF2-40B4-BE49-F238E27FC236}">
+                <a16:creationId xmlns:a16="http://schemas.microsoft.com/office/drawing/2014/main" id="{B09CFCAE-B4E3-649B-FDB7-488E4E51258C}"/>
+              </a:ext>
+            </a:extLst>
+          </p:cNvPr>
+          <p:cNvSpPr>
+            <a:spLocks noGrp="1"/>
+          </p:cNvSpPr>
+          <p:nvPr>
+            <p:ph type="dt" sz="half" idx="10"/>
+          </p:nvPr>
+        </p:nvSpPr>
+        <p:spPr/>
+        <p:txBody>
+          <a:bodyPr/>
+          <a:lstStyle/>
+          <a:p>
+            <a:r>
+              <a:rPr lang="en-US" dirty="0"/>
+              <a:t>Fall 2023</a:t>
+            </a:r>
+          </a:p>
+        </p:txBody>
+      </p:sp>
+      <p:sp>
+        <p:nvSpPr>
+          <p:cNvPr id="5" name="Footer Placeholder 4">
+            <a:extLst>
+              <a:ext uri="{FF2B5EF4-FFF2-40B4-BE49-F238E27FC236}">
+                <a16:creationId xmlns:a16="http://schemas.microsoft.com/office/drawing/2014/main" id="{52AC4525-C5C8-8596-B2EA-0E2C5344302C}"/>
+              </a:ext>
+            </a:extLst>
+          </p:cNvPr>
+          <p:cNvSpPr>
+            <a:spLocks noGrp="1"/>
+          </p:cNvSpPr>
+          <p:nvPr>
+            <p:ph type="ftr" sz="quarter" idx="11"/>
+          </p:nvPr>
+        </p:nvSpPr>
+        <p:spPr/>
+        <p:txBody>
+          <a:bodyPr/>
+          <a:lstStyle/>
+          <a:p>
+            <a:r>
+              <a:rPr lang="en-US" dirty="0"/>
+              <a:t>DEPARTMENT OF BUSINESS &amp; ECONOMICS</a:t>
+            </a:r>
+          </a:p>
+        </p:txBody>
+      </p:sp>
+      <p:sp>
+        <p:nvSpPr>
+          <p:cNvPr id="6" name="Slide Number Placeholder 5">
+            <a:extLst>
+              <a:ext uri="{FF2B5EF4-FFF2-40B4-BE49-F238E27FC236}">
+                <a16:creationId xmlns:a16="http://schemas.microsoft.com/office/drawing/2014/main" id="{1E261E69-6082-7B91-F48A-C4702A4B503E}"/>
+              </a:ext>
+            </a:extLst>
+          </p:cNvPr>
+          <p:cNvSpPr>
+            <a:spLocks noGrp="1"/>
+          </p:cNvSpPr>
+          <p:nvPr>
+            <p:ph type="sldNum" sz="quarter" idx="12"/>
+          </p:nvPr>
+        </p:nvSpPr>
+        <p:spPr/>
+        <p:txBody>
+          <a:bodyPr/>
+          <a:lstStyle/>
+          <a:p>
+            <a:fld id="{1A980C56-831A-4EAB-9EDE-57C090F4F877}" type="slidenum">
+              <a:rPr lang="en-US" smtClean="0"/>
+              <a:t>3</a:t>
+            </a:fld>
+            <a:endParaRPr lang="en-US" dirty="0"/>
+          </a:p>
+        </p:txBody>
+      </p:sp>
+    </p:spTree>
+    <p:extLst>
+      <p:ext uri="{BB962C8B-B14F-4D97-AF65-F5344CB8AC3E}">
+        <p14:creationId xmlns:p14="http://schemas.microsoft.com/office/powerpoint/2010/main" val="3304473902"/>
+      </p:ext>
+    </p:extLst>
+  </p:cSld>
+  <p:clrMapOvr>
+    <a:masterClrMapping/>
+  </p:clrMapOvr>
+  <p:timing>
+    <p:tnLst>
+      <p:par>
+        <p:cTn id="1" dur="indefinite" restart="never" nodeType="tmRoot">
+          <p:childTnLst>
+            <p:seq concurrent="1" nextAc="seek">
+              <p:cTn id="2" dur="indefinite" nodeType="mainSeq">
+                <p:childTnLst>
+                  <p:par>
+                    <p:cTn id="3" fill="hold">
+                      <p:stCondLst>
+                        <p:cond delay="indefinite"/>
+                      </p:stCondLst>
+                      <p:childTnLst>
+                        <p:par>
+                          <p:cTn id="4" fill="hold">
+                            <p:stCondLst>
+                              <p:cond delay="0"/>
+                            </p:stCondLst>
+                            <p:childTnLst>
+                              <p:par>
+                                <p:cTn id="5" presetID="10" presetClass="entr" presetSubtype="0" fill="hold" nodeType="clickEffect">
+                                  <p:stCondLst>
+                                    <p:cond delay="0"/>
+                                  </p:stCondLst>
+                                  <p:childTnLst>
+                                    <p:set>
+                                      <p:cBhvr>
+                                        <p:cTn id="6" dur="1" fill="hold">
+                                          <p:stCondLst>
+                                            <p:cond delay="0"/>
+                                          </p:stCondLst>
+                                        </p:cTn>
+                                        <p:tgtEl>
+                                          <p:spTgt spid="3">
+                                            <p:txEl>
+                                              <p:pRg st="0" end="0"/>
+                                            </p:txEl>
+                                          </p:spTgt>
+                                        </p:tgtEl>
+                                        <p:attrNameLst>
+                                          <p:attrName>style.visibility</p:attrName>
+                                        </p:attrNameLst>
+                                      </p:cBhvr>
+                                      <p:to>
+                                        <p:strVal val="visible"/>
+                                      </p:to>
+                                    </p:set>
+                                    <p:animEffect transition="in" filter="fade">
+                                      <p:cBhvr>
+                                        <p:cTn id="7" dur="500"/>
+                                        <p:tgtEl>
+                                          <p:spTgt spid="3">
+                                            <p:txEl>
+                                              <p:pRg st="0" end="0"/>
+                                            </p:txEl>
+                                          </p:spTgt>
+                                        </p:tgtEl>
+                                      </p:cBhvr>
+                                    </p:animEffect>
+                                  </p:childTnLst>
+                                </p:cTn>
+                              </p:par>
+                            </p:childTnLst>
+                          </p:cTn>
+                        </p:par>
+                      </p:childTnLst>
+                    </p:cTn>
+                  </p:par>
+                  <p:par>
+                    <p:cTn id="8" fill="hold">
+                      <p:stCondLst>
+                        <p:cond delay="indefinite"/>
+                      </p:stCondLst>
+                      <p:childTnLst>
+                        <p:par>
+                          <p:cTn id="9" fill="hold">
+                            <p:stCondLst>
+                              <p:cond delay="0"/>
+                            </p:stCondLst>
+                            <p:childTnLst>
+                              <p:par>
+                                <p:cTn id="10" presetID="10" presetClass="entr" presetSubtype="0" fill="hold" nodeType="clickEffect">
+                                  <p:stCondLst>
+                                    <p:cond delay="0"/>
+                                  </p:stCondLst>
+                                  <p:childTnLst>
+                                    <p:set>
+                                      <p:cBhvr>
+                                        <p:cTn id="11" dur="1" fill="hold">
+                                          <p:stCondLst>
+                                            <p:cond delay="0"/>
+                                          </p:stCondLst>
+                                        </p:cTn>
+                                        <p:tgtEl>
+                                          <p:spTgt spid="3">
+                                            <p:txEl>
+                                              <p:pRg st="1" end="1"/>
+                                            </p:txEl>
+                                          </p:spTgt>
+                                        </p:tgtEl>
+                                        <p:attrNameLst>
+                                          <p:attrName>style.visibility</p:attrName>
+                                        </p:attrNameLst>
+                                      </p:cBhvr>
+                                      <p:to>
+                                        <p:strVal val="visible"/>
+                                      </p:to>
+                                    </p:set>
+                                    <p:animEffect transition="in" filter="fade">
+                                      <p:cBhvr>
+                                        <p:cTn id="12" dur="500"/>
+                                        <p:tgtEl>
+                                          <p:spTgt spid="3">
+                                            <p:txEl>
+                                              <p:pRg st="1" end="1"/>
+                                            </p:txEl>
+                                          </p:spTgt>
+                                        </p:tgtEl>
+                                      </p:cBhvr>
+                                    </p:animEffect>
+                                  </p:childTnLst>
+                                </p:cTn>
+                              </p:par>
+                            </p:childTnLst>
+                          </p:cTn>
+                        </p:par>
+                      </p:childTnLst>
+                    </p:cTn>
+                  </p:par>
+                  <p:par>
+                    <p:cTn id="13" fill="hold">
+                      <p:stCondLst>
+                        <p:cond delay="indefinite"/>
+                      </p:stCondLst>
+                      <p:childTnLst>
+                        <p:par>
+                          <p:cTn id="14" fill="hold">
+                            <p:stCondLst>
+                              <p:cond delay="0"/>
+                            </p:stCondLst>
+                            <p:childTnLst>
+                              <p:par>
+                                <p:cTn id="15" presetID="10" presetClass="entr" presetSubtype="0" fill="hold" nodeType="clickEffect">
+                                  <p:stCondLst>
+                                    <p:cond delay="0"/>
+                                  </p:stCondLst>
+                                  <p:childTnLst>
+                                    <p:set>
+                                      <p:cBhvr>
+                                        <p:cTn id="16" dur="1" fill="hold">
+                                          <p:stCondLst>
+                                            <p:cond delay="0"/>
+                                          </p:stCondLst>
+                                        </p:cTn>
+                                        <p:tgtEl>
+                                          <p:spTgt spid="3">
+                                            <p:txEl>
+                                              <p:pRg st="2" end="2"/>
+                                            </p:txEl>
+                                          </p:spTgt>
+                                        </p:tgtEl>
+                                        <p:attrNameLst>
+                                          <p:attrName>style.visibility</p:attrName>
+                                        </p:attrNameLst>
+                                      </p:cBhvr>
+                                      <p:to>
+                                        <p:strVal val="visible"/>
+                                      </p:to>
+                                    </p:set>
+                                    <p:animEffect transition="in" filter="fade">
+                                      <p:cBhvr>
+                                        <p:cTn id="17" dur="500"/>
+                                        <p:tgtEl>
+                                          <p:spTgt spid="3">
+                                            <p:txEl>
+                                              <p:pRg st="2" end="2"/>
+                                            </p:txEl>
+                                          </p:spTgt>
+                                        </p:tgtEl>
+                                      </p:cBhvr>
+                                    </p:animEffect>
+                                  </p:childTnLst>
+                                </p:cTn>
+                              </p:par>
+                            </p:childTnLst>
+                          </p:cTn>
+                        </p:par>
+                      </p:childTnLst>
+                    </p:cTn>
+                  </p:par>
+                  <p:par>
+                    <p:cTn id="18" fill="hold">
+                      <p:stCondLst>
+                        <p:cond delay="indefinite"/>
+                      </p:stCondLst>
+                      <p:childTnLst>
+                        <p:par>
+                          <p:cTn id="19" fill="hold">
+                            <p:stCondLst>
+                              <p:cond delay="0"/>
+                            </p:stCondLst>
+                            <p:childTnLst>
+                              <p:par>
+                                <p:cTn id="20" presetID="10" presetClass="entr" presetSubtype="0" fill="hold" nodeType="clickEffect">
+                                  <p:stCondLst>
+                                    <p:cond delay="0"/>
+                                  </p:stCondLst>
+                                  <p:childTnLst>
+                                    <p:set>
+                                      <p:cBhvr>
+                                        <p:cTn id="21" dur="1" fill="hold">
+                                          <p:stCondLst>
+                                            <p:cond delay="0"/>
+                                          </p:stCondLst>
+                                        </p:cTn>
+                                        <p:tgtEl>
+                                          <p:spTgt spid="3">
+                                            <p:txEl>
+                                              <p:pRg st="3" end="3"/>
+                                            </p:txEl>
+                                          </p:spTgt>
+                                        </p:tgtEl>
+                                        <p:attrNameLst>
+                                          <p:attrName>style.visibility</p:attrName>
+                                        </p:attrNameLst>
+                                      </p:cBhvr>
+                                      <p:to>
+                                        <p:strVal val="visible"/>
+                                      </p:to>
+                                    </p:set>
+                                    <p:animEffect transition="in" filter="fade">
+                                      <p:cBhvr>
+                                        <p:cTn id="22" dur="500"/>
+                                        <p:tgtEl>
+                                          <p:spTgt spid="3">
+                                            <p:txEl>
+                                              <p:pRg st="3" end="3"/>
+                                            </p:txEl>
+                                          </p:spTgt>
+                                        </p:tgtEl>
+                                      </p:cBhvr>
+                                    </p:animEffect>
+                                  </p:childTnLst>
+                                </p:cTn>
+                              </p:par>
+                            </p:childTnLst>
+                          </p:cTn>
+                        </p:par>
+                      </p:childTnLst>
+                    </p:cTn>
+                  </p:par>
+                  <p:par>
+                    <p:cTn id="23" fill="hold">
+                      <p:stCondLst>
+                        <p:cond delay="indefinite"/>
+                      </p:stCondLst>
+                      <p:childTnLst>
+                        <p:par>
+                          <p:cTn id="24" fill="hold">
+                            <p:stCondLst>
+                              <p:cond delay="0"/>
+                            </p:stCondLst>
+                            <p:childTnLst>
+                              <p:par>
+                                <p:cTn id="25" presetID="10" presetClass="entr" presetSubtype="0" fill="hold" nodeType="clickEffect">
+                                  <p:stCondLst>
+                                    <p:cond delay="0"/>
+                                  </p:stCondLst>
+                                  <p:childTnLst>
+                                    <p:set>
+                                      <p:cBhvr>
+                                        <p:cTn id="26" dur="1" fill="hold">
+                                          <p:stCondLst>
+                                            <p:cond delay="0"/>
+                                          </p:stCondLst>
+                                        </p:cTn>
+                                        <p:tgtEl>
+                                          <p:spTgt spid="3">
+                                            <p:txEl>
+                                              <p:pRg st="5" end="5"/>
+                                            </p:txEl>
+                                          </p:spTgt>
+                                        </p:tgtEl>
+                                        <p:attrNameLst>
+                                          <p:attrName>style.visibility</p:attrName>
+                                        </p:attrNameLst>
+                                      </p:cBhvr>
+                                      <p:to>
+                                        <p:strVal val="visible"/>
+                                      </p:to>
+                                    </p:set>
+                                    <p:animEffect transition="in" filter="fade">
+                                      <p:cBhvr>
+                                        <p:cTn id="27" dur="500"/>
+                                        <p:tgtEl>
+                                          <p:spTgt spid="3">
+                                            <p:txEl>
+                                              <p:pRg st="5" end="5"/>
+                                            </p:txEl>
+                                          </p:spTgt>
+                                        </p:tgtEl>
+                                      </p:cBhvr>
+                                    </p:animEffect>
+                                  </p:childTnLst>
+                                </p:cTn>
+                              </p:par>
+                            </p:childTnLst>
+                          </p:cTn>
+                        </p:par>
+                      </p:childTnLst>
+                    </p:cTn>
+                  </p:par>
+                  <p:par>
+                    <p:cTn id="28" fill="hold">
+                      <p:stCondLst>
+                        <p:cond delay="indefinite"/>
+                      </p:stCondLst>
+                      <p:childTnLst>
+                        <p:par>
+                          <p:cTn id="29" fill="hold">
+                            <p:stCondLst>
+                              <p:cond delay="0"/>
+                            </p:stCondLst>
+                            <p:childTnLst>
+                              <p:par>
+                                <p:cTn id="30" presetID="10" presetClass="entr" presetSubtype="0" fill="hold" nodeType="clickEffect">
+                                  <p:stCondLst>
+                                    <p:cond delay="0"/>
+                                  </p:stCondLst>
+                                  <p:childTnLst>
+                                    <p:set>
+                                      <p:cBhvr>
+                                        <p:cTn id="31" dur="1" fill="hold">
+                                          <p:stCondLst>
+                                            <p:cond delay="0"/>
+                                          </p:stCondLst>
+                                        </p:cTn>
+                                        <p:tgtEl>
+                                          <p:spTgt spid="3">
+                                            <p:txEl>
+                                              <p:pRg st="6" end="6"/>
+                                            </p:txEl>
+                                          </p:spTgt>
+                                        </p:tgtEl>
+                                        <p:attrNameLst>
+                                          <p:attrName>style.visibility</p:attrName>
+                                        </p:attrNameLst>
+                                      </p:cBhvr>
+                                      <p:to>
+                                        <p:strVal val="visible"/>
+                                      </p:to>
+                                    </p:set>
+                                    <p:animEffect transition="in" filter="fade">
+                                      <p:cBhvr>
+                                        <p:cTn id="32" dur="500"/>
+                                        <p:tgtEl>
+                                          <p:spTgt spid="3">
+                                            <p:txEl>
+                                              <p:pRg st="6" end="6"/>
+                                            </p:txEl>
+                                          </p:spTgt>
+                                        </p:tgtEl>
+                                      </p:cBhvr>
+                                    </p:animEffect>
+                                  </p:childTnLst>
+                                </p:cTn>
+                              </p:par>
+                            </p:childTnLst>
+                          </p:cTn>
+                        </p:par>
+                      </p:childTnLst>
+                    </p:cTn>
+                  </p:par>
+                  <p:par>
+                    <p:cTn id="33" fill="hold">
+                      <p:stCondLst>
+                        <p:cond delay="indefinite"/>
+                      </p:stCondLst>
+                      <p:childTnLst>
+                        <p:par>
+                          <p:cTn id="34" fill="hold">
+                            <p:stCondLst>
+                              <p:cond delay="0"/>
+                            </p:stCondLst>
+                            <p:childTnLst>
+                              <p:par>
+                                <p:cTn id="35" presetID="10" presetClass="entr" presetSubtype="0" fill="hold" nodeType="clickEffect">
+                                  <p:stCondLst>
+                                    <p:cond delay="0"/>
+                                  </p:stCondLst>
+                                  <p:childTnLst>
+                                    <p:set>
+                                      <p:cBhvr>
+                                        <p:cTn id="36" dur="1" fill="hold">
+                                          <p:stCondLst>
+                                            <p:cond delay="0"/>
+                                          </p:stCondLst>
+                                        </p:cTn>
+                                        <p:tgtEl>
+                                          <p:spTgt spid="3">
+                                            <p:txEl>
+                                              <p:pRg st="7" end="7"/>
+                                            </p:txEl>
+                                          </p:spTgt>
+                                        </p:tgtEl>
+                                        <p:attrNameLst>
+                                          <p:attrName>style.visibility</p:attrName>
+                                        </p:attrNameLst>
+                                      </p:cBhvr>
+                                      <p:to>
+                                        <p:strVal val="visible"/>
+                                      </p:to>
+                                    </p:set>
+                                    <p:animEffect transition="in" filter="fade">
+                                      <p:cBhvr>
+                                        <p:cTn id="37" dur="500"/>
+                                        <p:tgtEl>
+                                          <p:spTgt spid="3">
+                                            <p:txEl>
+                                              <p:pRg st="7" end="7"/>
+                                            </p:txEl>
+                                          </p:spTgt>
+                                        </p:tgtEl>
+                                      </p:cBhvr>
+                                    </p:animEffect>
+                                  </p:childTnLst>
+                                </p:cTn>
+                              </p:par>
+                            </p:childTnLst>
+                          </p:cTn>
+                        </p:par>
+                      </p:childTnLst>
+                    </p:cTn>
+                  </p:par>
+                  <p:par>
+                    <p:cTn id="38" fill="hold">
+                      <p:stCondLst>
+                        <p:cond delay="indefinite"/>
+                      </p:stCondLst>
+                      <p:childTnLst>
+                        <p:par>
+                          <p:cTn id="39" fill="hold">
+                            <p:stCondLst>
+                              <p:cond delay="0"/>
+                            </p:stCondLst>
+                            <p:childTnLst>
+                              <p:par>
+                                <p:cTn id="40" presetID="10" presetClass="entr" presetSubtype="0" fill="hold" nodeType="clickEffect">
+                                  <p:stCondLst>
+                                    <p:cond delay="0"/>
+                                  </p:stCondLst>
+                                  <p:childTnLst>
+                                    <p:set>
+                                      <p:cBhvr>
+                                        <p:cTn id="41" dur="1" fill="hold">
+                                          <p:stCondLst>
+                                            <p:cond delay="0"/>
+                                          </p:stCondLst>
+                                        </p:cTn>
+                                        <p:tgtEl>
+                                          <p:spTgt spid="3">
+                                            <p:txEl>
+                                              <p:pRg st="8" end="8"/>
+                                            </p:txEl>
+                                          </p:spTgt>
+                                        </p:tgtEl>
+                                        <p:attrNameLst>
+                                          <p:attrName>style.visibility</p:attrName>
+                                        </p:attrNameLst>
+                                      </p:cBhvr>
+                                      <p:to>
+                                        <p:strVal val="visible"/>
+                                      </p:to>
+                                    </p:set>
+                                    <p:animEffect transition="in" filter="fade">
+                                      <p:cBhvr>
+                                        <p:cTn id="42" dur="500"/>
+                                        <p:tgtEl>
+                                          <p:spTgt spid="3">
+                                            <p:txEl>
+                                              <p:pRg st="8" end="8"/>
+                                            </p:txEl>
+                                          </p:spTgt>
+                                        </p:tgtEl>
+                                      </p:cBhvr>
+                                    </p:animEffect>
+                                  </p:childTnLst>
+                                </p:cTn>
+                              </p:par>
+                            </p:childTnLst>
+                          </p:cTn>
+                        </p:par>
+                      </p:childTnLst>
+                    </p:cTn>
+                  </p:par>
+                  <p:par>
+                    <p:cTn id="43" fill="hold">
+                      <p:stCondLst>
+                        <p:cond delay="indefinite"/>
+                      </p:stCondLst>
+                      <p:childTnLst>
+                        <p:par>
+                          <p:cTn id="44" fill="hold">
+                            <p:stCondLst>
+                              <p:cond delay="0"/>
+                            </p:stCondLst>
+                            <p:childTnLst>
+                              <p:par>
+                                <p:cTn id="45" presetID="10" presetClass="entr" presetSubtype="0" fill="hold" nodeType="clickEffect">
+                                  <p:stCondLst>
+                                    <p:cond delay="0"/>
+                                  </p:stCondLst>
+                                  <p:childTnLst>
+                                    <p:set>
+                                      <p:cBhvr>
+                                        <p:cTn id="46" dur="1" fill="hold">
+                                          <p:stCondLst>
+                                            <p:cond delay="0"/>
+                                          </p:stCondLst>
+                                        </p:cTn>
+                                        <p:tgtEl>
+                                          <p:spTgt spid="3">
+                                            <p:txEl>
+                                              <p:pRg st="10" end="10"/>
+                                            </p:txEl>
+                                          </p:spTgt>
+                                        </p:tgtEl>
+                                        <p:attrNameLst>
+                                          <p:attrName>style.visibility</p:attrName>
+                                        </p:attrNameLst>
+                                      </p:cBhvr>
+                                      <p:to>
+                                        <p:strVal val="visible"/>
+                                      </p:to>
+                                    </p:set>
+                                    <p:animEffect transition="in" filter="fade">
+                                      <p:cBhvr>
+                                        <p:cTn id="47" dur="500"/>
+                                        <p:tgtEl>
+                                          <p:spTgt spid="3">
+                                            <p:txEl>
+                                              <p:pRg st="10" end="10"/>
+                                            </p:txEl>
+                                          </p:spTgt>
+                                        </p:tgtEl>
+                                      </p:cBhvr>
+                                    </p:animEffect>
+                                  </p:childTnLst>
+                                </p:cTn>
+                              </p:par>
+                            </p:childTnLst>
+                          </p:cTn>
+                        </p:par>
+                      </p:childTnLst>
+                    </p:cTn>
+                  </p:par>
+                </p:childTnLst>
+              </p:cTn>
+              <p:prevCondLst>
+                <p:cond evt="onPrev" delay="0">
+                  <p:tgtEl>
+                    <p:sldTgt/>
+                  </p:tgtEl>
+                </p:cond>
+              </p:prevCondLst>
+              <p:nextCondLst>
+                <p:cond evt="onNext" delay="0">
+                  <p:tgtEl>
+                    <p:sldTgt/>
+                  </p:tgtEl>
+                </p:cond>
+              </p:nextCondLst>
+            </p:seq>
+          </p:childTnLst>
+        </p:cTn>
+      </p:par>
+    </p:tnLst>
+  </p:timing>
+</p:sld>
+</file>
+
+<file path=ppt/slides/slide30.xml><?xml version="1.0" encoding="utf-8"?>
 <p:sld xmlns:a="http://schemas.openxmlformats.org/drawingml/2006/main" xmlns:r="http://schemas.openxmlformats.org/officeDocument/2006/relationships" xmlns:p="http://schemas.openxmlformats.org/presentationml/2006/main">
   <p:cSld>
     <p:spTree>
@@ -17192,7 +18736,7 @@
           <a:p>
             <a:fld id="{1A980C56-831A-4EAB-9EDE-57C090F4F877}" type="slidenum">
               <a:rPr lang="en-US" smtClean="0"/>
-              <a:t>29</a:t>
+              <a:t>30</a:t>
             </a:fld>
             <a:endParaRPr lang="en-US" dirty="0"/>
           </a:p>
@@ -17251,7 +18795,7 @@
 </p:sld>
 </file>
 
-<file path=ppt/slides/slide3.xml><?xml version="1.0" encoding="utf-8"?>
+<file path=ppt/slides/slide31.xml><?xml version="1.0" encoding="utf-8"?>
 <p:sld xmlns:a="http://schemas.openxmlformats.org/drawingml/2006/main" xmlns:r="http://schemas.openxmlformats.org/officeDocument/2006/relationships" xmlns:p="http://schemas.openxmlformats.org/presentationml/2006/main">
   <p:cSld>
     <p:spTree>
@@ -17273,7 +18817,7 @@
           <p:cNvPr id="2" name="Title 1">
             <a:extLst>
               <a:ext uri="{FF2B5EF4-FFF2-40B4-BE49-F238E27FC236}">
-                <a16:creationId xmlns:a16="http://schemas.microsoft.com/office/drawing/2014/main" id="{0D8E3986-575B-B929-0562-1561C73A78DE}"/>
+                <a16:creationId xmlns:a16="http://schemas.microsoft.com/office/drawing/2014/main" id="{B2C3D5B0-E792-D37E-DF5D-DF817567AF1D}"/>
               </a:ext>
             </a:extLst>
           </p:cNvPr>
@@ -17291,7 +18835,7 @@
           <a:p>
             <a:r>
               <a:rPr lang="en-US" dirty="0"/>
-              <a:t>Production</a:t>
+              <a:t>Other Topics in Production Technology</a:t>
             </a:r>
           </a:p>
         </p:txBody>
@@ -17301,7 +18845,7 @@
           <p:cNvPr id="3" name="Content Placeholder 2">
             <a:extLst>
               <a:ext uri="{FF2B5EF4-FFF2-40B4-BE49-F238E27FC236}">
-                <a16:creationId xmlns:a16="http://schemas.microsoft.com/office/drawing/2014/main" id="{5A717BAA-D4BA-C7EB-5696-203603829C7C}"/>
+                <a16:creationId xmlns:a16="http://schemas.microsoft.com/office/drawing/2014/main" id="{2E2E6C0C-8E3E-F63A-94DC-B2C8666AC9AA}"/>
               </a:ext>
             </a:extLst>
           </p:cNvPr>
@@ -17314,14 +18858,33 @@
         </p:nvSpPr>
         <p:spPr/>
         <p:txBody>
-          <a:bodyPr>
-            <a:normAutofit/>
-          </a:bodyPr>
+          <a:bodyPr/>
           <a:lstStyle/>
           <a:p>
             <a:r>
               <a:rPr lang="en-US" dirty="0"/>
-              <a:t>Suppose that we want to become producers of Monmouth College branded pencils. </a:t>
+              <a:t>Returns to Scale</a:t>
+            </a:r>
+          </a:p>
+          <a:p>
+            <a:pPr lvl="1"/>
+            <a:r>
+              <a:rPr lang="en-US" dirty="0"/>
+              <a:t>Constant Returns to Scale</a:t>
+            </a:r>
+          </a:p>
+          <a:p>
+            <a:pPr lvl="1"/>
+            <a:r>
+              <a:rPr lang="en-US" dirty="0"/>
+              <a:t>Increasing Returns to Scale</a:t>
+            </a:r>
+          </a:p>
+          <a:p>
+            <a:pPr lvl="1"/>
+            <a:r>
+              <a:rPr lang="en-US" dirty="0"/>
+              <a:t>Decreasing Returns to Scale</a:t>
             </a:r>
           </a:p>
           <a:p>
@@ -17331,62 +18894,41 @@
           <a:p>
             <a:r>
               <a:rPr lang="en-US" dirty="0"/>
-              <a:t>Ignoring production costs for a moment, what are some questions we need to answer? </a:t>
+              <a:t>Technical Progress</a:t>
             </a:r>
           </a:p>
           <a:p>
-            <a:pPr marL="1828800" lvl="3" indent="-457200">
-              <a:buFont typeface="+mj-lt"/>
-              <a:buAutoNum type="arabicPeriod"/>
-            </a:pPr>
+            <a:pPr lvl="3"/>
             <a:endParaRPr lang="en-US" dirty="0"/>
           </a:p>
           <a:p>
-            <a:pPr marL="457200" indent="-457200">
-              <a:buFont typeface="+mj-lt"/>
-              <a:buAutoNum type="arabicPeriod"/>
-            </a:pPr>
             <a:r>
               <a:rPr lang="en-US" dirty="0"/>
-              <a:t>What are the required inputs?</a:t>
+              <a:t>Types of Production Functions</a:t>
             </a:r>
           </a:p>
           <a:p>
-            <a:pPr marL="1828800" lvl="3" indent="-457200">
-              <a:buFont typeface="+mj-lt"/>
-              <a:buAutoNum type="arabicPeriod"/>
-            </a:pPr>
-            <a:endParaRPr lang="en-US" dirty="0"/>
-          </a:p>
-          <a:p>
-            <a:pPr marL="457200" indent="-457200">
-              <a:buFont typeface="+mj-lt"/>
-              <a:buAutoNum type="arabicPeriod"/>
-            </a:pPr>
+            <a:pPr lvl="1"/>
             <a:r>
               <a:rPr lang="en-US" dirty="0"/>
-              <a:t>How do we combine these inputs to create output?</a:t>
+              <a:t>Cobb-Douglas Production Functions</a:t>
             </a:r>
           </a:p>
           <a:p>
-            <a:pPr marL="1828800" lvl="3" indent="-457200">
-              <a:buFont typeface="+mj-lt"/>
-              <a:buAutoNum type="arabicPeriod"/>
-            </a:pPr>
-            <a:endParaRPr lang="en-US" dirty="0"/>
-          </a:p>
-          <a:p>
-            <a:pPr marL="457200" indent="-457200">
-              <a:buFont typeface="+mj-lt"/>
-              <a:buAutoNum type="arabicPeriod"/>
-            </a:pPr>
+            <a:pPr lvl="1"/>
             <a:r>
               <a:rPr lang="en-US" dirty="0"/>
-              <a:t>How much of each input do we need?</a:t>
+              <a:t>Linear Production Functions</a:t>
             </a:r>
           </a:p>
           <a:p>
             <a:pPr lvl="1"/>
+            <a:r>
+              <a:rPr lang="en-US" dirty="0"/>
+              <a:t>Leontief Production Functions</a:t>
+            </a:r>
+          </a:p>
+          <a:p>
             <a:endParaRPr lang="en-US" dirty="0"/>
           </a:p>
         </p:txBody>
@@ -17396,7 +18938,7 @@
           <p:cNvPr id="4" name="Date Placeholder 3">
             <a:extLst>
               <a:ext uri="{FF2B5EF4-FFF2-40B4-BE49-F238E27FC236}">
-                <a16:creationId xmlns:a16="http://schemas.microsoft.com/office/drawing/2014/main" id="{B09CFCAE-B4E3-649B-FDB7-488E4E51258C}"/>
+                <a16:creationId xmlns:a16="http://schemas.microsoft.com/office/drawing/2014/main" id="{777ABE25-B42C-3D2E-C186-37BEE09D8271}"/>
               </a:ext>
             </a:extLst>
           </p:cNvPr>
@@ -17413,9 +18955,10 @@
           <a:lstStyle/>
           <a:p>
             <a:r>
-              <a:rPr lang="en-US" dirty="0"/>
+              <a:rPr lang="en-US"/>
               <a:t>Fall 2023</a:t>
             </a:r>
+            <a:endParaRPr lang="en-US" dirty="0"/>
           </a:p>
         </p:txBody>
       </p:sp>
@@ -17424,7 +18967,7 @@
           <p:cNvPr id="5" name="Footer Placeholder 4">
             <a:extLst>
               <a:ext uri="{FF2B5EF4-FFF2-40B4-BE49-F238E27FC236}">
-                <a16:creationId xmlns:a16="http://schemas.microsoft.com/office/drawing/2014/main" id="{52AC4525-C5C8-8596-B2EA-0E2C5344302C}"/>
+                <a16:creationId xmlns:a16="http://schemas.microsoft.com/office/drawing/2014/main" id="{14021A58-B42E-85DB-CADA-E0B9F273A2C7}"/>
               </a:ext>
             </a:extLst>
           </p:cNvPr>
@@ -17441,9 +18984,10 @@
           <a:lstStyle/>
           <a:p>
             <a:r>
-              <a:rPr lang="en-US" dirty="0"/>
+              <a:rPr lang="en-US"/>
               <a:t>DEPARTMENT OF BUSINESS &amp; ECONOMICS</a:t>
             </a:r>
+            <a:endParaRPr lang="en-US" dirty="0"/>
           </a:p>
         </p:txBody>
       </p:sp>
@@ -17452,7 +18996,7 @@
           <p:cNvPr id="6" name="Slide Number Placeholder 5">
             <a:extLst>
               <a:ext uri="{FF2B5EF4-FFF2-40B4-BE49-F238E27FC236}">
-                <a16:creationId xmlns:a16="http://schemas.microsoft.com/office/drawing/2014/main" id="{1E261E69-6082-7B91-F48A-C4702A4B503E}"/>
+                <a16:creationId xmlns:a16="http://schemas.microsoft.com/office/drawing/2014/main" id="{E124C68B-8774-3167-7445-570F567A57A5}"/>
               </a:ext>
             </a:extLst>
           </p:cNvPr>
@@ -17470,7 +19014,7 @@
           <a:p>
             <a:fld id="{1A980C56-831A-4EAB-9EDE-57C090F4F877}" type="slidenum">
               <a:rPr lang="en-US" smtClean="0"/>
-              <a:t>3</a:t>
+              <a:t>31</a:t>
             </a:fld>
             <a:endParaRPr lang="en-US" dirty="0"/>
           </a:p>
@@ -17479,7 +19023,7 @@
     </p:spTree>
     <p:extLst>
       <p:ext uri="{BB962C8B-B14F-4D97-AF65-F5344CB8AC3E}">
-        <p14:creationId xmlns:p14="http://schemas.microsoft.com/office/powerpoint/2010/main" val="4029919660"/>
+        <p14:creationId xmlns:p14="http://schemas.microsoft.com/office/powerpoint/2010/main" val="2634615616"/>
       </p:ext>
     </p:extLst>
   </p:cSld>
@@ -17549,33 +19093,15 @@
                                   </p:childTnLst>
                                 </p:cTn>
                               </p:par>
-                            </p:childTnLst>
-                          </p:cTn>
-                        </p:par>
-                      </p:childTnLst>
-                    </p:cTn>
-                  </p:par>
-                  <p:par>
-                    <p:cTn id="8" fill="hold">
-                      <p:stCondLst>
-                        <p:cond delay="indefinite"/>
-                      </p:stCondLst>
-                      <p:childTnLst>
-                        <p:par>
-                          <p:cTn id="9" fill="hold">
-                            <p:stCondLst>
-                              <p:cond delay="0"/>
-                            </p:stCondLst>
-                            <p:childTnLst>
                               <p:par>
-                                <p:cTn id="10" presetID="10" presetClass="entr" presetSubtype="0" fill="hold" nodeType="clickEffect">
+                                <p:cTn id="8" presetID="10" presetClass="entr" presetSubtype="0" fill="hold" nodeType="withEffect">
                                   <p:stCondLst>
                                     <p:cond delay="0"/>
                                   </p:stCondLst>
                                   <p:childTnLst>
                                     <p:set>
                                       <p:cBhvr>
-                                        <p:cTn id="11" dur="1" fill="hold">
+                                        <p:cTn id="9" dur="1" fill="hold">
                                           <p:stCondLst>
                                             <p:cond delay="0"/>
                                           </p:stCondLst>
@@ -17583,7 +19109,7 @@
                                         <p:tgtEl>
                                           <p:spTgt spid="3">
                                             <p:txEl>
-                                              <p:pRg st="2" end="2"/>
+                                              <p:pRg st="1" end="1"/>
                                             </p:txEl>
                                           </p:spTgt>
                                         </p:tgtEl>
@@ -17597,11 +19123,97 @@
                                     </p:set>
                                     <p:animEffect transition="in" filter="fade">
                                       <p:cBhvr>
-                                        <p:cTn id="12" dur="500"/>
+                                        <p:cTn id="10" dur="500"/>
                                         <p:tgtEl>
                                           <p:spTgt spid="3">
                                             <p:txEl>
+                                              <p:pRg st="1" end="1"/>
+                                            </p:txEl>
+                                          </p:spTgt>
+                                        </p:tgtEl>
+                                      </p:cBhvr>
+                                    </p:animEffect>
+                                  </p:childTnLst>
+                                </p:cTn>
+                              </p:par>
+                              <p:par>
+                                <p:cTn id="11" presetID="10" presetClass="entr" presetSubtype="0" fill="hold" nodeType="withEffect">
+                                  <p:stCondLst>
+                                    <p:cond delay="0"/>
+                                  </p:stCondLst>
+                                  <p:childTnLst>
+                                    <p:set>
+                                      <p:cBhvr>
+                                        <p:cTn id="12" dur="1" fill="hold">
+                                          <p:stCondLst>
+                                            <p:cond delay="0"/>
+                                          </p:stCondLst>
+                                        </p:cTn>
+                                        <p:tgtEl>
+                                          <p:spTgt spid="3">
+                                            <p:txEl>
                                               <p:pRg st="2" end="2"/>
+                                            </p:txEl>
+                                          </p:spTgt>
+                                        </p:tgtEl>
+                                        <p:attrNameLst>
+                                          <p:attrName>style.visibility</p:attrName>
+                                        </p:attrNameLst>
+                                      </p:cBhvr>
+                                      <p:to>
+                                        <p:strVal val="visible"/>
+                                      </p:to>
+                                    </p:set>
+                                    <p:animEffect transition="in" filter="fade">
+                                      <p:cBhvr>
+                                        <p:cTn id="13" dur="500"/>
+                                        <p:tgtEl>
+                                          <p:spTgt spid="3">
+                                            <p:txEl>
+                                              <p:pRg st="2" end="2"/>
+                                            </p:txEl>
+                                          </p:spTgt>
+                                        </p:tgtEl>
+                                      </p:cBhvr>
+                                    </p:animEffect>
+                                  </p:childTnLst>
+                                </p:cTn>
+                              </p:par>
+                              <p:par>
+                                <p:cTn id="14" presetID="10" presetClass="entr" presetSubtype="0" fill="hold" nodeType="withEffect">
+                                  <p:stCondLst>
+                                    <p:cond delay="0"/>
+                                  </p:stCondLst>
+                                  <p:childTnLst>
+                                    <p:set>
+                                      <p:cBhvr>
+                                        <p:cTn id="15" dur="1" fill="hold">
+                                          <p:stCondLst>
+                                            <p:cond delay="0"/>
+                                          </p:stCondLst>
+                                        </p:cTn>
+                                        <p:tgtEl>
+                                          <p:spTgt spid="3">
+                                            <p:txEl>
+                                              <p:pRg st="3" end="3"/>
+                                            </p:txEl>
+                                          </p:spTgt>
+                                        </p:tgtEl>
+                                        <p:attrNameLst>
+                                          <p:attrName>style.visibility</p:attrName>
+                                        </p:attrNameLst>
+                                      </p:cBhvr>
+                                      <p:to>
+                                        <p:strVal val="visible"/>
+                                      </p:to>
+                                    </p:set>
+                                    <p:animEffect transition="in" filter="fade">
+                                      <p:cBhvr>
+                                        <p:cTn id="16" dur="500"/>
+                                        <p:tgtEl>
+                                          <p:spTgt spid="3">
+                                            <p:txEl>
+                                              <p:pRg st="3" end="3"/>
                                             </p:txEl>
                                           </p:spTgt>
                                         </p:tgtEl>
@@ -17617,26 +19229,26 @@
                     </p:cTn>
                   </p:par>
                   <p:par>
-                    <p:cTn id="13" fill="hold">
+                    <p:cTn id="17" fill="hold">
                       <p:stCondLst>
                         <p:cond delay="indefinite"/>
                       </p:stCondLst>
                       <p:childTnLst>
                         <p:par>
-                          <p:cTn id="14" fill="hold">
+                          <p:cTn id="18" fill="hold">
                             <p:stCondLst>
                               <p:cond delay="0"/>
                             </p:stCondLst>
                             <p:childTnLst>
                               <p:par>
-                                <p:cTn id="15" presetID="10" presetClass="entr" presetSubtype="0" fill="hold" nodeType="clickEffect">
+                                <p:cTn id="19" presetID="10" presetClass="entr" presetSubtype="0" fill="hold" nodeType="clickEffect">
                                   <p:stCondLst>
                                     <p:cond delay="0"/>
                                   </p:stCondLst>
                                   <p:childTnLst>
                                     <p:set>
                                       <p:cBhvr>
-                                        <p:cTn id="16" dur="1" fill="hold">
+                                        <p:cTn id="20" dur="1" fill="hold">
                                           <p:stCondLst>
                                             <p:cond delay="0"/>
                                           </p:stCondLst>
@@ -17644,7 +19256,7 @@
                                         <p:tgtEl>
                                           <p:spTgt spid="3">
                                             <p:txEl>
-                                              <p:pRg st="4" end="4"/>
+                                              <p:pRg st="5" end="5"/>
                                             </p:txEl>
                                           </p:spTgt>
                                         </p:tgtEl>
@@ -17658,11 +19270,11 @@
                                     </p:set>
                                     <p:animEffect transition="in" filter="fade">
                                       <p:cBhvr>
-                                        <p:cTn id="17" dur="500"/>
+                                        <p:cTn id="21" dur="500"/>
                                         <p:tgtEl>
                                           <p:spTgt spid="3">
                                             <p:txEl>
-                                              <p:pRg st="4" end="4"/>
+                                              <p:pRg st="5" end="5"/>
                                             </p:txEl>
                                           </p:spTgt>
                                         </p:tgtEl>
@@ -17678,26 +19290,26 @@
                     </p:cTn>
                   </p:par>
                   <p:par>
-                    <p:cTn id="18" fill="hold">
+                    <p:cTn id="22" fill="hold">
                       <p:stCondLst>
                         <p:cond delay="indefinite"/>
                       </p:stCondLst>
                       <p:childTnLst>
                         <p:par>
-                          <p:cTn id="19" fill="hold">
+                          <p:cTn id="23" fill="hold">
                             <p:stCondLst>
                               <p:cond delay="0"/>
                             </p:stCondLst>
                             <p:childTnLst>
                               <p:par>
-                                <p:cTn id="20" presetID="10" presetClass="entr" presetSubtype="0" fill="hold" nodeType="clickEffect">
+                                <p:cTn id="24" presetID="10" presetClass="entr" presetSubtype="0" fill="hold" nodeType="clickEffect">
                                   <p:stCondLst>
                                     <p:cond delay="0"/>
                                   </p:stCondLst>
                                   <p:childTnLst>
                                     <p:set>
                                       <p:cBhvr>
-                                        <p:cTn id="21" dur="1" fill="hold">
+                                        <p:cTn id="25" dur="1" fill="hold">
                                           <p:stCondLst>
                                             <p:cond delay="0"/>
                                           </p:stCondLst>
@@ -17705,7 +19317,7 @@
                                         <p:tgtEl>
                                           <p:spTgt spid="3">
                                             <p:txEl>
-                                              <p:pRg st="6" end="6"/>
+                                              <p:pRg st="7" end="7"/>
                                             </p:txEl>
                                           </p:spTgt>
                                         </p:tgtEl>
@@ -17719,11 +19331,11 @@
                                     </p:set>
                                     <p:animEffect transition="in" filter="fade">
                                       <p:cBhvr>
-                                        <p:cTn id="22" dur="500"/>
+                                        <p:cTn id="26" dur="500"/>
                                         <p:tgtEl>
                                           <p:spTgt spid="3">
                                             <p:txEl>
-                                              <p:pRg st="6" end="6"/>
+                                              <p:pRg st="7" end="7"/>
                                             </p:txEl>
                                           </p:spTgt>
                                         </p:tgtEl>
@@ -17732,33 +19344,15 @@
                                   </p:childTnLst>
                                 </p:cTn>
                               </p:par>
-                            </p:childTnLst>
-                          </p:cTn>
-                        </p:par>
-                      </p:childTnLst>
-                    </p:cTn>
-                  </p:par>
-                  <p:par>
-                    <p:cTn id="23" fill="hold">
-                      <p:stCondLst>
-                        <p:cond delay="indefinite"/>
-                      </p:stCondLst>
-                      <p:childTnLst>
-                        <p:par>
-                          <p:cTn id="24" fill="hold">
-                            <p:stCondLst>
-                              <p:cond delay="0"/>
-                            </p:stCondLst>
-                            <p:childTnLst>
                               <p:par>
-                                <p:cTn id="25" presetID="10" presetClass="entr" presetSubtype="0" fill="hold" nodeType="clickEffect">
+                                <p:cTn id="27" presetID="10" presetClass="entr" presetSubtype="0" fill="hold" nodeType="withEffect">
                                   <p:stCondLst>
                                     <p:cond delay="0"/>
                                   </p:stCondLst>
                                   <p:childTnLst>
                                     <p:set>
                                       <p:cBhvr>
-                                        <p:cTn id="26" dur="1" fill="hold">
+                                        <p:cTn id="28" dur="1" fill="hold">
                                           <p:stCondLst>
                                             <p:cond delay="0"/>
                                           </p:stCondLst>
@@ -17780,11 +19374,97 @@
                                     </p:set>
                                     <p:animEffect transition="in" filter="fade">
                                       <p:cBhvr>
-                                        <p:cTn id="27" dur="500"/>
+                                        <p:cTn id="29" dur="500"/>
                                         <p:tgtEl>
                                           <p:spTgt spid="3">
                                             <p:txEl>
                                               <p:pRg st="8" end="8"/>
+                                            </p:txEl>
+                                          </p:spTgt>
+                                        </p:tgtEl>
+                                      </p:cBhvr>
+                                    </p:animEffect>
+                                  </p:childTnLst>
+                                </p:cTn>
+                              </p:par>
+                              <p:par>
+                                <p:cTn id="30" presetID="10" presetClass="entr" presetSubtype="0" fill="hold" nodeType="withEffect">
+                                  <p:stCondLst>
+                                    <p:cond delay="0"/>
+                                  </p:stCondLst>
+                                  <p:childTnLst>
+                                    <p:set>
+                                      <p:cBhvr>
+                                        <p:cTn id="31" dur="1" fill="hold">
+                                          <p:stCondLst>
+                                            <p:cond delay="0"/>
+                                          </p:stCondLst>
+                                        </p:cTn>
+                                        <p:tgtEl>
+                                          <p:spTgt spid="3">
+                                            <p:txEl>
+                                              <p:pRg st="9" end="9"/>
+                                            </p:txEl>
+                                          </p:spTgt>
+                                        </p:tgtEl>
+                                        <p:attrNameLst>
+                                          <p:attrName>style.visibility</p:attrName>
+                                        </p:attrNameLst>
+                                      </p:cBhvr>
+                                      <p:to>
+                                        <p:strVal val="visible"/>
+                                      </p:to>
+                                    </p:set>
+                                    <p:animEffect transition="in" filter="fade">
+                                      <p:cBhvr>
+                                        <p:cTn id="32" dur="500"/>
+                                        <p:tgtEl>
+                                          <p:spTgt spid="3">
+                                            <p:txEl>
+                                              <p:pRg st="9" end="9"/>
+                                            </p:txEl>
+                                          </p:spTgt>
+                                        </p:tgtEl>
+                                      </p:cBhvr>
+                                    </p:animEffect>
+                                  </p:childTnLst>
+                                </p:cTn>
+                              </p:par>
+                              <p:par>
+                                <p:cTn id="33" presetID="10" presetClass="entr" presetSubtype="0" fill="hold" nodeType="withEffect">
+                                  <p:stCondLst>
+                                    <p:cond delay="0"/>
+                                  </p:stCondLst>
+                                  <p:childTnLst>
+                                    <p:set>
+                                      <p:cBhvr>
+                                        <p:cTn id="34" dur="1" fill="hold">
+                                          <p:stCondLst>
+                                            <p:cond delay="0"/>
+                                          </p:stCondLst>
+                                        </p:cTn>
+                                        <p:tgtEl>
+                                          <p:spTgt spid="3">
+                                            <p:txEl>
+                                              <p:pRg st="10" end="10"/>
+                                            </p:txEl>
+                                          </p:spTgt>
+                                        </p:tgtEl>
+                                        <p:attrNameLst>
+                                          <p:attrName>style.visibility</p:attrName>
+                                        </p:attrNameLst>
+                                      </p:cBhvr>
+                                      <p:to>
+                                        <p:strVal val="visible"/>
+                                      </p:to>
+                                    </p:set>
+                                    <p:animEffect transition="in" filter="fade">
+                                      <p:cBhvr>
+                                        <p:cTn id="35" dur="500"/>
+                                        <p:tgtEl>
+                                          <p:spTgt spid="3">
+                                            <p:txEl>
+                                              <p:pRg st="10" end="10"/>
                                             </p:txEl>
                                           </p:spTgt>
                                         </p:tgtEl>
@@ -17824,7 +19504,7 @@
 </p:sld>
 </file>
 
-<file path=ppt/slides/slide30.xml><?xml version="1.0" encoding="utf-8"?>
+<file path=ppt/slides/slide32.xml><?xml version="1.0" encoding="utf-8"?>
 <p:sld xmlns:a="http://schemas.openxmlformats.org/drawingml/2006/main" xmlns:r="http://schemas.openxmlformats.org/officeDocument/2006/relationships" xmlns:p="http://schemas.openxmlformats.org/presentationml/2006/main">
   <p:cSld>
     <p:spTree>
@@ -18120,7 +19800,7 @@
           <a:p>
             <a:fld id="{1A980C56-831A-4EAB-9EDE-57C090F4F877}" type="slidenum">
               <a:rPr lang="en-US" smtClean="0"/>
-              <a:t>30</a:t>
+              <a:t>32</a:t>
             </a:fld>
             <a:endParaRPr lang="en-US" dirty="0"/>
           </a:p>
@@ -18535,7 +20215,7 @@
 </p:sld>
 </file>
 
-<file path=ppt/slides/slide31.xml><?xml version="1.0" encoding="utf-8"?>
+<file path=ppt/slides/slide33.xml><?xml version="1.0" encoding="utf-8"?>
 <p:sld xmlns:a="http://schemas.openxmlformats.org/drawingml/2006/main" xmlns:r="http://schemas.openxmlformats.org/officeDocument/2006/relationships" xmlns:p="http://schemas.openxmlformats.org/presentationml/2006/main">
   <p:cSld>
     <p:spTree>
@@ -18966,7 +20646,7 @@
           <a:p>
             <a:fld id="{1A980C56-831A-4EAB-9EDE-57C090F4F877}" type="slidenum">
               <a:rPr lang="en-US" smtClean="0"/>
-              <a:t>31</a:t>
+              <a:t>33</a:t>
             </a:fld>
             <a:endParaRPr lang="en-US" dirty="0"/>
           </a:p>
@@ -19387,7 +21067,7 @@
 </p:sld>
 </file>
 
-<file path=ppt/slides/slide32.xml><?xml version="1.0" encoding="utf-8"?>
+<file path=ppt/slides/slide34.xml><?xml version="1.0" encoding="utf-8"?>
 <p:sld xmlns:a="http://schemas.openxmlformats.org/drawingml/2006/main" xmlns:r="http://schemas.openxmlformats.org/officeDocument/2006/relationships" xmlns:p="http://schemas.openxmlformats.org/presentationml/2006/main">
   <p:cSld>
     <p:spTree>
@@ -19806,7 +21486,7 @@
           <a:p>
             <a:fld id="{1A980C56-831A-4EAB-9EDE-57C090F4F877}" type="slidenum">
               <a:rPr lang="en-US" smtClean="0"/>
-              <a:t>32</a:t>
+              <a:t>34</a:t>
             </a:fld>
             <a:endParaRPr lang="en-US" dirty="0"/>
           </a:p>
@@ -20184,7 +21864,7 @@
 </p:sld>
 </file>
 
-<file path=ppt/slides/slide33.xml><?xml version="1.0" encoding="utf-8"?>
+<file path=ppt/slides/slide35.xml><?xml version="1.0" encoding="utf-8"?>
 <p:sld xmlns:a="http://schemas.openxmlformats.org/drawingml/2006/main" xmlns:r="http://schemas.openxmlformats.org/officeDocument/2006/relationships" xmlns:p="http://schemas.openxmlformats.org/presentationml/2006/main">
   <p:cSld>
     <p:spTree>
@@ -20603,7 +22283,7 @@
           <a:p>
             <a:fld id="{1A980C56-831A-4EAB-9EDE-57C090F4F877}" type="slidenum">
               <a:rPr lang="en-US" smtClean="0"/>
-              <a:t>33</a:t>
+              <a:t>35</a:t>
             </a:fld>
             <a:endParaRPr lang="en-US" dirty="0"/>
           </a:p>
@@ -20981,7 +22661,7 @@
 </p:sld>
 </file>
 
-<file path=ppt/slides/slide34.xml><?xml version="1.0" encoding="utf-8"?>
+<file path=ppt/slides/slide36.xml><?xml version="1.0" encoding="utf-8"?>
 <p:sld xmlns:a="http://schemas.openxmlformats.org/drawingml/2006/main" xmlns:r="http://schemas.openxmlformats.org/officeDocument/2006/relationships" xmlns:p="http://schemas.openxmlformats.org/presentationml/2006/main">
   <p:cSld>
     <p:spTree>
@@ -21155,7 +22835,7 @@
           <a:p>
             <a:fld id="{1A980C56-831A-4EAB-9EDE-57C090F4F877}" type="slidenum">
               <a:rPr lang="en-US" smtClean="0"/>
-              <a:t>34</a:t>
+              <a:t>36</a:t>
             </a:fld>
             <a:endParaRPr lang="en-US" dirty="0"/>
           </a:p>
@@ -21387,7 +23067,7 @@
 </p:sld>
 </file>
 
-<file path=ppt/slides/slide35.xml><?xml version="1.0" encoding="utf-8"?>
+<file path=ppt/slides/slide37.xml><?xml version="1.0" encoding="utf-8"?>
 <p:sld xmlns:a="http://schemas.openxmlformats.org/drawingml/2006/main" xmlns:r="http://schemas.openxmlformats.org/officeDocument/2006/relationships" xmlns:p="http://schemas.openxmlformats.org/presentationml/2006/main">
   <p:cSld>
     <p:spTree>
@@ -21571,7 +23251,7 @@
           <a:p>
             <a:fld id="{1A980C56-831A-4EAB-9EDE-57C090F4F877}" type="slidenum">
               <a:rPr lang="en-US" smtClean="0"/>
-              <a:t>35</a:t>
+              <a:t>37</a:t>
             </a:fld>
             <a:endParaRPr lang="en-US" dirty="0"/>
           </a:p>
@@ -21660,7 +23340,7 @@
 </p:sld>
 </file>
 
-<file path=ppt/slides/slide36.xml><?xml version="1.0" encoding="utf-8"?>
+<file path=ppt/slides/slide38.xml><?xml version="1.0" encoding="utf-8"?>
 <p:sld xmlns:a="http://schemas.openxmlformats.org/drawingml/2006/main" xmlns:r="http://schemas.openxmlformats.org/officeDocument/2006/relationships" xmlns:p="http://schemas.openxmlformats.org/presentationml/2006/main">
   <p:cSld>
     <p:spTree>
@@ -22194,7 +23874,7 @@
           <a:p>
             <a:fld id="{1A980C56-831A-4EAB-9EDE-57C090F4F877}" type="slidenum">
               <a:rPr lang="en-US" smtClean="0"/>
-              <a:t>36</a:t>
+              <a:t>38</a:t>
             </a:fld>
             <a:endParaRPr lang="en-US" dirty="0"/>
           </a:p>
@@ -22210,6 +23890,409 @@
   <p:clrMapOvr>
     <a:masterClrMapping/>
   </p:clrMapOvr>
+  <p:timing>
+    <p:tnLst>
+      <p:par>
+        <p:cTn id="1" dur="indefinite" restart="never" nodeType="tmRoot">
+          <p:childTnLst>
+            <p:seq concurrent="1" nextAc="seek">
+              <p:cTn id="2" dur="indefinite" nodeType="mainSeq">
+                <p:childTnLst>
+                  <p:par>
+                    <p:cTn id="3" fill="hold">
+                      <p:stCondLst>
+                        <p:cond delay="indefinite"/>
+                      </p:stCondLst>
+                      <p:childTnLst>
+                        <p:par>
+                          <p:cTn id="4" fill="hold">
+                            <p:stCondLst>
+                              <p:cond delay="0"/>
+                            </p:stCondLst>
+                            <p:childTnLst>
+                              <p:par>
+                                <p:cTn id="5" presetID="10" presetClass="entr" presetSubtype="0" fill="hold" nodeType="clickEffect">
+                                  <p:stCondLst>
+                                    <p:cond delay="0"/>
+                                  </p:stCondLst>
+                                  <p:childTnLst>
+                                    <p:set>
+                                      <p:cBhvr>
+                                        <p:cTn id="6" dur="1" fill="hold">
+                                          <p:stCondLst>
+                                            <p:cond delay="0"/>
+                                          </p:stCondLst>
+                                        </p:cTn>
+                                        <p:tgtEl>
+                                          <p:spTgt spid="3">
+                                            <p:txEl>
+                                              <p:pRg st="0" end="0"/>
+                                            </p:txEl>
+                                          </p:spTgt>
+                                        </p:tgtEl>
+                                        <p:attrNameLst>
+                                          <p:attrName>style.visibility</p:attrName>
+                                        </p:attrNameLst>
+                                      </p:cBhvr>
+                                      <p:to>
+                                        <p:strVal val="visible"/>
+                                      </p:to>
+                                    </p:set>
+                                    <p:animEffect transition="in" filter="fade">
+                                      <p:cBhvr>
+                                        <p:cTn id="7" dur="500"/>
+                                        <p:tgtEl>
+                                          <p:spTgt spid="3">
+                                            <p:txEl>
+                                              <p:pRg st="0" end="0"/>
+                                            </p:txEl>
+                                          </p:spTgt>
+                                        </p:tgtEl>
+                                      </p:cBhvr>
+                                    </p:animEffect>
+                                  </p:childTnLst>
+                                </p:cTn>
+                              </p:par>
+                            </p:childTnLst>
+                          </p:cTn>
+                        </p:par>
+                      </p:childTnLst>
+                    </p:cTn>
+                  </p:par>
+                  <p:par>
+                    <p:cTn id="8" fill="hold">
+                      <p:stCondLst>
+                        <p:cond delay="indefinite"/>
+                      </p:stCondLst>
+                      <p:childTnLst>
+                        <p:par>
+                          <p:cTn id="9" fill="hold">
+                            <p:stCondLst>
+                              <p:cond delay="0"/>
+                            </p:stCondLst>
+                            <p:childTnLst>
+                              <p:par>
+                                <p:cTn id="10" presetID="10" presetClass="entr" presetSubtype="0" fill="hold" nodeType="clickEffect">
+                                  <p:stCondLst>
+                                    <p:cond delay="0"/>
+                                  </p:stCondLst>
+                                  <p:childTnLst>
+                                    <p:set>
+                                      <p:cBhvr>
+                                        <p:cTn id="11" dur="1" fill="hold">
+                                          <p:stCondLst>
+                                            <p:cond delay="0"/>
+                                          </p:stCondLst>
+                                        </p:cTn>
+                                        <p:tgtEl>
+                                          <p:spTgt spid="3">
+                                            <p:txEl>
+                                              <p:pRg st="2" end="2"/>
+                                            </p:txEl>
+                                          </p:spTgt>
+                                        </p:tgtEl>
+                                        <p:attrNameLst>
+                                          <p:attrName>style.visibility</p:attrName>
+                                        </p:attrNameLst>
+                                      </p:cBhvr>
+                                      <p:to>
+                                        <p:strVal val="visible"/>
+                                      </p:to>
+                                    </p:set>
+                                    <p:animEffect transition="in" filter="fade">
+                                      <p:cBhvr>
+                                        <p:cTn id="12" dur="500"/>
+                                        <p:tgtEl>
+                                          <p:spTgt spid="3">
+                                            <p:txEl>
+                                              <p:pRg st="2" end="2"/>
+                                            </p:txEl>
+                                          </p:spTgt>
+                                        </p:tgtEl>
+                                      </p:cBhvr>
+                                    </p:animEffect>
+                                  </p:childTnLst>
+                                </p:cTn>
+                              </p:par>
+                              <p:par>
+                                <p:cTn id="13" presetID="10" presetClass="entr" presetSubtype="0" fill="hold" nodeType="withEffect">
+                                  <p:stCondLst>
+                                    <p:cond delay="0"/>
+                                  </p:stCondLst>
+                                  <p:childTnLst>
+                                    <p:set>
+                                      <p:cBhvr>
+                                        <p:cTn id="14" dur="1" fill="hold">
+                                          <p:stCondLst>
+                                            <p:cond delay="0"/>
+                                          </p:stCondLst>
+                                        </p:cTn>
+                                        <p:tgtEl>
+                                          <p:spTgt spid="3">
+                                            <p:txEl>
+                                              <p:pRg st="4" end="4"/>
+                                            </p:txEl>
+                                          </p:spTgt>
+                                        </p:tgtEl>
+                                        <p:attrNameLst>
+                                          <p:attrName>style.visibility</p:attrName>
+                                        </p:attrNameLst>
+                                      </p:cBhvr>
+                                      <p:to>
+                                        <p:strVal val="visible"/>
+                                      </p:to>
+                                    </p:set>
+                                    <p:animEffect transition="in" filter="fade">
+                                      <p:cBhvr>
+                                        <p:cTn id="15" dur="500"/>
+                                        <p:tgtEl>
+                                          <p:spTgt spid="3">
+                                            <p:txEl>
+                                              <p:pRg st="4" end="4"/>
+                                            </p:txEl>
+                                          </p:spTgt>
+                                        </p:tgtEl>
+                                      </p:cBhvr>
+                                    </p:animEffect>
+                                  </p:childTnLst>
+                                </p:cTn>
+                              </p:par>
+                            </p:childTnLst>
+                          </p:cTn>
+                        </p:par>
+                      </p:childTnLst>
+                    </p:cTn>
+                  </p:par>
+                  <p:par>
+                    <p:cTn id="16" fill="hold">
+                      <p:stCondLst>
+                        <p:cond delay="indefinite"/>
+                      </p:stCondLst>
+                      <p:childTnLst>
+                        <p:par>
+                          <p:cTn id="17" fill="hold">
+                            <p:stCondLst>
+                              <p:cond delay="0"/>
+                            </p:stCondLst>
+                            <p:childTnLst>
+                              <p:par>
+                                <p:cTn id="18" presetID="10" presetClass="entr" presetSubtype="0" fill="hold" nodeType="clickEffect">
+                                  <p:stCondLst>
+                                    <p:cond delay="0"/>
+                                  </p:stCondLst>
+                                  <p:childTnLst>
+                                    <p:set>
+                                      <p:cBhvr>
+                                        <p:cTn id="19" dur="1" fill="hold">
+                                          <p:stCondLst>
+                                            <p:cond delay="0"/>
+                                          </p:stCondLst>
+                                        </p:cTn>
+                                        <p:tgtEl>
+                                          <p:spTgt spid="3">
+                                            <p:txEl>
+                                              <p:pRg st="6" end="6"/>
+                                            </p:txEl>
+                                          </p:spTgt>
+                                        </p:tgtEl>
+                                        <p:attrNameLst>
+                                          <p:attrName>style.visibility</p:attrName>
+                                        </p:attrNameLst>
+                                      </p:cBhvr>
+                                      <p:to>
+                                        <p:strVal val="visible"/>
+                                      </p:to>
+                                    </p:set>
+                                    <p:animEffect transition="in" filter="fade">
+                                      <p:cBhvr>
+                                        <p:cTn id="20" dur="500"/>
+                                        <p:tgtEl>
+                                          <p:spTgt spid="3">
+                                            <p:txEl>
+                                              <p:pRg st="6" end="6"/>
+                                            </p:txEl>
+                                          </p:spTgt>
+                                        </p:tgtEl>
+                                      </p:cBhvr>
+                                    </p:animEffect>
+                                  </p:childTnLst>
+                                </p:cTn>
+                              </p:par>
+                              <p:par>
+                                <p:cTn id="21" presetID="10" presetClass="entr" presetSubtype="0" fill="hold" nodeType="withEffect">
+                                  <p:stCondLst>
+                                    <p:cond delay="0"/>
+                                  </p:stCondLst>
+                                  <p:childTnLst>
+                                    <p:set>
+                                      <p:cBhvr>
+                                        <p:cTn id="22" dur="1" fill="hold">
+                                          <p:stCondLst>
+                                            <p:cond delay="0"/>
+                                          </p:stCondLst>
+                                        </p:cTn>
+                                        <p:tgtEl>
+                                          <p:spTgt spid="3">
+                                            <p:txEl>
+                                              <p:pRg st="8" end="8"/>
+                                            </p:txEl>
+                                          </p:spTgt>
+                                        </p:tgtEl>
+                                        <p:attrNameLst>
+                                          <p:attrName>style.visibility</p:attrName>
+                                        </p:attrNameLst>
+                                      </p:cBhvr>
+                                      <p:to>
+                                        <p:strVal val="visible"/>
+                                      </p:to>
+                                    </p:set>
+                                    <p:animEffect transition="in" filter="fade">
+                                      <p:cBhvr>
+                                        <p:cTn id="23" dur="500"/>
+                                        <p:tgtEl>
+                                          <p:spTgt spid="3">
+                                            <p:txEl>
+                                              <p:pRg st="8" end="8"/>
+                                            </p:txEl>
+                                          </p:spTgt>
+                                        </p:tgtEl>
+                                      </p:cBhvr>
+                                    </p:animEffect>
+                                  </p:childTnLst>
+                                </p:cTn>
+                              </p:par>
+                            </p:childTnLst>
+                          </p:cTn>
+                        </p:par>
+                      </p:childTnLst>
+                    </p:cTn>
+                  </p:par>
+                  <p:par>
+                    <p:cTn id="24" fill="hold">
+                      <p:stCondLst>
+                        <p:cond delay="indefinite"/>
+                      </p:stCondLst>
+                      <p:childTnLst>
+                        <p:par>
+                          <p:cTn id="25" fill="hold">
+                            <p:stCondLst>
+                              <p:cond delay="0"/>
+                            </p:stCondLst>
+                            <p:childTnLst>
+                              <p:par>
+                                <p:cTn id="26" presetID="10" presetClass="entr" presetSubtype="0" fill="hold" nodeType="clickEffect">
+                                  <p:stCondLst>
+                                    <p:cond delay="0"/>
+                                  </p:stCondLst>
+                                  <p:childTnLst>
+                                    <p:set>
+                                      <p:cBhvr>
+                                        <p:cTn id="27" dur="1" fill="hold">
+                                          <p:stCondLst>
+                                            <p:cond delay="0"/>
+                                          </p:stCondLst>
+                                        </p:cTn>
+                                        <p:tgtEl>
+                                          <p:spTgt spid="3">
+                                            <p:txEl>
+                                              <p:pRg st="10" end="10"/>
+                                            </p:txEl>
+                                          </p:spTgt>
+                                        </p:tgtEl>
+                                        <p:attrNameLst>
+                                          <p:attrName>style.visibility</p:attrName>
+                                        </p:attrNameLst>
+                                      </p:cBhvr>
+                                      <p:to>
+                                        <p:strVal val="visible"/>
+                                      </p:to>
+                                    </p:set>
+                                    <p:animEffect transition="in" filter="fade">
+                                      <p:cBhvr>
+                                        <p:cTn id="28" dur="500"/>
+                                        <p:tgtEl>
+                                          <p:spTgt spid="3">
+                                            <p:txEl>
+                                              <p:pRg st="10" end="10"/>
+                                            </p:txEl>
+                                          </p:spTgt>
+                                        </p:tgtEl>
+                                      </p:cBhvr>
+                                    </p:animEffect>
+                                  </p:childTnLst>
+                                </p:cTn>
+                              </p:par>
+                              <p:par>
+                                <p:cTn id="29" presetID="10" presetClass="entr" presetSubtype="0" fill="hold" nodeType="withEffect">
+                                  <p:stCondLst>
+                                    <p:cond delay="0"/>
+                                  </p:stCondLst>
+                                  <p:childTnLst>
+                                    <p:set>
+                                      <p:cBhvr>
+                                        <p:cTn id="30" dur="1" fill="hold">
+                                          <p:stCondLst>
+                                            <p:cond delay="0"/>
+                                          </p:stCondLst>
+                                        </p:cTn>
+                                        <p:tgtEl>
+                                          <p:spTgt spid="3">
+                                            <p:txEl>
+                                              <p:pRg st="12" end="12"/>
+                                            </p:txEl>
+                                          </p:spTgt>
+                                        </p:tgtEl>
+                                        <p:attrNameLst>
+                                          <p:attrName>style.visibility</p:attrName>
+                                        </p:attrNameLst>
+                                      </p:cBhvr>
+                                      <p:to>
+                                        <p:strVal val="visible"/>
+                                      </p:to>
+                                    </p:set>
+                                    <p:animEffect transition="in" filter="fade">
+                                      <p:cBhvr>
+                                        <p:cTn id="31" dur="500"/>
+                                        <p:tgtEl>
+                                          <p:spTgt spid="3">
+                                            <p:txEl>
+                                              <p:pRg st="12" end="12"/>
+                                            </p:txEl>
+                                          </p:spTgt>
+                                        </p:tgtEl>
+                                      </p:cBhvr>
+                                    </p:animEffect>
+                                  </p:childTnLst>
+                                </p:cTn>
+                              </p:par>
+                            </p:childTnLst>
+                          </p:cTn>
+                        </p:par>
+                      </p:childTnLst>
+                    </p:cTn>
+                  </p:par>
+                </p:childTnLst>
+              </p:cTn>
+              <p:prevCondLst>
+                <p:cond evt="onPrev" delay="0">
+                  <p:tgtEl>
+                    <p:sldTgt/>
+                  </p:tgtEl>
+                </p:cond>
+              </p:prevCondLst>
+              <p:nextCondLst>
+                <p:cond evt="onNext" delay="0">
+                  <p:tgtEl>
+                    <p:sldTgt/>
+                  </p:tgtEl>
+                </p:cond>
+              </p:nextCondLst>
+            </p:seq>
+          </p:childTnLst>
+        </p:cTn>
+      </p:par>
+    </p:tnLst>
+  </p:timing>
 </p:sld>
 </file>
 
@@ -22253,6 +24336,579 @@
           <a:p>
             <a:r>
               <a:rPr lang="en-US" dirty="0"/>
+              <a:t>Production</a:t>
+            </a:r>
+          </a:p>
+        </p:txBody>
+      </p:sp>
+      <p:sp>
+        <p:nvSpPr>
+          <p:cNvPr id="3" name="Content Placeholder 2">
+            <a:extLst>
+              <a:ext uri="{FF2B5EF4-FFF2-40B4-BE49-F238E27FC236}">
+                <a16:creationId xmlns:a16="http://schemas.microsoft.com/office/drawing/2014/main" id="{5A717BAA-D4BA-C7EB-5696-203603829C7C}"/>
+              </a:ext>
+            </a:extLst>
+          </p:cNvPr>
+          <p:cNvSpPr>
+            <a:spLocks noGrp="1"/>
+          </p:cNvSpPr>
+          <p:nvPr>
+            <p:ph idx="1"/>
+          </p:nvPr>
+        </p:nvSpPr>
+        <p:spPr/>
+        <p:txBody>
+          <a:bodyPr>
+            <a:normAutofit/>
+          </a:bodyPr>
+          <a:lstStyle/>
+          <a:p>
+            <a:r>
+              <a:rPr lang="en-US" dirty="0"/>
+              <a:t>Suppose that we want to become producers of Monmouth College branded pencils. </a:t>
+            </a:r>
+          </a:p>
+          <a:p>
+            <a:pPr lvl="3"/>
+            <a:endParaRPr lang="en-US" dirty="0"/>
+          </a:p>
+          <a:p>
+            <a:r>
+              <a:rPr lang="en-US" dirty="0"/>
+              <a:t>Ignoring production costs for a moment, what are some questions we need to answer? </a:t>
+            </a:r>
+          </a:p>
+          <a:p>
+            <a:pPr marL="1828800" lvl="3" indent="-457200">
+              <a:buFont typeface="+mj-lt"/>
+              <a:buAutoNum type="arabicPeriod"/>
+            </a:pPr>
+            <a:endParaRPr lang="en-US" dirty="0"/>
+          </a:p>
+          <a:p>
+            <a:pPr marL="457200" indent="-457200">
+              <a:buFont typeface="+mj-lt"/>
+              <a:buAutoNum type="arabicPeriod"/>
+            </a:pPr>
+            <a:r>
+              <a:rPr lang="en-US" dirty="0"/>
+              <a:t>What are the required inputs?</a:t>
+            </a:r>
+          </a:p>
+          <a:p>
+            <a:pPr marL="1828800" lvl="3" indent="-457200">
+              <a:buFont typeface="+mj-lt"/>
+              <a:buAutoNum type="arabicPeriod"/>
+            </a:pPr>
+            <a:endParaRPr lang="en-US" dirty="0"/>
+          </a:p>
+          <a:p>
+            <a:pPr marL="457200" indent="-457200">
+              <a:buFont typeface="+mj-lt"/>
+              <a:buAutoNum type="arabicPeriod"/>
+            </a:pPr>
+            <a:r>
+              <a:rPr lang="en-US" dirty="0"/>
+              <a:t>How do we combine these inputs to create output?</a:t>
+            </a:r>
+          </a:p>
+          <a:p>
+            <a:pPr marL="1828800" lvl="3" indent="-457200">
+              <a:buFont typeface="+mj-lt"/>
+              <a:buAutoNum type="arabicPeriod"/>
+            </a:pPr>
+            <a:endParaRPr lang="en-US" dirty="0"/>
+          </a:p>
+          <a:p>
+            <a:pPr marL="457200" indent="-457200">
+              <a:buFont typeface="+mj-lt"/>
+              <a:buAutoNum type="arabicPeriod"/>
+            </a:pPr>
+            <a:r>
+              <a:rPr lang="en-US" dirty="0"/>
+              <a:t>How much of each input do we need?</a:t>
+            </a:r>
+          </a:p>
+          <a:p>
+            <a:pPr lvl="1"/>
+            <a:endParaRPr lang="en-US" dirty="0"/>
+          </a:p>
+        </p:txBody>
+      </p:sp>
+      <p:sp>
+        <p:nvSpPr>
+          <p:cNvPr id="4" name="Date Placeholder 3">
+            <a:extLst>
+              <a:ext uri="{FF2B5EF4-FFF2-40B4-BE49-F238E27FC236}">
+                <a16:creationId xmlns:a16="http://schemas.microsoft.com/office/drawing/2014/main" id="{B09CFCAE-B4E3-649B-FDB7-488E4E51258C}"/>
+              </a:ext>
+            </a:extLst>
+          </p:cNvPr>
+          <p:cNvSpPr>
+            <a:spLocks noGrp="1"/>
+          </p:cNvSpPr>
+          <p:nvPr>
+            <p:ph type="dt" sz="half" idx="10"/>
+          </p:nvPr>
+        </p:nvSpPr>
+        <p:spPr/>
+        <p:txBody>
+          <a:bodyPr/>
+          <a:lstStyle/>
+          <a:p>
+            <a:r>
+              <a:rPr lang="en-US" dirty="0"/>
+              <a:t>Fall 2023</a:t>
+            </a:r>
+          </a:p>
+        </p:txBody>
+      </p:sp>
+      <p:sp>
+        <p:nvSpPr>
+          <p:cNvPr id="5" name="Footer Placeholder 4">
+            <a:extLst>
+              <a:ext uri="{FF2B5EF4-FFF2-40B4-BE49-F238E27FC236}">
+                <a16:creationId xmlns:a16="http://schemas.microsoft.com/office/drawing/2014/main" id="{52AC4525-C5C8-8596-B2EA-0E2C5344302C}"/>
+              </a:ext>
+            </a:extLst>
+          </p:cNvPr>
+          <p:cNvSpPr>
+            <a:spLocks noGrp="1"/>
+          </p:cNvSpPr>
+          <p:nvPr>
+            <p:ph type="ftr" sz="quarter" idx="11"/>
+          </p:nvPr>
+        </p:nvSpPr>
+        <p:spPr/>
+        <p:txBody>
+          <a:bodyPr/>
+          <a:lstStyle/>
+          <a:p>
+            <a:r>
+              <a:rPr lang="en-US" dirty="0"/>
+              <a:t>DEPARTMENT OF BUSINESS &amp; ECONOMICS</a:t>
+            </a:r>
+          </a:p>
+        </p:txBody>
+      </p:sp>
+      <p:sp>
+        <p:nvSpPr>
+          <p:cNvPr id="6" name="Slide Number Placeholder 5">
+            <a:extLst>
+              <a:ext uri="{FF2B5EF4-FFF2-40B4-BE49-F238E27FC236}">
+                <a16:creationId xmlns:a16="http://schemas.microsoft.com/office/drawing/2014/main" id="{1E261E69-6082-7B91-F48A-C4702A4B503E}"/>
+              </a:ext>
+            </a:extLst>
+          </p:cNvPr>
+          <p:cNvSpPr>
+            <a:spLocks noGrp="1"/>
+          </p:cNvSpPr>
+          <p:nvPr>
+            <p:ph type="sldNum" sz="quarter" idx="12"/>
+          </p:nvPr>
+        </p:nvSpPr>
+        <p:spPr/>
+        <p:txBody>
+          <a:bodyPr/>
+          <a:lstStyle/>
+          <a:p>
+            <a:fld id="{1A980C56-831A-4EAB-9EDE-57C090F4F877}" type="slidenum">
+              <a:rPr lang="en-US" smtClean="0"/>
+              <a:t>4</a:t>
+            </a:fld>
+            <a:endParaRPr lang="en-US" dirty="0"/>
+          </a:p>
+        </p:txBody>
+      </p:sp>
+    </p:spTree>
+    <p:extLst>
+      <p:ext uri="{BB962C8B-B14F-4D97-AF65-F5344CB8AC3E}">
+        <p14:creationId xmlns:p14="http://schemas.microsoft.com/office/powerpoint/2010/main" val="4029919660"/>
+      </p:ext>
+    </p:extLst>
+  </p:cSld>
+  <p:clrMapOvr>
+    <a:masterClrMapping/>
+  </p:clrMapOvr>
+  <p:timing>
+    <p:tnLst>
+      <p:par>
+        <p:cTn id="1" dur="indefinite" restart="never" nodeType="tmRoot">
+          <p:childTnLst>
+            <p:seq concurrent="1" nextAc="seek">
+              <p:cTn id="2" dur="indefinite" nodeType="mainSeq">
+                <p:childTnLst>
+                  <p:par>
+                    <p:cTn id="3" fill="hold">
+                      <p:stCondLst>
+                        <p:cond delay="indefinite"/>
+                      </p:stCondLst>
+                      <p:childTnLst>
+                        <p:par>
+                          <p:cTn id="4" fill="hold">
+                            <p:stCondLst>
+                              <p:cond delay="0"/>
+                            </p:stCondLst>
+                            <p:childTnLst>
+                              <p:par>
+                                <p:cTn id="5" presetID="10" presetClass="entr" presetSubtype="0" fill="hold" nodeType="clickEffect">
+                                  <p:stCondLst>
+                                    <p:cond delay="0"/>
+                                  </p:stCondLst>
+                                  <p:childTnLst>
+                                    <p:set>
+                                      <p:cBhvr>
+                                        <p:cTn id="6" dur="1" fill="hold">
+                                          <p:stCondLst>
+                                            <p:cond delay="0"/>
+                                          </p:stCondLst>
+                                        </p:cTn>
+                                        <p:tgtEl>
+                                          <p:spTgt spid="3">
+                                            <p:txEl>
+                                              <p:pRg st="0" end="0"/>
+                                            </p:txEl>
+                                          </p:spTgt>
+                                        </p:tgtEl>
+                                        <p:attrNameLst>
+                                          <p:attrName>style.visibility</p:attrName>
+                                        </p:attrNameLst>
+                                      </p:cBhvr>
+                                      <p:to>
+                                        <p:strVal val="visible"/>
+                                      </p:to>
+                                    </p:set>
+                                    <p:animEffect transition="in" filter="fade">
+                                      <p:cBhvr>
+                                        <p:cTn id="7" dur="500"/>
+                                        <p:tgtEl>
+                                          <p:spTgt spid="3">
+                                            <p:txEl>
+                                              <p:pRg st="0" end="0"/>
+                                            </p:txEl>
+                                          </p:spTgt>
+                                        </p:tgtEl>
+                                      </p:cBhvr>
+                                    </p:animEffect>
+                                  </p:childTnLst>
+                                </p:cTn>
+                              </p:par>
+                            </p:childTnLst>
+                          </p:cTn>
+                        </p:par>
+                      </p:childTnLst>
+                    </p:cTn>
+                  </p:par>
+                  <p:par>
+                    <p:cTn id="8" fill="hold">
+                      <p:stCondLst>
+                        <p:cond delay="indefinite"/>
+                      </p:stCondLst>
+                      <p:childTnLst>
+                        <p:par>
+                          <p:cTn id="9" fill="hold">
+                            <p:stCondLst>
+                              <p:cond delay="0"/>
+                            </p:stCondLst>
+                            <p:childTnLst>
+                              <p:par>
+                                <p:cTn id="10" presetID="10" presetClass="entr" presetSubtype="0" fill="hold" nodeType="clickEffect">
+                                  <p:stCondLst>
+                                    <p:cond delay="0"/>
+                                  </p:stCondLst>
+                                  <p:childTnLst>
+                                    <p:set>
+                                      <p:cBhvr>
+                                        <p:cTn id="11" dur="1" fill="hold">
+                                          <p:stCondLst>
+                                            <p:cond delay="0"/>
+                                          </p:stCondLst>
+                                        </p:cTn>
+                                        <p:tgtEl>
+                                          <p:spTgt spid="3">
+                                            <p:txEl>
+                                              <p:pRg st="2" end="2"/>
+                                            </p:txEl>
+                                          </p:spTgt>
+                                        </p:tgtEl>
+                                        <p:attrNameLst>
+                                          <p:attrName>style.visibility</p:attrName>
+                                        </p:attrNameLst>
+                                      </p:cBhvr>
+                                      <p:to>
+                                        <p:strVal val="visible"/>
+                                      </p:to>
+                                    </p:set>
+                                    <p:animEffect transition="in" filter="fade">
+                                      <p:cBhvr>
+                                        <p:cTn id="12" dur="500"/>
+                                        <p:tgtEl>
+                                          <p:spTgt spid="3">
+                                            <p:txEl>
+                                              <p:pRg st="2" end="2"/>
+                                            </p:txEl>
+                                          </p:spTgt>
+                                        </p:tgtEl>
+                                      </p:cBhvr>
+                                    </p:animEffect>
+                                  </p:childTnLst>
+                                </p:cTn>
+                              </p:par>
+                            </p:childTnLst>
+                          </p:cTn>
+                        </p:par>
+                      </p:childTnLst>
+                    </p:cTn>
+                  </p:par>
+                  <p:par>
+                    <p:cTn id="13" fill="hold">
+                      <p:stCondLst>
+                        <p:cond delay="indefinite"/>
+                      </p:stCondLst>
+                      <p:childTnLst>
+                        <p:par>
+                          <p:cTn id="14" fill="hold">
+                            <p:stCondLst>
+                              <p:cond delay="0"/>
+                            </p:stCondLst>
+                            <p:childTnLst>
+                              <p:par>
+                                <p:cTn id="15" presetID="10" presetClass="entr" presetSubtype="0" fill="hold" nodeType="clickEffect">
+                                  <p:stCondLst>
+                                    <p:cond delay="0"/>
+                                  </p:stCondLst>
+                                  <p:childTnLst>
+                                    <p:set>
+                                      <p:cBhvr>
+                                        <p:cTn id="16" dur="1" fill="hold">
+                                          <p:stCondLst>
+                                            <p:cond delay="0"/>
+                                          </p:stCondLst>
+                                        </p:cTn>
+                                        <p:tgtEl>
+                                          <p:spTgt spid="3">
+                                            <p:txEl>
+                                              <p:pRg st="4" end="4"/>
+                                            </p:txEl>
+                                          </p:spTgt>
+                                        </p:tgtEl>
+                                        <p:attrNameLst>
+                                          <p:attrName>style.visibility</p:attrName>
+                                        </p:attrNameLst>
+                                      </p:cBhvr>
+                                      <p:to>
+                                        <p:strVal val="visible"/>
+                                      </p:to>
+                                    </p:set>
+                                    <p:animEffect transition="in" filter="fade">
+                                      <p:cBhvr>
+                                        <p:cTn id="17" dur="500"/>
+                                        <p:tgtEl>
+                                          <p:spTgt spid="3">
+                                            <p:txEl>
+                                              <p:pRg st="4" end="4"/>
+                                            </p:txEl>
+                                          </p:spTgt>
+                                        </p:tgtEl>
+                                      </p:cBhvr>
+                                    </p:animEffect>
+                                  </p:childTnLst>
+                                </p:cTn>
+                              </p:par>
+                            </p:childTnLst>
+                          </p:cTn>
+                        </p:par>
+                      </p:childTnLst>
+                    </p:cTn>
+                  </p:par>
+                  <p:par>
+                    <p:cTn id="18" fill="hold">
+                      <p:stCondLst>
+                        <p:cond delay="indefinite"/>
+                      </p:stCondLst>
+                      <p:childTnLst>
+                        <p:par>
+                          <p:cTn id="19" fill="hold">
+                            <p:stCondLst>
+                              <p:cond delay="0"/>
+                            </p:stCondLst>
+                            <p:childTnLst>
+                              <p:par>
+                                <p:cTn id="20" presetID="10" presetClass="entr" presetSubtype="0" fill="hold" nodeType="clickEffect">
+                                  <p:stCondLst>
+                                    <p:cond delay="0"/>
+                                  </p:stCondLst>
+                                  <p:childTnLst>
+                                    <p:set>
+                                      <p:cBhvr>
+                                        <p:cTn id="21" dur="1" fill="hold">
+                                          <p:stCondLst>
+                                            <p:cond delay="0"/>
+                                          </p:stCondLst>
+                                        </p:cTn>
+                                        <p:tgtEl>
+                                          <p:spTgt spid="3">
+                                            <p:txEl>
+                                              <p:pRg st="6" end="6"/>
+                                            </p:txEl>
+                                          </p:spTgt>
+                                        </p:tgtEl>
+                                        <p:attrNameLst>
+                                          <p:attrName>style.visibility</p:attrName>
+                                        </p:attrNameLst>
+                                      </p:cBhvr>
+                                      <p:to>
+                                        <p:strVal val="visible"/>
+                                      </p:to>
+                                    </p:set>
+                                    <p:animEffect transition="in" filter="fade">
+                                      <p:cBhvr>
+                                        <p:cTn id="22" dur="500"/>
+                                        <p:tgtEl>
+                                          <p:spTgt spid="3">
+                                            <p:txEl>
+                                              <p:pRg st="6" end="6"/>
+                                            </p:txEl>
+                                          </p:spTgt>
+                                        </p:tgtEl>
+                                      </p:cBhvr>
+                                    </p:animEffect>
+                                  </p:childTnLst>
+                                </p:cTn>
+                              </p:par>
+                            </p:childTnLst>
+                          </p:cTn>
+                        </p:par>
+                      </p:childTnLst>
+                    </p:cTn>
+                  </p:par>
+                  <p:par>
+                    <p:cTn id="23" fill="hold">
+                      <p:stCondLst>
+                        <p:cond delay="indefinite"/>
+                      </p:stCondLst>
+                      <p:childTnLst>
+                        <p:par>
+                          <p:cTn id="24" fill="hold">
+                            <p:stCondLst>
+                              <p:cond delay="0"/>
+                            </p:stCondLst>
+                            <p:childTnLst>
+                              <p:par>
+                                <p:cTn id="25" presetID="10" presetClass="entr" presetSubtype="0" fill="hold" nodeType="clickEffect">
+                                  <p:stCondLst>
+                                    <p:cond delay="0"/>
+                                  </p:stCondLst>
+                                  <p:childTnLst>
+                                    <p:set>
+                                      <p:cBhvr>
+                                        <p:cTn id="26" dur="1" fill="hold">
+                                          <p:stCondLst>
+                                            <p:cond delay="0"/>
+                                          </p:stCondLst>
+                                        </p:cTn>
+                                        <p:tgtEl>
+                                          <p:spTgt spid="3">
+                                            <p:txEl>
+                                              <p:pRg st="8" end="8"/>
+                                            </p:txEl>
+                                          </p:spTgt>
+                                        </p:tgtEl>
+                                        <p:attrNameLst>
+                                          <p:attrName>style.visibility</p:attrName>
+                                        </p:attrNameLst>
+                                      </p:cBhvr>
+                                      <p:to>
+                                        <p:strVal val="visible"/>
+                                      </p:to>
+                                    </p:set>
+                                    <p:animEffect transition="in" filter="fade">
+                                      <p:cBhvr>
+                                        <p:cTn id="27" dur="500"/>
+                                        <p:tgtEl>
+                                          <p:spTgt spid="3">
+                                            <p:txEl>
+                                              <p:pRg st="8" end="8"/>
+                                            </p:txEl>
+                                          </p:spTgt>
+                                        </p:tgtEl>
+                                      </p:cBhvr>
+                                    </p:animEffect>
+                                  </p:childTnLst>
+                                </p:cTn>
+                              </p:par>
+                            </p:childTnLst>
+                          </p:cTn>
+                        </p:par>
+                      </p:childTnLst>
+                    </p:cTn>
+                  </p:par>
+                </p:childTnLst>
+              </p:cTn>
+              <p:prevCondLst>
+                <p:cond evt="onPrev" delay="0">
+                  <p:tgtEl>
+                    <p:sldTgt/>
+                  </p:tgtEl>
+                </p:cond>
+              </p:prevCondLst>
+              <p:nextCondLst>
+                <p:cond evt="onNext" delay="0">
+                  <p:tgtEl>
+                    <p:sldTgt/>
+                  </p:tgtEl>
+                </p:cond>
+              </p:nextCondLst>
+            </p:seq>
+          </p:childTnLst>
+        </p:cTn>
+      </p:par>
+    </p:tnLst>
+  </p:timing>
+</p:sld>
+</file>
+
+<file path=ppt/slides/slide5.xml><?xml version="1.0" encoding="utf-8"?>
+<p:sld xmlns:a="http://schemas.openxmlformats.org/drawingml/2006/main" xmlns:r="http://schemas.openxmlformats.org/officeDocument/2006/relationships" xmlns:p="http://schemas.openxmlformats.org/presentationml/2006/main">
+  <p:cSld>
+    <p:spTree>
+      <p:nvGrpSpPr>
+        <p:cNvPr id="1" name=""/>
+        <p:cNvGrpSpPr/>
+        <p:nvPr/>
+      </p:nvGrpSpPr>
+      <p:grpSpPr>
+        <a:xfrm>
+          <a:off x="0" y="0"/>
+          <a:ext cx="0" cy="0"/>
+          <a:chOff x="0" y="0"/>
+          <a:chExt cx="0" cy="0"/>
+        </a:xfrm>
+      </p:grpSpPr>
+      <p:sp>
+        <p:nvSpPr>
+          <p:cNvPr id="2" name="Title 1">
+            <a:extLst>
+              <a:ext uri="{FF2B5EF4-FFF2-40B4-BE49-F238E27FC236}">
+                <a16:creationId xmlns:a16="http://schemas.microsoft.com/office/drawing/2014/main" id="{0D8E3986-575B-B929-0562-1561C73A78DE}"/>
+              </a:ext>
+            </a:extLst>
+          </p:cNvPr>
+          <p:cNvSpPr>
+            <a:spLocks noGrp="1"/>
+          </p:cNvSpPr>
+          <p:nvPr>
+            <p:ph type="title"/>
+          </p:nvPr>
+        </p:nvSpPr>
+        <p:spPr/>
+        <p:txBody>
+          <a:bodyPr/>
+          <a:lstStyle/>
+          <a:p>
+            <a:r>
+              <a:rPr lang="en-US" dirty="0"/>
               <a:t>Factors of Production</a:t>
             </a:r>
           </a:p>
@@ -22295,7 +24951,7 @@
               <a:p>
                 <a:r>
                   <a:rPr lang="en-US" dirty="0"/>
-                  <a:t>We will need a variety of inputs, which we can simplify into two big categories:</a:t>
+                  <a:t>Inputs can be classified into two big categories:</a:t>
                 </a:r>
               </a:p>
               <a:p>
@@ -22333,14 +24989,44 @@
                 </a14:m>
                 <a:r>
                   <a:rPr lang="en-US" dirty="0"/>
-                  <a:t>” to represent Labor. </a:t>
+                  <a:t>” to represent Labor.</a:t>
                 </a:r>
               </a:p>
               <a:p>
-                <a:pPr lvl="3"/>
-                <a:endParaRPr lang="en-US" dirty="0"/>
+                <a:pPr lvl="1"/>
+                <a:r>
+                  <a:rPr lang="en-US" dirty="0"/>
+                  <a:t>The cost of labor input is wages </a:t>
+                </a:r>
+                <a14:m>
+                  <m:oMath xmlns:m="http://schemas.openxmlformats.org/officeDocument/2006/math">
+                    <m:r>
+                      <a:rPr lang="en-US" i="1" dirty="0" smtClean="0">
+                        <a:latin typeface="Cambria Math" panose="02040503050406030204" pitchFamily="18" charset="0"/>
+                      </a:rPr>
+                      <m:t>(</m:t>
+                    </m:r>
+                    <m:r>
+                      <a:rPr lang="en-US" i="1" dirty="0" smtClean="0">
+                        <a:latin typeface="Cambria Math" panose="02040503050406030204" pitchFamily="18" charset="0"/>
+                      </a:rPr>
+                      <m:t>𝑤</m:t>
+                    </m:r>
+                    <m:r>
+                      <a:rPr lang="en-US" i="1" dirty="0" smtClean="0">
+                        <a:latin typeface="Cambria Math" panose="02040503050406030204" pitchFamily="18" charset="0"/>
+                      </a:rPr>
+                      <m:t>)</m:t>
+                    </m:r>
+                  </m:oMath>
+                </a14:m>
+                <a:r>
+                  <a:rPr lang="en-US" dirty="0"/>
+                  <a:t>.</a:t>
+                </a:r>
               </a:p>
               <a:p>
+                <a:pPr lvl="1"/>
                 <a:r>
                   <a:rPr lang="en-US" dirty="0"/>
                   <a:t>Labor typically means “hours of work.”</a:t>
@@ -22350,7 +25036,21 @@
                 <a:pPr lvl="1"/>
                 <a:r>
                   <a:rPr lang="en-US" dirty="0"/>
-                  <a:t>Increase in L can mean either more workers, or each worker working longer hours.</a:t>
+                  <a:t>Increase in </a:t>
+                </a:r>
+                <a14:m>
+                  <m:oMath xmlns:m="http://schemas.openxmlformats.org/officeDocument/2006/math">
+                    <m:r>
+                      <a:rPr lang="en-US" i="1" dirty="0" smtClean="0">
+                        <a:latin typeface="Cambria Math" panose="02040503050406030204" pitchFamily="18" charset="0"/>
+                      </a:rPr>
+                      <m:t>𝐿</m:t>
+                    </m:r>
+                  </m:oMath>
+                </a14:m>
+                <a:r>
+                  <a:rPr lang="en-US" dirty="0"/>
+                  <a:t> can mean either more workers, or each worker working longer hours.</a:t>
                 </a:r>
               </a:p>
             </p:txBody>
@@ -22377,7 +25077,7 @@
               <a:blipFill>
                 <a:blip r:embed="rId2"/>
                 <a:stretch>
-                  <a:fillRect l="-1005" t="-1821" r="-2009" b="-280"/>
+                  <a:fillRect l="-1005" t="-1821"/>
                 </a:stretch>
               </a:blipFill>
             </p:spPr>
@@ -22475,7 +25175,7 @@
           <a:p>
             <a:fld id="{1A980C56-831A-4EAB-9EDE-57C090F4F877}" type="slidenum">
               <a:rPr lang="en-US" smtClean="0"/>
-              <a:t>4</a:t>
+              <a:t>5</a:t>
             </a:fld>
             <a:endParaRPr lang="en-US" dirty="0"/>
           </a:p>
@@ -22615,33 +25315,15 @@
                                   </p:childTnLst>
                                 </p:cTn>
                               </p:par>
-                            </p:childTnLst>
-                          </p:cTn>
-                        </p:par>
-                      </p:childTnLst>
-                    </p:cTn>
-                  </p:par>
-                  <p:par>
-                    <p:cTn id="13" fill="hold">
-                      <p:stCondLst>
-                        <p:cond delay="indefinite"/>
-                      </p:stCondLst>
-                      <p:childTnLst>
-                        <p:par>
-                          <p:cTn id="14" fill="hold">
-                            <p:stCondLst>
-                              <p:cond delay="0"/>
-                            </p:stCondLst>
-                            <p:childTnLst>
                               <p:par>
-                                <p:cTn id="15" presetID="10" presetClass="entr" presetSubtype="0" fill="hold" nodeType="clickEffect">
+                                <p:cTn id="13" presetID="10" presetClass="entr" presetSubtype="0" fill="hold" nodeType="withEffect">
                                   <p:stCondLst>
                                     <p:cond delay="0"/>
                                   </p:stCondLst>
                                   <p:childTnLst>
                                     <p:set>
                                       <p:cBhvr>
-                                        <p:cTn id="16" dur="1" fill="hold">
+                                        <p:cTn id="14" dur="1" fill="hold">
                                           <p:stCondLst>
                                             <p:cond delay="0"/>
                                           </p:stCondLst>
@@ -22663,11 +25345,54 @@
                                     </p:set>
                                     <p:animEffect transition="in" filter="fade">
                                       <p:cBhvr>
-                                        <p:cTn id="17" dur="500"/>
+                                        <p:cTn id="15" dur="500"/>
                                         <p:tgtEl>
                                           <p:spTgt spid="3">
                                             <p:txEl>
                                               <p:pRg st="3" end="3"/>
+                                            </p:txEl>
+                                          </p:spTgt>
+                                        </p:tgtEl>
+                                      </p:cBhvr>
+                                    </p:animEffect>
+                                  </p:childTnLst>
+                                </p:cTn>
+                              </p:par>
+                              <p:par>
+                                <p:cTn id="16" presetID="10" presetClass="entr" presetSubtype="0" fill="hold" nodeType="withEffect">
+                                  <p:stCondLst>
+                                    <p:cond delay="0"/>
+                                  </p:stCondLst>
+                                  <p:childTnLst>
+                                    <p:set>
+                                      <p:cBhvr>
+                                        <p:cTn id="17" dur="1" fill="hold">
+                                          <p:stCondLst>
+                                            <p:cond delay="0"/>
+                                          </p:stCondLst>
+                                        </p:cTn>
+                                        <p:tgtEl>
+                                          <p:spTgt spid="3">
+                                            <p:txEl>
+                                              <p:pRg st="4" end="4"/>
+                                            </p:txEl>
+                                          </p:spTgt>
+                                        </p:tgtEl>
+                                        <p:attrNameLst>
+                                          <p:attrName>style.visibility</p:attrName>
+                                        </p:attrNameLst>
+                                      </p:cBhvr>
+                                      <p:to>
+                                        <p:strVal val="visible"/>
+                                      </p:to>
+                                    </p:set>
+                                    <p:animEffect transition="in" filter="fade">
+                                      <p:cBhvr>
+                                        <p:cTn id="18" dur="500"/>
+                                        <p:tgtEl>
+                                          <p:spTgt spid="3">
+                                            <p:txEl>
+                                              <p:pRg st="4" end="4"/>
                                             </p:txEl>
                                           </p:spTgt>
                                         </p:tgtEl>
@@ -22683,26 +25408,26 @@
                     </p:cTn>
                   </p:par>
                   <p:par>
-                    <p:cTn id="18" fill="hold">
+                    <p:cTn id="19" fill="hold">
                       <p:stCondLst>
                         <p:cond delay="indefinite"/>
                       </p:stCondLst>
                       <p:childTnLst>
                         <p:par>
-                          <p:cTn id="19" fill="hold">
+                          <p:cTn id="20" fill="hold">
                             <p:stCondLst>
                               <p:cond delay="0"/>
                             </p:stCondLst>
                             <p:childTnLst>
                               <p:par>
-                                <p:cTn id="20" presetID="10" presetClass="entr" presetSubtype="0" fill="hold" nodeType="clickEffect">
+                                <p:cTn id="21" presetID="10" presetClass="entr" presetSubtype="0" fill="hold" nodeType="clickEffect">
                                   <p:stCondLst>
                                     <p:cond delay="0"/>
                                   </p:stCondLst>
                                   <p:childTnLst>
                                     <p:set>
                                       <p:cBhvr>
-                                        <p:cTn id="21" dur="1" fill="hold">
+                                        <p:cTn id="22" dur="1" fill="hold">
                                           <p:stCondLst>
                                             <p:cond delay="0"/>
                                           </p:stCondLst>
@@ -22710,7 +25435,7 @@
                                         <p:tgtEl>
                                           <p:spTgt spid="3">
                                             <p:txEl>
-                                              <p:pRg st="4" end="4"/>
+                                              <p:pRg st="6" end="6"/>
                                             </p:txEl>
                                           </p:spTgt>
                                         </p:tgtEl>
@@ -22724,11 +25449,11 @@
                                     </p:set>
                                     <p:animEffect transition="in" filter="fade">
                                       <p:cBhvr>
-                                        <p:cTn id="22" dur="500"/>
+                                        <p:cTn id="23" dur="500"/>
                                         <p:tgtEl>
                                           <p:spTgt spid="3">
                                             <p:txEl>
-                                              <p:pRg st="4" end="4"/>
+                                              <p:pRg st="6" end="6"/>
                                             </p:txEl>
                                           </p:spTgt>
                                         </p:tgtEl>
@@ -22737,33 +25462,15 @@
                                   </p:childTnLst>
                                 </p:cTn>
                               </p:par>
-                            </p:childTnLst>
-                          </p:cTn>
-                        </p:par>
-                      </p:childTnLst>
-                    </p:cTn>
-                  </p:par>
-                  <p:par>
-                    <p:cTn id="23" fill="hold">
-                      <p:stCondLst>
-                        <p:cond delay="indefinite"/>
-                      </p:stCondLst>
-                      <p:childTnLst>
-                        <p:par>
-                          <p:cTn id="24" fill="hold">
-                            <p:stCondLst>
-                              <p:cond delay="0"/>
-                            </p:stCondLst>
-                            <p:childTnLst>
                               <p:par>
-                                <p:cTn id="25" presetID="10" presetClass="entr" presetSubtype="0" fill="hold" nodeType="clickEffect">
+                                <p:cTn id="24" presetID="10" presetClass="entr" presetSubtype="0" fill="hold" nodeType="withEffect">
                                   <p:stCondLst>
                                     <p:cond delay="0"/>
                                   </p:stCondLst>
                                   <p:childTnLst>
                                     <p:set>
                                       <p:cBhvr>
-                                        <p:cTn id="26" dur="1" fill="hold">
+                                        <p:cTn id="25" dur="1" fill="hold">
                                           <p:stCondLst>
                                             <p:cond delay="0"/>
                                           </p:stCondLst>
@@ -22771,7 +25478,7 @@
                                         <p:tgtEl>
                                           <p:spTgt spid="3">
                                             <p:txEl>
-                                              <p:pRg st="6" end="6"/>
+                                              <p:pRg st="7" end="7"/>
                                             </p:txEl>
                                           </p:spTgt>
                                         </p:tgtEl>
@@ -22785,11 +25492,11 @@
                                     </p:set>
                                     <p:animEffect transition="in" filter="fade">
                                       <p:cBhvr>
-                                        <p:cTn id="27" dur="500"/>
+                                        <p:cTn id="26" dur="500"/>
                                         <p:tgtEl>
                                           <p:spTgt spid="3">
                                             <p:txEl>
-                                              <p:pRg st="6" end="6"/>
+                                              <p:pRg st="7" end="7"/>
                                             </p:txEl>
                                           </p:spTgt>
                                         </p:tgtEl>
@@ -22798,32 +25505,57 @@
                                   </p:childTnLst>
                                 </p:cTn>
                               </p:par>
-                            </p:childTnLst>
-                          </p:cTn>
-                        </p:par>
-                      </p:childTnLst>
-                    </p:cTn>
-                  </p:par>
-                  <p:par>
-                    <p:cTn id="28" fill="hold">
-                      <p:stCondLst>
-                        <p:cond delay="indefinite"/>
-                      </p:stCondLst>
-                      <p:childTnLst>
-                        <p:par>
-                          <p:cTn id="29" fill="hold">
-                            <p:stCondLst>
-                              <p:cond delay="0"/>
-                            </p:stCondLst>
-                            <p:childTnLst>
                               <p:par>
-                                <p:cTn id="30" presetID="10" presetClass="entr" presetSubtype="0" fill="hold" nodeType="clickEffect">
+                                <p:cTn id="27" presetID="10" presetClass="entr" presetSubtype="0" fill="hold" nodeType="withEffect">
                                   <p:stCondLst>
                                     <p:cond delay="0"/>
                                   </p:stCondLst>
                                   <p:childTnLst>
                                     <p:set>
                                       <p:cBhvr>
+                                        <p:cTn id="28" dur="1" fill="hold">
+                                          <p:stCondLst>
+                                            <p:cond delay="0"/>
+                                          </p:stCondLst>
+                                        </p:cTn>
+                                        <p:tgtEl>
+                                          <p:spTgt spid="3">
+                                            <p:txEl>
+                                              <p:pRg st="8" end="8"/>
+                                            </p:txEl>
+                                          </p:spTgt>
+                                        </p:tgtEl>
+                                        <p:attrNameLst>
+                                          <p:attrName>style.visibility</p:attrName>
+                                        </p:attrNameLst>
+                                      </p:cBhvr>
+                                      <p:to>
+                                        <p:strVal val="visible"/>
+                                      </p:to>
+                                    </p:set>
+                                    <p:animEffect transition="in" filter="fade">
+                                      <p:cBhvr>
+                                        <p:cTn id="29" dur="500"/>
+                                        <p:tgtEl>
+                                          <p:spTgt spid="3">
+                                            <p:txEl>
+                                              <p:pRg st="8" end="8"/>
+                                            </p:txEl>
+                                          </p:spTgt>
+                                        </p:tgtEl>
+                                      </p:cBhvr>
+                                    </p:animEffect>
+                                  </p:childTnLst>
+                                </p:cTn>
+                              </p:par>
+                              <p:par>
+                                <p:cTn id="30" presetID="10" presetClass="entr" presetSubtype="0" fill="hold" nodeType="withEffect">
+                                  <p:stCondLst>
+                                    <p:cond delay="0"/>
+                                  </p:stCondLst>
+                                  <p:childTnLst>
+                                    <p:set>
+                                      <p:cBhvr>
                                         <p:cTn id="31" dur="1" fill="hold">
                                           <p:stCondLst>
                                             <p:cond delay="0"/>
@@ -22832,7 +25564,7 @@
                                         <p:tgtEl>
                                           <p:spTgt spid="3">
                                             <p:txEl>
-                                              <p:pRg st="8" end="8"/>
+                                              <p:pRg st="9" end="9"/>
                                             </p:txEl>
                                           </p:spTgt>
                                         </p:tgtEl>
@@ -22847,67 +25579,6 @@
                                     <p:animEffect transition="in" filter="fade">
                                       <p:cBhvr>
                                         <p:cTn id="32" dur="500"/>
-                                        <p:tgtEl>
-                                          <p:spTgt spid="3">
-                                            <p:txEl>
-                                              <p:pRg st="8" end="8"/>
-                                            </p:txEl>
-                                          </p:spTgt>
-                                        </p:tgtEl>
-                                      </p:cBhvr>
-                                    </p:animEffect>
-                                  </p:childTnLst>
-                                </p:cTn>
-                              </p:par>
-                            </p:childTnLst>
-                          </p:cTn>
-                        </p:par>
-                      </p:childTnLst>
-                    </p:cTn>
-                  </p:par>
-                  <p:par>
-                    <p:cTn id="33" fill="hold">
-                      <p:stCondLst>
-                        <p:cond delay="indefinite"/>
-                      </p:stCondLst>
-                      <p:childTnLst>
-                        <p:par>
-                          <p:cTn id="34" fill="hold">
-                            <p:stCondLst>
-                              <p:cond delay="0"/>
-                            </p:stCondLst>
-                            <p:childTnLst>
-                              <p:par>
-                                <p:cTn id="35" presetID="10" presetClass="entr" presetSubtype="0" fill="hold" nodeType="clickEffect">
-                                  <p:stCondLst>
-                                    <p:cond delay="0"/>
-                                  </p:stCondLst>
-                                  <p:childTnLst>
-                                    <p:set>
-                                      <p:cBhvr>
-                                        <p:cTn id="36" dur="1" fill="hold">
-                                          <p:stCondLst>
-                                            <p:cond delay="0"/>
-                                          </p:stCondLst>
-                                        </p:cTn>
-                                        <p:tgtEl>
-                                          <p:spTgt spid="3">
-                                            <p:txEl>
-                                              <p:pRg st="9" end="9"/>
-                                            </p:txEl>
-                                          </p:spTgt>
-                                        </p:tgtEl>
-                                        <p:attrNameLst>
-                                          <p:attrName>style.visibility</p:attrName>
-                                        </p:attrNameLst>
-                                      </p:cBhvr>
-                                      <p:to>
-                                        <p:strVal val="visible"/>
-                                      </p:to>
-                                    </p:set>
-                                    <p:animEffect transition="in" filter="fade">
-                                      <p:cBhvr>
-                                        <p:cTn id="37" dur="500"/>
                                         <p:tgtEl>
                                           <p:spTgt spid="3">
                                             <p:txEl>
@@ -22951,7 +25622,7 @@
 </p:sld>
 </file>
 
-<file path=ppt/slides/slide5.xml><?xml version="1.0" encoding="utf-8"?>
+<file path=ppt/slides/slide6.xml><?xml version="1.0" encoding="utf-8"?>
 <p:sld xmlns:a="http://schemas.openxmlformats.org/drawingml/2006/main" xmlns:r="http://schemas.openxmlformats.org/officeDocument/2006/relationships" xmlns:p="http://schemas.openxmlformats.org/presentationml/2006/main">
   <p:cSld>
     <p:spTree>
@@ -23083,6 +25754,39 @@
                 </a:r>
               </a:p>
               <a:p>
+                <a:pPr lvl="1"/>
+                <a:r>
+                  <a:rPr lang="en-US" dirty="0"/>
+                  <a:t>Capital is paid rent </a:t>
+                </a:r>
+                <a14:m>
+                  <m:oMath xmlns:m="http://schemas.openxmlformats.org/officeDocument/2006/math">
+                    <m:r>
+                      <a:rPr lang="en-US" i="1" dirty="0" smtClean="0">
+                        <a:latin typeface="Cambria Math" panose="02040503050406030204" pitchFamily="18" charset="0"/>
+                      </a:rPr>
+                      <m:t>(</m:t>
+                    </m:r>
+                    <m:r>
+                      <a:rPr lang="en-US" i="1" dirty="0" smtClean="0">
+                        <a:latin typeface="Cambria Math" panose="02040503050406030204" pitchFamily="18" charset="0"/>
+                      </a:rPr>
+                      <m:t>𝑟</m:t>
+                    </m:r>
+                    <m:r>
+                      <a:rPr lang="en-US" i="1" dirty="0" smtClean="0">
+                        <a:latin typeface="Cambria Math" panose="02040503050406030204" pitchFamily="18" charset="0"/>
+                      </a:rPr>
+                      <m:t>)</m:t>
+                    </m:r>
+                  </m:oMath>
+                </a14:m>
+                <a:r>
+                  <a:rPr lang="en-US" dirty="0"/>
+                  <a:t>.</a:t>
+                </a:r>
+              </a:p>
+              <a:p>
                 <a:pPr lvl="3"/>
                 <a:endParaRPr lang="en-US" dirty="0"/>
               </a:p>
@@ -23126,7 +25830,7 @@
               <a:blipFill>
                 <a:blip r:embed="rId3"/>
                 <a:stretch>
-                  <a:fillRect l="-2038" t="-1821"/>
+                  <a:fillRect l="-2038" t="-1821" b="-280"/>
                 </a:stretch>
               </a:blipFill>
             </p:spPr>
@@ -23226,7 +25930,7 @@
           <a:p>
             <a:fld id="{1A980C56-831A-4EAB-9EDE-57C090F4F877}" type="slidenum">
               <a:rPr lang="en-US" smtClean="0"/>
-              <a:t>5</a:t>
+              <a:t>6</a:t>
             </a:fld>
             <a:endParaRPr lang="en-US" dirty="0"/>
           </a:p>
@@ -23340,33 +26044,15 @@
                                   </p:childTnLst>
                                 </p:cTn>
                               </p:par>
-                            </p:childTnLst>
-                          </p:cTn>
-                        </p:par>
-                      </p:childTnLst>
-                    </p:cTn>
-                  </p:par>
-                  <p:par>
-                    <p:cTn id="11" fill="hold">
-                      <p:stCondLst>
-                        <p:cond delay="indefinite"/>
-                      </p:stCondLst>
-                      <p:childTnLst>
-                        <p:par>
-                          <p:cTn id="12" fill="hold">
-                            <p:stCondLst>
-                              <p:cond delay="0"/>
-                            </p:stCondLst>
-                            <p:childTnLst>
                               <p:par>
-                                <p:cTn id="13" presetID="10" presetClass="entr" presetSubtype="0" fill="hold" nodeType="clickEffect">
+                                <p:cTn id="11" presetID="10" presetClass="entr" presetSubtype="0" fill="hold" nodeType="withEffect">
                                   <p:stCondLst>
                                     <p:cond delay="0"/>
                                   </p:stCondLst>
                                   <p:childTnLst>
                                     <p:set>
                                       <p:cBhvr>
-                                        <p:cTn id="14" dur="1" fill="hold">
+                                        <p:cTn id="12" dur="1" fill="hold">
                                           <p:stCondLst>
                                             <p:cond delay="0"/>
                                           </p:stCondLst>
@@ -23388,11 +26074,54 @@
                                     </p:set>
                                     <p:animEffect transition="in" filter="fade">
                                       <p:cBhvr>
-                                        <p:cTn id="15" dur="500"/>
+                                        <p:cTn id="13" dur="500"/>
                                         <p:tgtEl>
                                           <p:spTgt spid="4">
                                             <p:txEl>
                                               <p:pRg st="1" end="1"/>
+                                            </p:txEl>
+                                          </p:spTgt>
+                                        </p:tgtEl>
+                                      </p:cBhvr>
+                                    </p:animEffect>
+                                  </p:childTnLst>
+                                </p:cTn>
+                              </p:par>
+                              <p:par>
+                                <p:cTn id="14" presetID="10" presetClass="entr" presetSubtype="0" fill="hold" nodeType="withEffect">
+                                  <p:stCondLst>
+                                    <p:cond delay="0"/>
+                                  </p:stCondLst>
+                                  <p:childTnLst>
+                                    <p:set>
+                                      <p:cBhvr>
+                                        <p:cTn id="15" dur="1" fill="hold">
+                                          <p:stCondLst>
+                                            <p:cond delay="0"/>
+                                          </p:stCondLst>
+                                        </p:cTn>
+                                        <p:tgtEl>
+                                          <p:spTgt spid="4">
+                                            <p:txEl>
+                                              <p:pRg st="2" end="2"/>
+                                            </p:txEl>
+                                          </p:spTgt>
+                                        </p:tgtEl>
+                                        <p:attrNameLst>
+                                          <p:attrName>style.visibility</p:attrName>
+                                        </p:attrNameLst>
+                                      </p:cBhvr>
+                                      <p:to>
+                                        <p:strVal val="visible"/>
+                                      </p:to>
+                                    </p:set>
+                                    <p:animEffect transition="in" filter="fade">
+                                      <p:cBhvr>
+                                        <p:cTn id="16" dur="500"/>
+                                        <p:tgtEl>
+                                          <p:spTgt spid="4">
+                                            <p:txEl>
+                                              <p:pRg st="2" end="2"/>
                                             </p:txEl>
                                           </p:spTgt>
                                         </p:tgtEl>
@@ -23408,26 +26137,26 @@
                     </p:cTn>
                   </p:par>
                   <p:par>
-                    <p:cTn id="16" fill="hold">
+                    <p:cTn id="17" fill="hold">
                       <p:stCondLst>
                         <p:cond delay="indefinite"/>
                       </p:stCondLst>
                       <p:childTnLst>
                         <p:par>
-                          <p:cTn id="17" fill="hold">
+                          <p:cTn id="18" fill="hold">
                             <p:stCondLst>
                               <p:cond delay="0"/>
                             </p:stCondLst>
                             <p:childTnLst>
                               <p:par>
-                                <p:cTn id="18" presetID="10" presetClass="entr" presetSubtype="0" fill="hold" nodeType="clickEffect">
+                                <p:cTn id="19" presetID="10" presetClass="entr" presetSubtype="0" fill="hold" nodeType="clickEffect">
                                   <p:stCondLst>
                                     <p:cond delay="0"/>
                                   </p:stCondLst>
                                   <p:childTnLst>
                                     <p:set>
                                       <p:cBhvr>
-                                        <p:cTn id="19" dur="1" fill="hold">
+                                        <p:cTn id="20" dur="1" fill="hold">
                                           <p:stCondLst>
                                             <p:cond delay="0"/>
                                           </p:stCondLst>
@@ -23435,7 +26164,7 @@
                                         <p:tgtEl>
                                           <p:spTgt spid="4">
                                             <p:txEl>
-                                              <p:pRg st="3" end="3"/>
+                                              <p:pRg st="4" end="4"/>
                                             </p:txEl>
                                           </p:spTgt>
                                         </p:tgtEl>
@@ -23449,11 +26178,11 @@
                                     </p:set>
                                     <p:animEffect transition="in" filter="fade">
                                       <p:cBhvr>
-                                        <p:cTn id="20" dur="500"/>
+                                        <p:cTn id="21" dur="500"/>
                                         <p:tgtEl>
                                           <p:spTgt spid="4">
                                             <p:txEl>
-                                              <p:pRg st="3" end="3"/>
+                                              <p:pRg st="4" end="4"/>
                                             </p:txEl>
                                           </p:spTgt>
                                         </p:tgtEl>
@@ -23469,26 +26198,26 @@
                     </p:cTn>
                   </p:par>
                   <p:par>
-                    <p:cTn id="21" fill="hold">
+                    <p:cTn id="22" fill="hold">
                       <p:stCondLst>
                         <p:cond delay="indefinite"/>
                       </p:stCondLst>
                       <p:childTnLst>
                         <p:par>
-                          <p:cTn id="22" fill="hold">
+                          <p:cTn id="23" fill="hold">
                             <p:stCondLst>
                               <p:cond delay="0"/>
                             </p:stCondLst>
                             <p:childTnLst>
                               <p:par>
-                                <p:cTn id="23" presetID="10" presetClass="entr" presetSubtype="0" fill="hold" nodeType="clickEffect">
+                                <p:cTn id="24" presetID="10" presetClass="entr" presetSubtype="0" fill="hold" nodeType="clickEffect">
                                   <p:stCondLst>
                                     <p:cond delay="0"/>
                                   </p:stCondLst>
                                   <p:childTnLst>
                                     <p:set>
                                       <p:cBhvr>
-                                        <p:cTn id="24" dur="1" fill="hold">
+                                        <p:cTn id="25" dur="1" fill="hold">
                                           <p:stCondLst>
                                             <p:cond delay="0"/>
                                           </p:stCondLst>
@@ -23496,7 +26225,7 @@
                                         <p:tgtEl>
                                           <p:spTgt spid="4">
                                             <p:txEl>
-                                              <p:pRg st="5" end="5"/>
+                                              <p:pRg st="6" end="6"/>
                                             </p:txEl>
                                           </p:spTgt>
                                         </p:tgtEl>
@@ -23510,11 +26239,11 @@
                                     </p:set>
                                     <p:animEffect transition="in" filter="fade">
                                       <p:cBhvr>
-                                        <p:cTn id="25" dur="500"/>
+                                        <p:cTn id="26" dur="500"/>
                                         <p:tgtEl>
                                           <p:spTgt spid="4">
                                             <p:txEl>
-                                              <p:pRg st="5" end="5"/>
+                                              <p:pRg st="6" end="6"/>
                                             </p:txEl>
                                           </p:spTgt>
                                         </p:tgtEl>
@@ -23554,7 +26283,7 @@
 </p:sld>
 </file>
 
-<file path=ppt/slides/slide6.xml><?xml version="1.0" encoding="utf-8"?>
+<file path=ppt/slides/slide7.xml><?xml version="1.0" encoding="utf-8"?>
 <p:sld xmlns:a="http://schemas.openxmlformats.org/drawingml/2006/main" xmlns:r="http://schemas.openxmlformats.org/officeDocument/2006/relationships" xmlns:p="http://schemas.openxmlformats.org/presentationml/2006/main">
   <p:cSld>
     <p:spTree>
@@ -23594,13 +26323,13 @@
           <a:p>
             <a:r>
               <a:rPr lang="en-US" dirty="0"/>
-              <a:t>Variable vs. Fixed Factors</a:t>
+              <a:t>Variable and Fixed Factors</a:t>
             </a:r>
           </a:p>
         </p:txBody>
       </p:sp>
-      <mc:AlternateContent xmlns:mc="http://schemas.openxmlformats.org/markup-compatibility/2006">
-        <mc:Choice xmlns:a14="http://schemas.microsoft.com/office/drawing/2010/main" Requires="a14">
+      <mc:AlternateContent xmlns:mc="http://schemas.openxmlformats.org/markup-compatibility/2006" xmlns:a14="http://schemas.microsoft.com/office/drawing/2010/main">
+        <mc:Choice Requires="a14">
           <p:sp>
             <p:nvSpPr>
               <p:cNvPr id="3" name="Content Placeholder 2">
@@ -23708,7 +26437,7 @@
             </p:txBody>
           </p:sp>
         </mc:Choice>
-        <mc:Fallback>
+        <mc:Fallback xmlns="">
           <p:sp>
             <p:nvSpPr>
               <p:cNvPr id="3" name="Content Placeholder 2">
@@ -23827,7 +26556,7 @@
           <a:p>
             <a:fld id="{1A980C56-831A-4EAB-9EDE-57C090F4F877}" type="slidenum">
               <a:rPr lang="en-US" smtClean="0"/>
-              <a:t>6</a:t>
+              <a:t>7</a:t>
             </a:fld>
             <a:endParaRPr lang="en-US" dirty="0"/>
           </a:p>
@@ -24231,7 +26960,7 @@
 </p:sld>
 </file>
 
-<file path=ppt/slides/slide7.xml><?xml version="1.0" encoding="utf-8"?>
+<file path=ppt/slides/slide8.xml><?xml version="1.0" encoding="utf-8"?>
 <p:sld xmlns:a="http://schemas.openxmlformats.org/drawingml/2006/main" xmlns:r="http://schemas.openxmlformats.org/officeDocument/2006/relationships" xmlns:p="http://schemas.openxmlformats.org/presentationml/2006/main">
   <p:cSld>
     <p:spTree>
@@ -24271,7 +27000,7 @@
           <a:p>
             <a:r>
               <a:rPr lang="en-US" dirty="0"/>
-              <a:t>Short vs. Long Run</a:t>
+              <a:t>The Short Run and the Long Run</a:t>
             </a:r>
           </a:p>
         </p:txBody>
@@ -24535,7 +27264,7 @@
           <a:p>
             <a:fld id="{1A980C56-831A-4EAB-9EDE-57C090F4F877}" type="slidenum">
               <a:rPr lang="en-US" smtClean="0"/>
-              <a:t>7</a:t>
+              <a:t>8</a:t>
             </a:fld>
             <a:endParaRPr lang="en-US" dirty="0"/>
           </a:p>
@@ -24950,7 +27679,7 @@
 </p:sld>
 </file>
 
-<file path=ppt/slides/slide8.xml><?xml version="1.0" encoding="utf-8"?>
+<file path=ppt/slides/slide9.xml><?xml version="1.0" encoding="utf-8"?>
 <p:sld xmlns:a="http://schemas.openxmlformats.org/drawingml/2006/main" xmlns:r="http://schemas.openxmlformats.org/officeDocument/2006/relationships" xmlns:p="http://schemas.openxmlformats.org/presentationml/2006/main">
   <p:cSld>
     <p:spTree>
@@ -25299,7 +28028,7 @@
           <a:p>
             <a:fld id="{1A980C56-831A-4EAB-9EDE-57C090F4F877}" type="slidenum">
               <a:rPr lang="en-US" smtClean="0"/>
-              <a:t>8</a:t>
+              <a:t>9</a:t>
             </a:fld>
             <a:endParaRPr lang="en-US" dirty="0"/>
           </a:p>
@@ -25535,1017 +28264,6 @@
                                           <p:spTgt spid="3">
                                             <p:txEl>
                                               <p:pRg st="5" end="5"/>
-                                            </p:txEl>
-                                          </p:spTgt>
-                                        </p:tgtEl>
-                                      </p:cBhvr>
-                                    </p:animEffect>
-                                  </p:childTnLst>
-                                </p:cTn>
-                              </p:par>
-                            </p:childTnLst>
-                          </p:cTn>
-                        </p:par>
-                      </p:childTnLst>
-                    </p:cTn>
-                  </p:par>
-                </p:childTnLst>
-              </p:cTn>
-              <p:prevCondLst>
-                <p:cond evt="onPrev" delay="0">
-                  <p:tgtEl>
-                    <p:sldTgt/>
-                  </p:tgtEl>
-                </p:cond>
-              </p:prevCondLst>
-              <p:nextCondLst>
-                <p:cond evt="onNext" delay="0">
-                  <p:tgtEl>
-                    <p:sldTgt/>
-                  </p:tgtEl>
-                </p:cond>
-              </p:nextCondLst>
-            </p:seq>
-          </p:childTnLst>
-        </p:cTn>
-      </p:par>
-    </p:tnLst>
-  </p:timing>
-</p:sld>
-</file>
-
-<file path=ppt/slides/slide9.xml><?xml version="1.0" encoding="utf-8"?>
-<p:sld xmlns:a="http://schemas.openxmlformats.org/drawingml/2006/main" xmlns:r="http://schemas.openxmlformats.org/officeDocument/2006/relationships" xmlns:p="http://schemas.openxmlformats.org/presentationml/2006/main">
-  <p:cSld>
-    <p:spTree>
-      <p:nvGrpSpPr>
-        <p:cNvPr id="1" name=""/>
-        <p:cNvGrpSpPr/>
-        <p:nvPr/>
-      </p:nvGrpSpPr>
-      <p:grpSpPr>
-        <a:xfrm>
-          <a:off x="0" y="0"/>
-          <a:ext cx="0" cy="0"/>
-          <a:chOff x="0" y="0"/>
-          <a:chExt cx="0" cy="0"/>
-        </a:xfrm>
-      </p:grpSpPr>
-      <p:sp>
-        <p:nvSpPr>
-          <p:cNvPr id="2" name="Title 1">
-            <a:extLst>
-              <a:ext uri="{FF2B5EF4-FFF2-40B4-BE49-F238E27FC236}">
-                <a16:creationId xmlns:a16="http://schemas.microsoft.com/office/drawing/2014/main" id="{0D8E3986-575B-B929-0562-1561C73A78DE}"/>
-              </a:ext>
-            </a:extLst>
-          </p:cNvPr>
-          <p:cNvSpPr>
-            <a:spLocks noGrp="1"/>
-          </p:cNvSpPr>
-          <p:nvPr>
-            <p:ph type="title"/>
-          </p:nvPr>
-        </p:nvSpPr>
-        <p:spPr/>
-        <p:txBody>
-          <a:bodyPr/>
-          <a:lstStyle/>
-          <a:p>
-            <a:r>
-              <a:rPr lang="en-US" dirty="0"/>
-              <a:t>Production Function</a:t>
-            </a:r>
-          </a:p>
-        </p:txBody>
-      </p:sp>
-      <mc:AlternateContent xmlns:mc="http://schemas.openxmlformats.org/markup-compatibility/2006" xmlns:a14="http://schemas.microsoft.com/office/drawing/2010/main">
-        <mc:Choice Requires="a14">
-          <p:sp>
-            <p:nvSpPr>
-              <p:cNvPr id="3" name="Content Placeholder 2">
-                <a:extLst>
-                  <a:ext uri="{FF2B5EF4-FFF2-40B4-BE49-F238E27FC236}">
-                    <a16:creationId xmlns:a16="http://schemas.microsoft.com/office/drawing/2014/main" id="{5A717BAA-D4BA-C7EB-5696-203603829C7C}"/>
-                  </a:ext>
-                </a:extLst>
-              </p:cNvPr>
-              <p:cNvSpPr>
-                <a:spLocks noGrp="1"/>
-              </p:cNvSpPr>
-              <p:nvPr>
-                <p:ph idx="1"/>
-              </p:nvPr>
-            </p:nvSpPr>
-            <p:spPr>
-              <a:xfrm>
-                <a:off x="628649" y="1825625"/>
-                <a:ext cx="7989139" cy="4351338"/>
-              </a:xfrm>
-            </p:spPr>
-            <p:txBody>
-              <a:bodyPr>
-                <a:normAutofit lnSpcReduction="10000"/>
-              </a:bodyPr>
-              <a:lstStyle/>
-              <a:p>
-                <a:r>
-                  <a:rPr lang="en-US" dirty="0"/>
-                  <a:t>Total Product: Total amount of output.</a:t>
-                </a:r>
-              </a:p>
-              <a:p>
-                <a:pPr lvl="1"/>
-                <a:r>
-                  <a:rPr lang="en-US" b="0" dirty="0"/>
-                  <a:t>Total product is simply </a:t>
-                </a:r>
-                <a14:m>
-                  <m:oMath xmlns:m="http://schemas.openxmlformats.org/officeDocument/2006/math">
-                    <m:r>
-                      <a:rPr lang="en-US" b="0" i="1" smtClean="0">
-                        <a:latin typeface="Cambria Math" panose="02040503050406030204" pitchFamily="18" charset="0"/>
-                      </a:rPr>
-                      <m:t>𝑄</m:t>
-                    </m:r>
-                  </m:oMath>
-                </a14:m>
-                <a:endParaRPr lang="en-US" dirty="0"/>
-              </a:p>
-              <a:p>
-                <a:pPr lvl="3"/>
-                <a:endParaRPr lang="en-US" dirty="0"/>
-              </a:p>
-              <a:p>
-                <a:r>
-                  <a:rPr lang="en-US" dirty="0"/>
-                  <a:t>Average Product: Output produced per unit of input.</a:t>
-                </a:r>
-              </a:p>
-              <a:p>
-                <a:pPr lvl="1"/>
-                <a:r>
-                  <a:rPr lang="en-US" dirty="0"/>
-                  <a:t>Average Product of Capital: </a:t>
-                </a:r>
-                <a14:m>
-                  <m:oMath xmlns:m="http://schemas.openxmlformats.org/officeDocument/2006/math">
-                    <m:r>
-                      <a:rPr lang="en-US" b="0" i="1" smtClean="0">
-                        <a:latin typeface="Cambria Math" panose="02040503050406030204" pitchFamily="18" charset="0"/>
-                      </a:rPr>
-                      <m:t>𝐴</m:t>
-                    </m:r>
-                    <m:sSub>
-                      <m:sSubPr>
-                        <m:ctrlPr>
-                          <a:rPr lang="en-US" b="0" i="1" smtClean="0">
-                            <a:latin typeface="Cambria Math" panose="02040503050406030204" pitchFamily="18" charset="0"/>
-                          </a:rPr>
-                        </m:ctrlPr>
-                      </m:sSubPr>
-                      <m:e>
-                        <m:r>
-                          <a:rPr lang="en-US" b="0" i="1" smtClean="0">
-                            <a:latin typeface="Cambria Math" panose="02040503050406030204" pitchFamily="18" charset="0"/>
-                          </a:rPr>
-                          <m:t>𝑃</m:t>
-                        </m:r>
-                      </m:e>
-                      <m:sub>
-                        <m:r>
-                          <a:rPr lang="en-US" b="0" i="1" smtClean="0">
-                            <a:latin typeface="Cambria Math" panose="02040503050406030204" pitchFamily="18" charset="0"/>
-                          </a:rPr>
-                          <m:t>𝐾</m:t>
-                        </m:r>
-                      </m:sub>
-                    </m:sSub>
-                    <m:r>
-                      <a:rPr lang="en-US" b="0" i="1" smtClean="0">
-                        <a:latin typeface="Cambria Math" panose="02040503050406030204" pitchFamily="18" charset="0"/>
-                      </a:rPr>
-                      <m:t>=</m:t>
-                    </m:r>
-                    <m:f>
-                      <m:fPr>
-                        <m:ctrlPr>
-                          <a:rPr lang="en-US" i="1" smtClean="0">
-                            <a:latin typeface="Cambria Math" panose="02040503050406030204" pitchFamily="18" charset="0"/>
-                          </a:rPr>
-                        </m:ctrlPr>
-                      </m:fPr>
-                      <m:num>
-                        <m:r>
-                          <a:rPr lang="en-US" b="0" i="1" smtClean="0">
-                            <a:latin typeface="Cambria Math" panose="02040503050406030204" pitchFamily="18" charset="0"/>
-                            <a:ea typeface="Cambria Math" panose="02040503050406030204" pitchFamily="18" charset="0"/>
-                          </a:rPr>
-                          <m:t>𝑄</m:t>
-                        </m:r>
-                      </m:num>
-                      <m:den>
-                        <m:r>
-                          <a:rPr lang="en-US" b="0" i="1" smtClean="0">
-                            <a:latin typeface="Cambria Math" panose="02040503050406030204" pitchFamily="18" charset="0"/>
-                            <a:ea typeface="Cambria Math" panose="02040503050406030204" pitchFamily="18" charset="0"/>
-                          </a:rPr>
-                          <m:t>𝐾</m:t>
-                        </m:r>
-                      </m:den>
-                    </m:f>
-                  </m:oMath>
-                </a14:m>
-                <a:endParaRPr lang="en-US" dirty="0"/>
-              </a:p>
-              <a:p>
-                <a:pPr lvl="1"/>
-                <a:r>
-                  <a:rPr lang="en-US" dirty="0"/>
-                  <a:t>Average Product of Labor: </a:t>
-                </a:r>
-                <a14:m>
-                  <m:oMath xmlns:m="http://schemas.openxmlformats.org/officeDocument/2006/math">
-                    <m:sSub>
-                      <m:sSubPr>
-                        <m:ctrlPr>
-                          <a:rPr lang="en-US" b="0" i="1" smtClean="0">
-                            <a:latin typeface="Cambria Math" panose="02040503050406030204" pitchFamily="18" charset="0"/>
-                          </a:rPr>
-                        </m:ctrlPr>
-                      </m:sSubPr>
-                      <m:e>
-                        <m:r>
-                          <a:rPr lang="en-US" b="0" i="1" smtClean="0">
-                            <a:latin typeface="Cambria Math" panose="02040503050406030204" pitchFamily="18" charset="0"/>
-                          </a:rPr>
-                          <m:t>𝐴𝑃</m:t>
-                        </m:r>
-                      </m:e>
-                      <m:sub>
-                        <m:r>
-                          <a:rPr lang="en-US" b="0" i="1" smtClean="0">
-                            <a:latin typeface="Cambria Math" panose="02040503050406030204" pitchFamily="18" charset="0"/>
-                          </a:rPr>
-                          <m:t>𝐿</m:t>
-                        </m:r>
-                      </m:sub>
-                    </m:sSub>
-                    <m:r>
-                      <a:rPr lang="en-US" b="0" i="1" smtClean="0">
-                        <a:latin typeface="Cambria Math" panose="02040503050406030204" pitchFamily="18" charset="0"/>
-                      </a:rPr>
-                      <m:t>=</m:t>
-                    </m:r>
-                    <m:f>
-                      <m:fPr>
-                        <m:ctrlPr>
-                          <a:rPr lang="en-US" i="1" smtClean="0">
-                            <a:latin typeface="Cambria Math" panose="02040503050406030204" pitchFamily="18" charset="0"/>
-                          </a:rPr>
-                        </m:ctrlPr>
-                      </m:fPr>
-                      <m:num>
-                        <m:r>
-                          <a:rPr lang="en-US" b="0" i="1" smtClean="0">
-                            <a:latin typeface="Cambria Math" panose="02040503050406030204" pitchFamily="18" charset="0"/>
-                            <a:ea typeface="Cambria Math" panose="02040503050406030204" pitchFamily="18" charset="0"/>
-                          </a:rPr>
-                          <m:t>𝑄</m:t>
-                        </m:r>
-                      </m:num>
-                      <m:den>
-                        <m:r>
-                          <a:rPr lang="en-US" b="0" i="1" smtClean="0">
-                            <a:latin typeface="Cambria Math" panose="02040503050406030204" pitchFamily="18" charset="0"/>
-                            <a:ea typeface="Cambria Math" panose="02040503050406030204" pitchFamily="18" charset="0"/>
-                          </a:rPr>
-                          <m:t>𝐿</m:t>
-                        </m:r>
-                      </m:den>
-                    </m:f>
-                  </m:oMath>
-                </a14:m>
-                <a:endParaRPr lang="en-US" dirty="0"/>
-              </a:p>
-              <a:p>
-                <a:pPr lvl="3"/>
-                <a:endParaRPr lang="en-US" dirty="0"/>
-              </a:p>
-              <a:p>
-                <a:r>
-                  <a:rPr lang="en-US" dirty="0"/>
-                  <a:t>Marginal Product: Additional output gained from increasing input by a small amount</a:t>
-                </a:r>
-              </a:p>
-              <a:p>
-                <a:pPr lvl="1"/>
-                <a:r>
-                  <a:rPr lang="en-US" dirty="0"/>
-                  <a:t>Marginal Product of Capital: </a:t>
-                </a:r>
-                <a14:m>
-                  <m:oMath xmlns:m="http://schemas.openxmlformats.org/officeDocument/2006/math">
-                    <m:r>
-                      <a:rPr lang="en-US" b="0" i="1" smtClean="0">
-                        <a:latin typeface="Cambria Math" panose="02040503050406030204" pitchFamily="18" charset="0"/>
-                      </a:rPr>
-                      <m:t>𝑀</m:t>
-                    </m:r>
-                    <m:sSub>
-                      <m:sSubPr>
-                        <m:ctrlPr>
-                          <a:rPr lang="en-US" b="0" i="1" smtClean="0">
-                            <a:latin typeface="Cambria Math" panose="02040503050406030204" pitchFamily="18" charset="0"/>
-                          </a:rPr>
-                        </m:ctrlPr>
-                      </m:sSubPr>
-                      <m:e>
-                        <m:r>
-                          <a:rPr lang="en-US" b="0" i="1" smtClean="0">
-                            <a:latin typeface="Cambria Math" panose="02040503050406030204" pitchFamily="18" charset="0"/>
-                          </a:rPr>
-                          <m:t>𝑃</m:t>
-                        </m:r>
-                      </m:e>
-                      <m:sub>
-                        <m:r>
-                          <a:rPr lang="en-US" b="0" i="1" smtClean="0">
-                            <a:latin typeface="Cambria Math" panose="02040503050406030204" pitchFamily="18" charset="0"/>
-                          </a:rPr>
-                          <m:t>𝐾</m:t>
-                        </m:r>
-                      </m:sub>
-                    </m:sSub>
-                    <m:r>
-                      <a:rPr lang="en-US" b="0" i="1" smtClean="0">
-                        <a:latin typeface="Cambria Math" panose="02040503050406030204" pitchFamily="18" charset="0"/>
-                      </a:rPr>
-                      <m:t>=</m:t>
-                    </m:r>
-                    <m:f>
-                      <m:fPr>
-                        <m:ctrlPr>
-                          <a:rPr lang="en-US" i="1" smtClean="0">
-                            <a:latin typeface="Cambria Math" panose="02040503050406030204" pitchFamily="18" charset="0"/>
-                          </a:rPr>
-                        </m:ctrlPr>
-                      </m:fPr>
-                      <m:num>
-                        <m:r>
-                          <a:rPr lang="en-US" i="1" smtClean="0">
-                            <a:latin typeface="Cambria Math" panose="02040503050406030204" pitchFamily="18" charset="0"/>
-                            <a:ea typeface="Cambria Math" panose="02040503050406030204" pitchFamily="18" charset="0"/>
-                          </a:rPr>
-                          <m:t>𝜕</m:t>
-                        </m:r>
-                        <m:r>
-                          <a:rPr lang="en-US" b="0" i="1" smtClean="0">
-                            <a:latin typeface="Cambria Math" panose="02040503050406030204" pitchFamily="18" charset="0"/>
-                            <a:ea typeface="Cambria Math" panose="02040503050406030204" pitchFamily="18" charset="0"/>
-                          </a:rPr>
-                          <m:t>𝑄</m:t>
-                        </m:r>
-                      </m:num>
-                      <m:den>
-                        <m:r>
-                          <a:rPr lang="en-US" i="1" smtClean="0">
-                            <a:latin typeface="Cambria Math" panose="02040503050406030204" pitchFamily="18" charset="0"/>
-                            <a:ea typeface="Cambria Math" panose="02040503050406030204" pitchFamily="18" charset="0"/>
-                          </a:rPr>
-                          <m:t>𝜕</m:t>
-                        </m:r>
-                        <m:r>
-                          <a:rPr lang="en-US" b="0" i="1" smtClean="0">
-                            <a:latin typeface="Cambria Math" panose="02040503050406030204" pitchFamily="18" charset="0"/>
-                            <a:ea typeface="Cambria Math" panose="02040503050406030204" pitchFamily="18" charset="0"/>
-                          </a:rPr>
-                          <m:t>𝐾</m:t>
-                        </m:r>
-                      </m:den>
-                    </m:f>
-                  </m:oMath>
-                </a14:m>
-                <a:endParaRPr lang="en-US" dirty="0"/>
-              </a:p>
-              <a:p>
-                <a:pPr lvl="1"/>
-                <a:r>
-                  <a:rPr lang="en-US" dirty="0"/>
-                  <a:t>Marginal Product of Labor: </a:t>
-                </a:r>
-                <a14:m>
-                  <m:oMath xmlns:m="http://schemas.openxmlformats.org/officeDocument/2006/math">
-                    <m:sSub>
-                      <m:sSubPr>
-                        <m:ctrlPr>
-                          <a:rPr lang="en-US" b="0" i="1" smtClean="0">
-                            <a:latin typeface="Cambria Math" panose="02040503050406030204" pitchFamily="18" charset="0"/>
-                          </a:rPr>
-                        </m:ctrlPr>
-                      </m:sSubPr>
-                      <m:e>
-                        <m:r>
-                          <a:rPr lang="en-US" b="0" i="1" smtClean="0">
-                            <a:latin typeface="Cambria Math" panose="02040503050406030204" pitchFamily="18" charset="0"/>
-                          </a:rPr>
-                          <m:t>𝑀𝑃</m:t>
-                        </m:r>
-                      </m:e>
-                      <m:sub>
-                        <m:r>
-                          <a:rPr lang="en-US" b="0" i="1" smtClean="0">
-                            <a:latin typeface="Cambria Math" panose="02040503050406030204" pitchFamily="18" charset="0"/>
-                          </a:rPr>
-                          <m:t>𝐿</m:t>
-                        </m:r>
-                      </m:sub>
-                    </m:sSub>
-                    <m:r>
-                      <a:rPr lang="en-US" b="0" i="1" smtClean="0">
-                        <a:latin typeface="Cambria Math" panose="02040503050406030204" pitchFamily="18" charset="0"/>
-                      </a:rPr>
-                      <m:t>=</m:t>
-                    </m:r>
-                    <m:f>
-                      <m:fPr>
-                        <m:ctrlPr>
-                          <a:rPr lang="en-US" i="1" smtClean="0">
-                            <a:latin typeface="Cambria Math" panose="02040503050406030204" pitchFamily="18" charset="0"/>
-                          </a:rPr>
-                        </m:ctrlPr>
-                      </m:fPr>
-                      <m:num>
-                        <m:r>
-                          <a:rPr lang="en-US" i="1" smtClean="0">
-                            <a:latin typeface="Cambria Math" panose="02040503050406030204" pitchFamily="18" charset="0"/>
-                            <a:ea typeface="Cambria Math" panose="02040503050406030204" pitchFamily="18" charset="0"/>
-                          </a:rPr>
-                          <m:t>𝜕</m:t>
-                        </m:r>
-                        <m:r>
-                          <a:rPr lang="en-US" b="0" i="1" smtClean="0">
-                            <a:latin typeface="Cambria Math" panose="02040503050406030204" pitchFamily="18" charset="0"/>
-                            <a:ea typeface="Cambria Math" panose="02040503050406030204" pitchFamily="18" charset="0"/>
-                          </a:rPr>
-                          <m:t>𝑄</m:t>
-                        </m:r>
-                      </m:num>
-                      <m:den>
-                        <m:r>
-                          <a:rPr lang="en-US" i="1" smtClean="0">
-                            <a:latin typeface="Cambria Math" panose="02040503050406030204" pitchFamily="18" charset="0"/>
-                            <a:ea typeface="Cambria Math" panose="02040503050406030204" pitchFamily="18" charset="0"/>
-                          </a:rPr>
-                          <m:t>𝜕</m:t>
-                        </m:r>
-                        <m:r>
-                          <a:rPr lang="en-US" b="0" i="1" smtClean="0">
-                            <a:latin typeface="Cambria Math" panose="02040503050406030204" pitchFamily="18" charset="0"/>
-                            <a:ea typeface="Cambria Math" panose="02040503050406030204" pitchFamily="18" charset="0"/>
-                          </a:rPr>
-                          <m:t>𝐿</m:t>
-                        </m:r>
-                      </m:den>
-                    </m:f>
-                  </m:oMath>
-                </a14:m>
-                <a:endParaRPr lang="en-US" dirty="0"/>
-              </a:p>
-            </p:txBody>
-          </p:sp>
-        </mc:Choice>
-        <mc:Fallback xmlns="">
-          <p:sp>
-            <p:nvSpPr>
-              <p:cNvPr id="3" name="Content Placeholder 2">
-                <a:extLst>
-                  <a:ext uri="{FF2B5EF4-FFF2-40B4-BE49-F238E27FC236}">
-                    <a16:creationId xmlns:a16="http://schemas.microsoft.com/office/drawing/2014/main" id="{5A717BAA-D4BA-C7EB-5696-203603829C7C}"/>
-                  </a:ext>
-                </a:extLst>
-              </p:cNvPr>
-              <p:cNvSpPr>
-                <a:spLocks noGrp="1" noRot="1" noChangeAspect="1" noMove="1" noResize="1" noEditPoints="1" noAdjustHandles="1" noChangeArrowheads="1" noChangeShapeType="1" noTextEdit="1"/>
-              </p:cNvSpPr>
-              <p:nvPr>
-                <p:ph idx="1"/>
-              </p:nvPr>
-            </p:nvSpPr>
-            <p:spPr>
-              <a:xfrm>
-                <a:off x="628649" y="1825625"/>
-                <a:ext cx="7989139" cy="4351338"/>
-              </a:xfrm>
-              <a:blipFill>
-                <a:blip r:embed="rId2"/>
-                <a:stretch>
-                  <a:fillRect l="-992" t="-2661" r="-1754"/>
-                </a:stretch>
-              </a:blipFill>
-            </p:spPr>
-            <p:txBody>
-              <a:bodyPr/>
-              <a:lstStyle/>
-              <a:p>
-                <a:r>
-                  <a:rPr lang="en-US">
-                    <a:noFill/>
-                  </a:rPr>
-                  <a:t> </a:t>
-                </a:r>
-              </a:p>
-            </p:txBody>
-          </p:sp>
-        </mc:Fallback>
-      </mc:AlternateContent>
-      <p:sp>
-        <p:nvSpPr>
-          <p:cNvPr id="4" name="Date Placeholder 3">
-            <a:extLst>
-              <a:ext uri="{FF2B5EF4-FFF2-40B4-BE49-F238E27FC236}">
-                <a16:creationId xmlns:a16="http://schemas.microsoft.com/office/drawing/2014/main" id="{B09CFCAE-B4E3-649B-FDB7-488E4E51258C}"/>
-              </a:ext>
-            </a:extLst>
-          </p:cNvPr>
-          <p:cNvSpPr>
-            <a:spLocks noGrp="1"/>
-          </p:cNvSpPr>
-          <p:nvPr>
-            <p:ph type="dt" sz="half" idx="10"/>
-          </p:nvPr>
-        </p:nvSpPr>
-        <p:spPr/>
-        <p:txBody>
-          <a:bodyPr/>
-          <a:lstStyle/>
-          <a:p>
-            <a:r>
-              <a:rPr lang="en-US" dirty="0"/>
-              <a:t>Fall 2023</a:t>
-            </a:r>
-          </a:p>
-        </p:txBody>
-      </p:sp>
-      <p:sp>
-        <p:nvSpPr>
-          <p:cNvPr id="5" name="Footer Placeholder 4">
-            <a:extLst>
-              <a:ext uri="{FF2B5EF4-FFF2-40B4-BE49-F238E27FC236}">
-                <a16:creationId xmlns:a16="http://schemas.microsoft.com/office/drawing/2014/main" id="{52AC4525-C5C8-8596-B2EA-0E2C5344302C}"/>
-              </a:ext>
-            </a:extLst>
-          </p:cNvPr>
-          <p:cNvSpPr>
-            <a:spLocks noGrp="1"/>
-          </p:cNvSpPr>
-          <p:nvPr>
-            <p:ph type="ftr" sz="quarter" idx="11"/>
-          </p:nvPr>
-        </p:nvSpPr>
-        <p:spPr/>
-        <p:txBody>
-          <a:bodyPr/>
-          <a:lstStyle/>
-          <a:p>
-            <a:r>
-              <a:rPr lang="en-US" dirty="0"/>
-              <a:t>DEPARTMENT OF BUSINESS &amp; ECONOMICS</a:t>
-            </a:r>
-          </a:p>
-        </p:txBody>
-      </p:sp>
-      <p:sp>
-        <p:nvSpPr>
-          <p:cNvPr id="6" name="Slide Number Placeholder 5">
-            <a:extLst>
-              <a:ext uri="{FF2B5EF4-FFF2-40B4-BE49-F238E27FC236}">
-                <a16:creationId xmlns:a16="http://schemas.microsoft.com/office/drawing/2014/main" id="{1E261E69-6082-7B91-F48A-C4702A4B503E}"/>
-              </a:ext>
-            </a:extLst>
-          </p:cNvPr>
-          <p:cNvSpPr>
-            <a:spLocks noGrp="1"/>
-          </p:cNvSpPr>
-          <p:nvPr>
-            <p:ph type="sldNum" sz="quarter" idx="12"/>
-          </p:nvPr>
-        </p:nvSpPr>
-        <p:spPr/>
-        <p:txBody>
-          <a:bodyPr/>
-          <a:lstStyle/>
-          <a:p>
-            <a:fld id="{1A980C56-831A-4EAB-9EDE-57C090F4F877}" type="slidenum">
-              <a:rPr lang="en-US" smtClean="0"/>
-              <a:t>9</a:t>
-            </a:fld>
-            <a:endParaRPr lang="en-US" dirty="0"/>
-          </a:p>
-        </p:txBody>
-      </p:sp>
-    </p:spTree>
-    <p:extLst>
-      <p:ext uri="{BB962C8B-B14F-4D97-AF65-F5344CB8AC3E}">
-        <p14:creationId xmlns:p14="http://schemas.microsoft.com/office/powerpoint/2010/main" val="4235818929"/>
-      </p:ext>
-    </p:extLst>
-  </p:cSld>
-  <p:clrMapOvr>
-    <a:masterClrMapping/>
-  </p:clrMapOvr>
-  <p:timing>
-    <p:tnLst>
-      <p:par>
-        <p:cTn id="1" dur="indefinite" restart="never" nodeType="tmRoot">
-          <p:childTnLst>
-            <p:seq concurrent="1" nextAc="seek">
-              <p:cTn id="2" dur="indefinite" nodeType="mainSeq">
-                <p:childTnLst>
-                  <p:par>
-                    <p:cTn id="3" fill="hold">
-                      <p:stCondLst>
-                        <p:cond delay="indefinite"/>
-                      </p:stCondLst>
-                      <p:childTnLst>
-                        <p:par>
-                          <p:cTn id="4" fill="hold">
-                            <p:stCondLst>
-                              <p:cond delay="0"/>
-                            </p:stCondLst>
-                            <p:childTnLst>
-                              <p:par>
-                                <p:cTn id="5" presetID="10" presetClass="entr" presetSubtype="0" fill="hold" nodeType="clickEffect">
-                                  <p:stCondLst>
-                                    <p:cond delay="0"/>
-                                  </p:stCondLst>
-                                  <p:childTnLst>
-                                    <p:set>
-                                      <p:cBhvr>
-                                        <p:cTn id="6" dur="1" fill="hold">
-                                          <p:stCondLst>
-                                            <p:cond delay="0"/>
-                                          </p:stCondLst>
-                                        </p:cTn>
-                                        <p:tgtEl>
-                                          <p:spTgt spid="3">
-                                            <p:txEl>
-                                              <p:pRg st="0" end="0"/>
-                                            </p:txEl>
-                                          </p:spTgt>
-                                        </p:tgtEl>
-                                        <p:attrNameLst>
-                                          <p:attrName>style.visibility</p:attrName>
-                                        </p:attrNameLst>
-                                      </p:cBhvr>
-                                      <p:to>
-                                        <p:strVal val="visible"/>
-                                      </p:to>
-                                    </p:set>
-                                    <p:animEffect transition="in" filter="fade">
-                                      <p:cBhvr>
-                                        <p:cTn id="7" dur="500"/>
-                                        <p:tgtEl>
-                                          <p:spTgt spid="3">
-                                            <p:txEl>
-                                              <p:pRg st="0" end="0"/>
-                                            </p:txEl>
-                                          </p:spTgt>
-                                        </p:tgtEl>
-                                      </p:cBhvr>
-                                    </p:animEffect>
-                                  </p:childTnLst>
-                                </p:cTn>
-                              </p:par>
-                              <p:par>
-                                <p:cTn id="8" presetID="10" presetClass="entr" presetSubtype="0" fill="hold" nodeType="withEffect">
-                                  <p:stCondLst>
-                                    <p:cond delay="0"/>
-                                  </p:stCondLst>
-                                  <p:childTnLst>
-                                    <p:set>
-                                      <p:cBhvr>
-                                        <p:cTn id="9" dur="1" fill="hold">
-                                          <p:stCondLst>
-                                            <p:cond delay="0"/>
-                                          </p:stCondLst>
-                                        </p:cTn>
-                                        <p:tgtEl>
-                                          <p:spTgt spid="3">
-                                            <p:txEl>
-                                              <p:pRg st="1" end="1"/>
-                                            </p:txEl>
-                                          </p:spTgt>
-                                        </p:tgtEl>
-                                        <p:attrNameLst>
-                                          <p:attrName>style.visibility</p:attrName>
-                                        </p:attrNameLst>
-                                      </p:cBhvr>
-                                      <p:to>
-                                        <p:strVal val="visible"/>
-                                      </p:to>
-                                    </p:set>
-                                    <p:animEffect transition="in" filter="fade">
-                                      <p:cBhvr>
-                                        <p:cTn id="10" dur="500"/>
-                                        <p:tgtEl>
-                                          <p:spTgt spid="3">
-                                            <p:txEl>
-                                              <p:pRg st="1" end="1"/>
-                                            </p:txEl>
-                                          </p:spTgt>
-                                        </p:tgtEl>
-                                      </p:cBhvr>
-                                    </p:animEffect>
-                                  </p:childTnLst>
-                                </p:cTn>
-                              </p:par>
-                            </p:childTnLst>
-                          </p:cTn>
-                        </p:par>
-                      </p:childTnLst>
-                    </p:cTn>
-                  </p:par>
-                  <p:par>
-                    <p:cTn id="11" fill="hold">
-                      <p:stCondLst>
-                        <p:cond delay="indefinite"/>
-                      </p:stCondLst>
-                      <p:childTnLst>
-                        <p:par>
-                          <p:cTn id="12" fill="hold">
-                            <p:stCondLst>
-                              <p:cond delay="0"/>
-                            </p:stCondLst>
-                            <p:childTnLst>
-                              <p:par>
-                                <p:cTn id="13" presetID="10" presetClass="entr" presetSubtype="0" fill="hold" nodeType="clickEffect">
-                                  <p:stCondLst>
-                                    <p:cond delay="0"/>
-                                  </p:stCondLst>
-                                  <p:childTnLst>
-                                    <p:set>
-                                      <p:cBhvr>
-                                        <p:cTn id="14" dur="1" fill="hold">
-                                          <p:stCondLst>
-                                            <p:cond delay="0"/>
-                                          </p:stCondLst>
-                                        </p:cTn>
-                                        <p:tgtEl>
-                                          <p:spTgt spid="3">
-                                            <p:txEl>
-                                              <p:pRg st="3" end="3"/>
-                                            </p:txEl>
-                                          </p:spTgt>
-                                        </p:tgtEl>
-                                        <p:attrNameLst>
-                                          <p:attrName>style.visibility</p:attrName>
-                                        </p:attrNameLst>
-                                      </p:cBhvr>
-                                      <p:to>
-                                        <p:strVal val="visible"/>
-                                      </p:to>
-                                    </p:set>
-                                    <p:animEffect transition="in" filter="fade">
-                                      <p:cBhvr>
-                                        <p:cTn id="15" dur="500"/>
-                                        <p:tgtEl>
-                                          <p:spTgt spid="3">
-                                            <p:txEl>
-                                              <p:pRg st="3" end="3"/>
-                                            </p:txEl>
-                                          </p:spTgt>
-                                        </p:tgtEl>
-                                      </p:cBhvr>
-                                    </p:animEffect>
-                                  </p:childTnLst>
-                                </p:cTn>
-                              </p:par>
-                              <p:par>
-                                <p:cTn id="16" presetID="10" presetClass="entr" presetSubtype="0" fill="hold" nodeType="withEffect">
-                                  <p:stCondLst>
-                                    <p:cond delay="0"/>
-                                  </p:stCondLst>
-                                  <p:childTnLst>
-                                    <p:set>
-                                      <p:cBhvr>
-                                        <p:cTn id="17" dur="1" fill="hold">
-                                          <p:stCondLst>
-                                            <p:cond delay="0"/>
-                                          </p:stCondLst>
-                                        </p:cTn>
-                                        <p:tgtEl>
-                                          <p:spTgt spid="3">
-                                            <p:txEl>
-                                              <p:pRg st="4" end="4"/>
-                                            </p:txEl>
-                                          </p:spTgt>
-                                        </p:tgtEl>
-                                        <p:attrNameLst>
-                                          <p:attrName>style.visibility</p:attrName>
-                                        </p:attrNameLst>
-                                      </p:cBhvr>
-                                      <p:to>
-                                        <p:strVal val="visible"/>
-                                      </p:to>
-                                    </p:set>
-                                    <p:animEffect transition="in" filter="fade">
-                                      <p:cBhvr>
-                                        <p:cTn id="18" dur="500"/>
-                                        <p:tgtEl>
-                                          <p:spTgt spid="3">
-                                            <p:txEl>
-                                              <p:pRg st="4" end="4"/>
-                                            </p:txEl>
-                                          </p:spTgt>
-                                        </p:tgtEl>
-                                      </p:cBhvr>
-                                    </p:animEffect>
-                                  </p:childTnLst>
-                                </p:cTn>
-                              </p:par>
-                              <p:par>
-                                <p:cTn id="19" presetID="10" presetClass="entr" presetSubtype="0" fill="hold" nodeType="withEffect">
-                                  <p:stCondLst>
-                                    <p:cond delay="0"/>
-                                  </p:stCondLst>
-                                  <p:childTnLst>
-                                    <p:set>
-                                      <p:cBhvr>
-                                        <p:cTn id="20" dur="1" fill="hold">
-                                          <p:stCondLst>
-                                            <p:cond delay="0"/>
-                                          </p:stCondLst>
-                                        </p:cTn>
-                                        <p:tgtEl>
-                                          <p:spTgt spid="3">
-                                            <p:txEl>
-                                              <p:pRg st="5" end="5"/>
-                                            </p:txEl>
-                                          </p:spTgt>
-                                        </p:tgtEl>
-                                        <p:attrNameLst>
-                                          <p:attrName>style.visibility</p:attrName>
-                                        </p:attrNameLst>
-                                      </p:cBhvr>
-                                      <p:to>
-                                        <p:strVal val="visible"/>
-                                      </p:to>
-                                    </p:set>
-                                    <p:animEffect transition="in" filter="fade">
-                                      <p:cBhvr>
-                                        <p:cTn id="21" dur="500"/>
-                                        <p:tgtEl>
-                                          <p:spTgt spid="3">
-                                            <p:txEl>
-                                              <p:pRg st="5" end="5"/>
-                                            </p:txEl>
-                                          </p:spTgt>
-                                        </p:tgtEl>
-                                      </p:cBhvr>
-                                    </p:animEffect>
-                                  </p:childTnLst>
-                                </p:cTn>
-                              </p:par>
-                            </p:childTnLst>
-                          </p:cTn>
-                        </p:par>
-                      </p:childTnLst>
-                    </p:cTn>
-                  </p:par>
-                  <p:par>
-                    <p:cTn id="22" fill="hold">
-                      <p:stCondLst>
-                        <p:cond delay="indefinite"/>
-                      </p:stCondLst>
-                      <p:childTnLst>
-                        <p:par>
-                          <p:cTn id="23" fill="hold">
-                            <p:stCondLst>
-                              <p:cond delay="0"/>
-                            </p:stCondLst>
-                            <p:childTnLst>
-                              <p:par>
-                                <p:cTn id="24" presetID="10" presetClass="entr" presetSubtype="0" fill="hold" nodeType="clickEffect">
-                                  <p:stCondLst>
-                                    <p:cond delay="0"/>
-                                  </p:stCondLst>
-                                  <p:childTnLst>
-                                    <p:set>
-                                      <p:cBhvr>
-                                        <p:cTn id="25" dur="1" fill="hold">
-                                          <p:stCondLst>
-                                            <p:cond delay="0"/>
-                                          </p:stCondLst>
-                                        </p:cTn>
-                                        <p:tgtEl>
-                                          <p:spTgt spid="3">
-                                            <p:txEl>
-                                              <p:pRg st="7" end="7"/>
-                                            </p:txEl>
-                                          </p:spTgt>
-                                        </p:tgtEl>
-                                        <p:attrNameLst>
-                                          <p:attrName>style.visibility</p:attrName>
-                                        </p:attrNameLst>
-                                      </p:cBhvr>
-                                      <p:to>
-                                        <p:strVal val="visible"/>
-                                      </p:to>
-                                    </p:set>
-                                    <p:animEffect transition="in" filter="fade">
-                                      <p:cBhvr>
-                                        <p:cTn id="26" dur="500"/>
-                                        <p:tgtEl>
-                                          <p:spTgt spid="3">
-                                            <p:txEl>
-                                              <p:pRg st="7" end="7"/>
-                                            </p:txEl>
-                                          </p:spTgt>
-                                        </p:tgtEl>
-                                      </p:cBhvr>
-                                    </p:animEffect>
-                                  </p:childTnLst>
-                                </p:cTn>
-                              </p:par>
-                              <p:par>
-                                <p:cTn id="27" presetID="10" presetClass="entr" presetSubtype="0" fill="hold" nodeType="withEffect">
-                                  <p:stCondLst>
-                                    <p:cond delay="0"/>
-                                  </p:stCondLst>
-                                  <p:childTnLst>
-                                    <p:set>
-                                      <p:cBhvr>
-                                        <p:cTn id="28" dur="1" fill="hold">
-                                          <p:stCondLst>
-                                            <p:cond delay="0"/>
-                                          </p:stCondLst>
-                                        </p:cTn>
-                                        <p:tgtEl>
-                                          <p:spTgt spid="3">
-                                            <p:txEl>
-                                              <p:pRg st="8" end="8"/>
-                                            </p:txEl>
-                                          </p:spTgt>
-                                        </p:tgtEl>
-                                        <p:attrNameLst>
-                                          <p:attrName>style.visibility</p:attrName>
-                                        </p:attrNameLst>
-                                      </p:cBhvr>
-                                      <p:to>
-                                        <p:strVal val="visible"/>
-                                      </p:to>
-                                    </p:set>
-                                    <p:animEffect transition="in" filter="fade">
-                                      <p:cBhvr>
-                                        <p:cTn id="29" dur="500"/>
-                                        <p:tgtEl>
-                                          <p:spTgt spid="3">
-                                            <p:txEl>
-                                              <p:pRg st="8" end="8"/>
-                                            </p:txEl>
-                                          </p:spTgt>
-                                        </p:tgtEl>
-                                      </p:cBhvr>
-                                    </p:animEffect>
-                                  </p:childTnLst>
-                                </p:cTn>
-                              </p:par>
-                              <p:par>
-                                <p:cTn id="30" presetID="10" presetClass="entr" presetSubtype="0" fill="hold" nodeType="withEffect">
-                                  <p:stCondLst>
-                                    <p:cond delay="0"/>
-                                  </p:stCondLst>
-                                  <p:childTnLst>
-                                    <p:set>
-                                      <p:cBhvr>
-                                        <p:cTn id="31" dur="1" fill="hold">
-                                          <p:stCondLst>
-                                            <p:cond delay="0"/>
-                                          </p:stCondLst>
-                                        </p:cTn>
-                                        <p:tgtEl>
-                                          <p:spTgt spid="3">
-                                            <p:txEl>
-                                              <p:pRg st="9" end="9"/>
-                                            </p:txEl>
-                                          </p:spTgt>
-                                        </p:tgtEl>
-                                        <p:attrNameLst>
-                                          <p:attrName>style.visibility</p:attrName>
-                                        </p:attrNameLst>
-                                      </p:cBhvr>
-                                      <p:to>
-                                        <p:strVal val="visible"/>
-                                      </p:to>
-                                    </p:set>
-                                    <p:animEffect transition="in" filter="fade">
-                                      <p:cBhvr>
-                                        <p:cTn id="32" dur="500"/>
-                                        <p:tgtEl>
-                                          <p:spTgt spid="3">
-                                            <p:txEl>
-                                              <p:pRg st="9" end="9"/>
                                             </p:txEl>
                                           </p:spTgt>
                                         </p:tgtEl>
